--- a/Rheinmetall_Präsentation.pptx
+++ b/Rheinmetall_Präsentation.pptx
@@ -5,7 +5,7 @@
     <p:sldMasterId id="2147483648" r:id="rId1"/>
   </p:sldMasterIdLst>
   <p:notesMasterIdLst>
-    <p:notesMasterId r:id="rId13"/>
+    <p:notesMasterId r:id="rId14"/>
   </p:notesMasterIdLst>
   <p:sldIdLst>
     <p:sldId id="256" r:id="rId2"/>
@@ -18,7 +18,8 @@
     <p:sldId id="297" r:id="rId9"/>
     <p:sldId id="298" r:id="rId10"/>
     <p:sldId id="300" r:id="rId11"/>
-    <p:sldId id="299" r:id="rId12"/>
+    <p:sldId id="301" r:id="rId12"/>
+    <p:sldId id="299" r:id="rId13"/>
   </p:sldIdLst>
   <p:sldSz cx="12192000" cy="6858000"/>
   <p:notesSz cx="6858000" cy="9144000"/>
@@ -606,10 +607,263 @@
           <a:bodyPr/>
           <a:lstStyle/>
           <a:p>
-            <a:r>
-              <a:rPr lang="de-DE" dirty="0"/>
-              <a:t>Herzlich willkommen auch von mir, Jolan Eggers, heute stelle ich euch die Auswahl schneller Boarding Verfahren anhand einer Simulation mit Zellulären Automaten vor</a:t>
-            </a:r>
+            <a:pPr algn="l"/>
+            <a:r>
+              <a:rPr lang="de-DE" b="0" i="0" dirty="0">
+                <a:solidFill>
+                  <a:srgbClr val="000000"/>
+                </a:solidFill>
+                <a:effectLst/>
+                <a:latin typeface="ff3"/>
+              </a:rPr>
+              <a:t>Diese Beschränkungen erlauben es den Behörden, kritische </a:t>
+            </a:r>
+          </a:p>
+          <a:p>
+            <a:pPr algn="l"/>
+            <a:r>
+              <a:rPr lang="de-DE" b="0" i="0" dirty="0">
+                <a:solidFill>
+                  <a:srgbClr val="000000"/>
+                </a:solidFill>
+                <a:effectLst/>
+                <a:latin typeface="ff3"/>
+              </a:rPr>
+              <a:t>Exporte und andere Handlungen im Außenwirtschaftsverkehr im Hinblick auf die mit der Rüstungskontrolle </a:t>
+            </a:r>
+            <a:r>
+              <a:rPr lang="de-DE" b="0" i="0" dirty="0" err="1">
+                <a:solidFill>
+                  <a:srgbClr val="000000"/>
+                </a:solidFill>
+                <a:effectLst/>
+                <a:latin typeface="ff3"/>
+              </a:rPr>
+              <a:t>ver</a:t>
+            </a:r>
+            <a:r>
+              <a:rPr lang="de-DE" b="0" i="0" dirty="0">
+                <a:solidFill>
+                  <a:srgbClr val="000000"/>
+                </a:solidFill>
+                <a:effectLst/>
+                <a:latin typeface="ff3"/>
+              </a:rPr>
+              <a:t>-</a:t>
+            </a:r>
+          </a:p>
+          <a:p>
+            <a:pPr algn="l"/>
+            <a:r>
+              <a:rPr lang="de-DE" b="0" i="0" dirty="0">
+                <a:solidFill>
+                  <a:srgbClr val="000000"/>
+                </a:solidFill>
+                <a:effectLst/>
+                <a:latin typeface="ff3"/>
+              </a:rPr>
+              <a:t>folgten Ziele zu überprüfen. Das EU-Recht hat insoweit Vorrang vor dem nationalen Recht, auch dem deutschen. </a:t>
+            </a:r>
+          </a:p>
+          <a:p>
+            <a:pPr algn="l"/>
+            <a:r>
+              <a:rPr lang="de-DE" b="0" i="0" dirty="0">
+                <a:solidFill>
+                  <a:srgbClr val="000000"/>
+                </a:solidFill>
+                <a:effectLst/>
+                <a:latin typeface="ff3"/>
+              </a:rPr>
+              <a:t>Dessen ungeachtet kann nach Art. 346 AEUV (Vertrag über die Arbeitsweise der Europäischen Union) jeder Mit-</a:t>
+            </a:r>
+          </a:p>
+          <a:p>
+            <a:pPr algn="l"/>
+            <a:r>
+              <a:rPr lang="de-DE" b="0" i="0" dirty="0" err="1">
+                <a:solidFill>
+                  <a:srgbClr val="000000"/>
+                </a:solidFill>
+                <a:effectLst/>
+                <a:latin typeface="ff3"/>
+              </a:rPr>
+              <a:t>gliedstaat</a:t>
+            </a:r>
+            <a:r>
+              <a:rPr lang="de-DE" b="0" i="0" dirty="0">
+                <a:solidFill>
+                  <a:srgbClr val="000000"/>
+                </a:solidFill>
+                <a:effectLst/>
+                <a:latin typeface="ff3"/>
+              </a:rPr>
+              <a:t> die Maßnahmen ergreifen, die seines Erachtens für die Wahrung seiner wesentlichen nationalen </a:t>
+            </a:r>
+          </a:p>
+          <a:p>
+            <a:pPr algn="l"/>
+            <a:r>
+              <a:rPr lang="de-DE" b="0" i="0" dirty="0">
+                <a:solidFill>
+                  <a:srgbClr val="000000"/>
+                </a:solidFill>
+                <a:effectLst/>
+                <a:latin typeface="ff3"/>
+              </a:rPr>
+              <a:t>Sicherheitsinteressen erforderlich sind. Damit sind Entscheidungen über die Erzeugung von Waffen, Munition und </a:t>
+            </a:r>
+          </a:p>
+          <a:p>
+            <a:pPr algn="l"/>
+            <a:r>
+              <a:rPr lang="de-DE" b="0" i="0" dirty="0">
+                <a:solidFill>
+                  <a:srgbClr val="000000"/>
+                </a:solidFill>
+                <a:effectLst/>
+                <a:latin typeface="ff3"/>
+              </a:rPr>
+              <a:t>Kriegsmaterial oder den Handel damit dem jeweiligen nationalen Gesetzgeber vorbehalten. </a:t>
+            </a:r>
+          </a:p>
+          <a:p>
+            <a:pPr algn="l"/>
+            <a:endParaRPr lang="de-DE" b="0" i="0" dirty="0">
+              <a:solidFill>
+                <a:srgbClr val="000000"/>
+              </a:solidFill>
+              <a:effectLst/>
+              <a:latin typeface="ff3"/>
+            </a:endParaRPr>
+          </a:p>
+          <a:p>
+            <a:pPr algn="l"/>
+            <a:r>
+              <a:rPr lang="de-DE" b="0" i="0" dirty="0">
+                <a:solidFill>
+                  <a:srgbClr val="000000"/>
+                </a:solidFill>
+                <a:effectLst/>
+                <a:latin typeface="ff3"/>
+              </a:rPr>
+              <a:t>Was als Kriegswaffe anzusehen ist, wird abschließend in einer Anlage zum </a:t>
+            </a:r>
+          </a:p>
+          <a:p>
+            <a:pPr algn="l"/>
+            <a:r>
+              <a:rPr lang="de-DE" b="0" i="0" dirty="0" err="1">
+                <a:solidFill>
+                  <a:srgbClr val="000000"/>
+                </a:solidFill>
+                <a:effectLst/>
+                <a:latin typeface="ff3"/>
+              </a:rPr>
+              <a:t>KrWaffKontrG</a:t>
+            </a:r>
+            <a:r>
+              <a:rPr lang="de-DE" b="0" i="0" dirty="0">
+                <a:solidFill>
+                  <a:srgbClr val="000000"/>
+                </a:solidFill>
+                <a:effectLst/>
+                <a:latin typeface="ff3"/>
+              </a:rPr>
+              <a:t> aufgeführt, der Kriegswaffenliste. Unter Kriegswaffen sind nicht nur Geräte wie z. B. Kampfpanzer, </a:t>
+            </a:r>
+          </a:p>
+          <a:p>
+            <a:pPr algn="l"/>
+            <a:r>
+              <a:rPr lang="de-DE" b="0" i="0" dirty="0">
+                <a:solidFill>
+                  <a:srgbClr val="000000"/>
+                </a:solidFill>
+                <a:effectLst/>
+                <a:latin typeface="ff3"/>
+              </a:rPr>
+              <a:t>gepanzerte kampfunterstützende Fahrzeuge oder Maschinengewehre zu verstehen, sondern auch bestimmte </a:t>
+            </a:r>
+          </a:p>
+          <a:p>
+            <a:pPr algn="l"/>
+            <a:r>
+              <a:rPr lang="de-DE" b="0" i="0" dirty="0">
+                <a:solidFill>
+                  <a:srgbClr val="000000"/>
+                </a:solidFill>
+                <a:effectLst/>
+                <a:latin typeface="ff3"/>
+              </a:rPr>
+              <a:t>Munitionen wie z. B. Panzer- oder Artilleriemunition. Darüber hinaus sind hier neben kompletten Geräten und Munitionen auch bestimmte Baugruppen und Komponenten, wie z. B. der Turm und das Fahrgestell eines Kampf-</a:t>
+            </a:r>
+          </a:p>
+          <a:p>
+            <a:pPr algn="l"/>
+            <a:r>
+              <a:rPr lang="de-DE" b="0" i="0" dirty="0" err="1">
+                <a:solidFill>
+                  <a:srgbClr val="000000"/>
+                </a:solidFill>
+                <a:effectLst/>
+                <a:latin typeface="ff3"/>
+              </a:rPr>
+              <a:t>panzers</a:t>
+            </a:r>
+            <a:r>
+              <a:rPr lang="de-DE" b="0" i="0" dirty="0">
+                <a:solidFill>
+                  <a:srgbClr val="000000"/>
+                </a:solidFill>
+                <a:effectLst/>
+                <a:latin typeface="ff3"/>
+              </a:rPr>
+              <a:t> oder das Geschoss, der Gefechtskopf oder der Zünder für bestimmte Munitionen, als Kriegswaffe definiert. </a:t>
+            </a:r>
+          </a:p>
+          <a:p>
+            <a:pPr algn="l"/>
+            <a:endParaRPr lang="de-DE" b="0" i="0" dirty="0">
+              <a:solidFill>
+                <a:srgbClr val="000000"/>
+              </a:solidFill>
+              <a:effectLst/>
+              <a:latin typeface="ff3"/>
+            </a:endParaRPr>
+          </a:p>
+          <a:p>
+            <a:pPr algn="l"/>
+            <a:r>
+              <a:rPr lang="de-DE" b="0" i="0" dirty="0">
+                <a:solidFill>
+                  <a:srgbClr val="000000"/>
+                </a:solidFill>
+                <a:effectLst/>
+                <a:latin typeface="ff3"/>
+              </a:rPr>
+              <a:t>EU-Recht hat Vorrang vor dem deutschen Recht!</a:t>
+            </a:r>
+          </a:p>
+          <a:p>
+            <a:pPr algn="l"/>
+            <a:endParaRPr lang="de-DE" b="0" i="0" dirty="0">
+              <a:solidFill>
+                <a:srgbClr val="000000"/>
+              </a:solidFill>
+              <a:effectLst/>
+              <a:latin typeface="ff3"/>
+            </a:endParaRPr>
+          </a:p>
+          <a:p>
+            <a:pPr algn="l"/>
+            <a:endParaRPr lang="de-DE" b="0" i="0" dirty="0">
+              <a:solidFill>
+                <a:srgbClr val="000000"/>
+              </a:solidFill>
+              <a:effectLst/>
+              <a:latin typeface="ff3"/>
+            </a:endParaRPr>
           </a:p>
         </p:txBody>
       </p:sp>
@@ -693,16 +947,72 @@
           <a:bodyPr/>
           <a:lstStyle/>
           <a:p>
-            <a:r>
-              <a:rPr lang="de-DE" dirty="0"/>
-              <a:t>Risiko wird bewertet nach Eintrittswahrscheinlichkeit, Schadenswahrscheinlichkeit. Diese werden nach einer Formel zu einem Gesamtrisiko berechnet.</a:t>
-            </a:r>
-          </a:p>
-          <a:p>
-            <a:r>
-              <a:rPr lang="de-DE" dirty="0"/>
-              <a:t>Durch das 2022 beschlossene Sondervermögen von 100 Milliarden € ließen sich lang aufgeschobene Großprojekte realisieren, diese könnten kurzfristig allerdings auch zu kurzfristigem Personalmangel führen.</a:t>
-            </a:r>
+            <a:pPr algn="l"/>
+            <a:endParaRPr lang="de-DE" b="0" i="0" dirty="0">
+              <a:solidFill>
+                <a:srgbClr val="000000"/>
+              </a:solidFill>
+              <a:effectLst/>
+              <a:latin typeface="ff3"/>
+            </a:endParaRPr>
+          </a:p>
+          <a:p>
+            <a:pPr algn="l"/>
+            <a:r>
+              <a:rPr lang="de-DE" b="0" i="0" u="sng" dirty="0">
+                <a:solidFill>
+                  <a:srgbClr val="D2D0CE"/>
+                </a:solidFill>
+                <a:effectLst/>
+                <a:latin typeface="-apple-system"/>
+              </a:rPr>
+              <a:t>Post-</a:t>
+            </a:r>
+            <a:r>
+              <a:rPr lang="de-DE" b="0" i="0" u="sng" dirty="0" err="1">
+                <a:solidFill>
+                  <a:srgbClr val="D2D0CE"/>
+                </a:solidFill>
+                <a:effectLst/>
+                <a:latin typeface="-apple-system"/>
+              </a:rPr>
+              <a:t>Shipment</a:t>
+            </a:r>
+            <a:r>
+              <a:rPr lang="de-DE" b="0" i="0" u="sng" dirty="0">
+                <a:solidFill>
+                  <a:srgbClr val="D2D0CE"/>
+                </a:solidFill>
+                <a:effectLst/>
+                <a:latin typeface="-apple-system"/>
+              </a:rPr>
+              <a:t>-Kontrollen</a:t>
+            </a:r>
+            <a:r>
+              <a:rPr lang="de-DE" b="0" i="0" dirty="0">
+                <a:solidFill>
+                  <a:srgbClr val="D2D0CE"/>
+                </a:solidFill>
+                <a:effectLst/>
+                <a:latin typeface="-apple-system"/>
+              </a:rPr>
+              <a:t> sind Kontrollen, die nach der Lieferung von Rüstungsgütern an andere Länder durchgeführt werden. Sie sollen überprüfen, ob die Güter noch beim angegebenen Endverwender sind. </a:t>
+            </a:r>
+            <a:r>
+              <a:rPr lang="de-DE" b="0" i="0" dirty="0">
+                <a:effectLst/>
+                <a:latin typeface="-apple-system"/>
+                <a:hlinkClick r:id="rId3"/>
+              </a:rPr>
+              <a:t>Die Bundesregierung hat 2015 beschlossen, solche Kontrollen für bestimmte Waffen einzuführen</a:t>
+            </a:r>
+            <a:endParaRPr lang="de-DE" b="0" i="0" dirty="0">
+              <a:solidFill>
+                <a:srgbClr val="000000"/>
+              </a:solidFill>
+              <a:effectLst/>
+              <a:latin typeface="ff3"/>
+            </a:endParaRPr>
           </a:p>
         </p:txBody>
       </p:sp>
@@ -724,6 +1034,99 @@
             <a:fld id="{A4B1B59E-D5B0-4E80-9D86-EC6522F3FBF9}" type="slidenum">
               <a:rPr lang="de-DE" smtClean="0"/>
               <a:t>11</a:t>
+            </a:fld>
+            <a:endParaRPr lang="de-DE"/>
+          </a:p>
+        </p:txBody>
+      </p:sp>
+    </p:spTree>
+    <p:extLst>
+      <p:ext uri="{BB962C8B-B14F-4D97-AF65-F5344CB8AC3E}">
+        <p14:creationId xmlns:p14="http://schemas.microsoft.com/office/powerpoint/2010/main" val="2902255542"/>
+      </p:ext>
+    </p:extLst>
+  </p:cSld>
+  <p:clrMapOvr>
+    <a:masterClrMapping/>
+  </p:clrMapOvr>
+</p:notes>
+</file>
+
+<file path=ppt/notesSlides/notesSlide12.xml><?xml version="1.0" encoding="utf-8"?>
+<p:notes xmlns:a="http://schemas.openxmlformats.org/drawingml/2006/main" xmlns:r="http://schemas.openxmlformats.org/officeDocument/2006/relationships" xmlns:p="http://schemas.openxmlformats.org/presentationml/2006/main">
+  <p:cSld>
+    <p:spTree>
+      <p:nvGrpSpPr>
+        <p:cNvPr id="1" name=""/>
+        <p:cNvGrpSpPr/>
+        <p:nvPr/>
+      </p:nvGrpSpPr>
+      <p:grpSpPr>
+        <a:xfrm>
+          <a:off x="0" y="0"/>
+          <a:ext cx="0" cy="0"/>
+          <a:chOff x="0" y="0"/>
+          <a:chExt cx="0" cy="0"/>
+        </a:xfrm>
+      </p:grpSpPr>
+      <p:sp>
+        <p:nvSpPr>
+          <p:cNvPr id="2" name="Slide Image Placeholder 1"/>
+          <p:cNvSpPr>
+            <a:spLocks noGrp="1" noRot="1" noChangeAspect="1"/>
+          </p:cNvSpPr>
+          <p:nvPr>
+            <p:ph type="sldImg"/>
+          </p:nvPr>
+        </p:nvSpPr>
+        <p:spPr/>
+      </p:sp>
+      <p:sp>
+        <p:nvSpPr>
+          <p:cNvPr id="3" name="Notes Placeholder 2"/>
+          <p:cNvSpPr>
+            <a:spLocks noGrp="1"/>
+          </p:cNvSpPr>
+          <p:nvPr>
+            <p:ph type="body" idx="1"/>
+          </p:nvPr>
+        </p:nvSpPr>
+        <p:spPr/>
+        <p:txBody>
+          <a:bodyPr/>
+          <a:lstStyle/>
+          <a:p>
+            <a:r>
+              <a:rPr lang="de-DE" dirty="0"/>
+              <a:t>Risiko wird bewertet nach Eintrittswahrscheinlichkeit, Schadenswahrscheinlichkeit. Diese werden nach einer Formel zu einem Gesamtrisiko berechnet.</a:t>
+            </a:r>
+          </a:p>
+          <a:p>
+            <a:r>
+              <a:rPr lang="de-DE" dirty="0"/>
+              <a:t>Durch das 2022 beschlossene Sondervermögen von 100 Milliarden € ließen sich lang aufgeschobene Großprojekte realisieren, diese könnten kurzfristig allerdings auch zu kurzfristigem Personalmangel führen.</a:t>
+            </a:r>
+          </a:p>
+        </p:txBody>
+      </p:sp>
+      <p:sp>
+        <p:nvSpPr>
+          <p:cNvPr id="4" name="Slide Number Placeholder 3"/>
+          <p:cNvSpPr>
+            <a:spLocks noGrp="1"/>
+          </p:cNvSpPr>
+          <p:nvPr>
+            <p:ph type="sldNum" sz="quarter" idx="5"/>
+          </p:nvPr>
+        </p:nvSpPr>
+        <p:spPr/>
+        <p:txBody>
+          <a:bodyPr/>
+          <a:lstStyle/>
+          <a:p>
+            <a:fld id="{A4B1B59E-D5B0-4E80-9D86-EC6522F3FBF9}" type="slidenum">
+              <a:rPr lang="de-DE" smtClean="0"/>
+              <a:t>12</a:t>
             </a:fld>
             <a:endParaRPr lang="de-DE"/>
           </a:p>
@@ -5310,18 +5713,13 @@
             <a:spLocks noGrp="1"/>
           </p:cNvSpPr>
           <p:nvPr>
-            <p:ph type="ctrTitle"/>
+            <p:ph type="title"/>
           </p:nvPr>
         </p:nvSpPr>
-        <p:spPr>
-          <a:xfrm>
-            <a:off x="738026" y="1064589"/>
-            <a:ext cx="9144000" cy="485811"/>
-          </a:xfrm>
-        </p:spPr>
+        <p:spPr/>
         <p:txBody>
           <a:bodyPr>
-            <a:normAutofit fontScale="90000"/>
+            <a:normAutofit/>
           </a:bodyPr>
           <a:lstStyle/>
           <a:p>
@@ -5338,8 +5736,243 @@
                 <a:latin typeface="Times New Roman" panose="02020603050405020304" pitchFamily="18" charset="0"/>
                 <a:cs typeface="Times New Roman" panose="02020603050405020304" pitchFamily="18" charset="0"/>
               </a:rPr>
-              <a:t>Gesetzte</a:t>
-            </a:r>
+              <a:t>Regulatorisches Umfeld</a:t>
+            </a:r>
+          </a:p>
+        </p:txBody>
+      </p:sp>
+      <p:sp>
+        <p:nvSpPr>
+          <p:cNvPr id="2" name="Inhaltsplatzhalter 1">
+            <a:extLst>
+              <a:ext uri="{FF2B5EF4-FFF2-40B4-BE49-F238E27FC236}">
+                <a16:creationId xmlns:a16="http://schemas.microsoft.com/office/drawing/2014/main" id="{2D72C13E-5129-4532-134A-4FA54056D29C}"/>
+              </a:ext>
+            </a:extLst>
+          </p:cNvPr>
+          <p:cNvSpPr>
+            <a:spLocks noGrp="1"/>
+          </p:cNvSpPr>
+          <p:nvPr>
+            <p:ph idx="1"/>
+          </p:nvPr>
+        </p:nvSpPr>
+        <p:spPr/>
+        <p:txBody>
+          <a:bodyPr>
+            <a:normAutofit/>
+          </a:bodyPr>
+          <a:lstStyle/>
+          <a:p>
+            <a:r>
+              <a:rPr lang="de-DE" sz="1800" dirty="0">
+                <a:latin typeface="Times New Roman" panose="02020603050405020304" pitchFamily="18" charset="0"/>
+                <a:cs typeface="Times New Roman" panose="02020603050405020304" pitchFamily="18" charset="0"/>
+              </a:rPr>
+              <a:t>Rüstungsexport wird geregelt von</a:t>
+            </a:r>
+          </a:p>
+          <a:p>
+            <a:pPr lvl="1"/>
+            <a:r>
+              <a:rPr lang="de-DE" sz="1800" dirty="0">
+                <a:latin typeface="Times New Roman" panose="02020603050405020304" pitchFamily="18" charset="0"/>
+                <a:cs typeface="Times New Roman" panose="02020603050405020304" pitchFamily="18" charset="0"/>
+              </a:rPr>
+              <a:t>Grundgesetz (GG)</a:t>
+            </a:r>
+          </a:p>
+          <a:p>
+            <a:pPr lvl="1"/>
+            <a:r>
+              <a:rPr lang="de-DE" sz="1800" b="0" i="0" dirty="0">
+                <a:solidFill>
+                  <a:srgbClr val="000000"/>
+                </a:solidFill>
+                <a:effectLst/>
+                <a:latin typeface="Times New Roman" panose="02020603050405020304" pitchFamily="18" charset="0"/>
+                <a:cs typeface="Times New Roman" panose="02020603050405020304" pitchFamily="18" charset="0"/>
+              </a:rPr>
+              <a:t>Gesetz über die Kontrolle von Kriegswaffen (</a:t>
+            </a:r>
+            <a:r>
+              <a:rPr lang="de-DE" sz="1800" b="0" i="0" dirty="0" err="1">
+                <a:solidFill>
+                  <a:srgbClr val="000000"/>
+                </a:solidFill>
+                <a:effectLst/>
+                <a:latin typeface="Times New Roman" panose="02020603050405020304" pitchFamily="18" charset="0"/>
+                <a:cs typeface="Times New Roman" panose="02020603050405020304" pitchFamily="18" charset="0"/>
+              </a:rPr>
+              <a:t>KrWaffKontrG</a:t>
+            </a:r>
+            <a:r>
+              <a:rPr lang="de-DE" sz="1800" b="0" i="0" dirty="0">
+                <a:solidFill>
+                  <a:srgbClr val="000000"/>
+                </a:solidFill>
+                <a:effectLst/>
+                <a:latin typeface="Times New Roman" panose="02020603050405020304" pitchFamily="18" charset="0"/>
+                <a:cs typeface="Times New Roman" panose="02020603050405020304" pitchFamily="18" charset="0"/>
+              </a:rPr>
+              <a:t>)</a:t>
+            </a:r>
+          </a:p>
+          <a:p>
+            <a:pPr lvl="1"/>
+            <a:r>
+              <a:rPr lang="de-DE" sz="1800" b="0" i="0" dirty="0">
+                <a:solidFill>
+                  <a:srgbClr val="000000"/>
+                </a:solidFill>
+                <a:effectLst/>
+                <a:latin typeface="Times New Roman" panose="02020603050405020304" pitchFamily="18" charset="0"/>
+                <a:cs typeface="Times New Roman" panose="02020603050405020304" pitchFamily="18" charset="0"/>
+              </a:rPr>
+              <a:t>Außenwirtschaftsgesetz (AWG)</a:t>
+            </a:r>
+          </a:p>
+          <a:p>
+            <a:r>
+              <a:rPr lang="de-DE" sz="1800" dirty="0">
+                <a:solidFill>
+                  <a:srgbClr val="000000"/>
+                </a:solidFill>
+                <a:latin typeface="Times New Roman" panose="02020603050405020304" pitchFamily="18" charset="0"/>
+                <a:cs typeface="Times New Roman" panose="02020603050405020304" pitchFamily="18" charset="0"/>
+              </a:rPr>
+              <a:t>In Verbindung mit </a:t>
+            </a:r>
+            <a:r>
+              <a:rPr lang="de-DE" sz="1800" b="0" i="0" dirty="0">
+                <a:solidFill>
+                  <a:srgbClr val="000000"/>
+                </a:solidFill>
+                <a:effectLst/>
+                <a:latin typeface="Times New Roman" panose="02020603050405020304" pitchFamily="18" charset="0"/>
+                <a:cs typeface="Times New Roman" panose="02020603050405020304" pitchFamily="18" charset="0"/>
+              </a:rPr>
+              <a:t>der Außenwirtschaftsverordnung (AWV) </a:t>
+            </a:r>
+            <a:endParaRPr lang="de-DE" sz="1800" dirty="0">
+              <a:solidFill>
+                <a:srgbClr val="000000"/>
+              </a:solidFill>
+              <a:latin typeface="Times New Roman" panose="02020603050405020304" pitchFamily="18" charset="0"/>
+              <a:cs typeface="Times New Roman" panose="02020603050405020304" pitchFamily="18" charset="0"/>
+            </a:endParaRPr>
+          </a:p>
+          <a:p>
+            <a:r>
+              <a:rPr lang="de-DE" sz="1800" dirty="0">
+                <a:solidFill>
+                  <a:srgbClr val="000000"/>
+                </a:solidFill>
+                <a:latin typeface="Times New Roman" panose="02020603050405020304" pitchFamily="18" charset="0"/>
+                <a:cs typeface="Times New Roman" panose="02020603050405020304" pitchFamily="18" charset="0"/>
+              </a:rPr>
+              <a:t>Rüstungsexporte werden durch zahlreiche Verbote, Genehmigungs- und Meldepflichten auf EU- und </a:t>
+            </a:r>
+            <a:r>
+              <a:rPr lang="de-DE" sz="1800" b="0" i="0" dirty="0">
+                <a:solidFill>
+                  <a:srgbClr val="000000"/>
+                </a:solidFill>
+                <a:effectLst/>
+                <a:latin typeface="Times New Roman" panose="02020603050405020304" pitchFamily="18" charset="0"/>
+                <a:cs typeface="Times New Roman" panose="02020603050405020304" pitchFamily="18" charset="0"/>
+              </a:rPr>
+              <a:t>nationaler Ebene beschränkt</a:t>
+            </a:r>
+          </a:p>
+          <a:p>
+            <a:pPr algn="l"/>
+            <a:r>
+              <a:rPr lang="de-DE" sz="1800" b="1" i="0" dirty="0">
+                <a:solidFill>
+                  <a:srgbClr val="000000"/>
+                </a:solidFill>
+                <a:effectLst/>
+                <a:latin typeface="Times New Roman" panose="02020603050405020304" pitchFamily="18" charset="0"/>
+                <a:cs typeface="Times New Roman" panose="02020603050405020304" pitchFamily="18" charset="0"/>
+              </a:rPr>
+              <a:t>Kriegswaffen</a:t>
+            </a:r>
+            <a:r>
+              <a:rPr lang="de-DE" sz="1800" b="0" i="0" dirty="0">
+                <a:solidFill>
+                  <a:srgbClr val="000000"/>
+                </a:solidFill>
+                <a:effectLst/>
+                <a:latin typeface="Times New Roman" panose="02020603050405020304" pitchFamily="18" charset="0"/>
+                <a:cs typeface="Times New Roman" panose="02020603050405020304" pitchFamily="18" charset="0"/>
+              </a:rPr>
+              <a:t> – Nach Art. 26 Abs. 2 GG bedürfen die Herstellung, die Beförderung und das Inverkehrbringen von Kriegswaffen einer Genehmigung der Bundesregierung</a:t>
+            </a:r>
+          </a:p>
+          <a:p>
+            <a:pPr algn="l"/>
+            <a:r>
+              <a:rPr lang="de-DE" sz="1800" b="0" i="0" dirty="0">
+                <a:solidFill>
+                  <a:srgbClr val="000000"/>
+                </a:solidFill>
+                <a:effectLst/>
+                <a:latin typeface="Times New Roman" panose="02020603050405020304" pitchFamily="18" charset="0"/>
+                <a:cs typeface="Times New Roman" panose="02020603050405020304" pitchFamily="18" charset="0"/>
+              </a:rPr>
+              <a:t>Transport, Einfuhr, Ausfuhr und Durchfuhr von Kriegswaffen innerhalb und außerhalb des deutschen Hoheitsgebietes </a:t>
+            </a:r>
+            <a:r>
+              <a:rPr lang="de-DE" sz="1800" b="0" i="0" u="sng" dirty="0">
+                <a:solidFill>
+                  <a:srgbClr val="000000"/>
+                </a:solidFill>
+                <a:effectLst/>
+                <a:latin typeface="Times New Roman" panose="02020603050405020304" pitchFamily="18" charset="0"/>
+                <a:cs typeface="Times New Roman" panose="02020603050405020304" pitchFamily="18" charset="0"/>
+              </a:rPr>
+              <a:t>genehmigungspflichtig</a:t>
+            </a:r>
+          </a:p>
+          <a:p>
+            <a:pPr algn="l"/>
+            <a:r>
+              <a:rPr lang="de-DE" sz="1800" dirty="0">
+                <a:latin typeface="Times New Roman" panose="02020603050405020304" pitchFamily="18" charset="0"/>
+                <a:cs typeface="Times New Roman" panose="02020603050405020304" pitchFamily="18" charset="0"/>
+              </a:rPr>
+              <a:t>Beim Export: Genehmigung nach dem </a:t>
+            </a:r>
+            <a:r>
+              <a:rPr lang="de-DE" sz="1800" b="0" i="0" dirty="0" err="1">
+                <a:solidFill>
+                  <a:srgbClr val="000000"/>
+                </a:solidFill>
+                <a:effectLst/>
+                <a:latin typeface="Times New Roman" panose="02020603050405020304" pitchFamily="18" charset="0"/>
+                <a:cs typeface="Times New Roman" panose="02020603050405020304" pitchFamily="18" charset="0"/>
+              </a:rPr>
+              <a:t>KrWaffKontrG</a:t>
+            </a:r>
+            <a:r>
+              <a:rPr lang="de-DE" sz="1800" b="0" i="0" dirty="0">
+                <a:solidFill>
+                  <a:srgbClr val="000000"/>
+                </a:solidFill>
+                <a:effectLst/>
+                <a:latin typeface="Times New Roman" panose="02020603050405020304" pitchFamily="18" charset="0"/>
+                <a:cs typeface="Times New Roman" panose="02020603050405020304" pitchFamily="18" charset="0"/>
+              </a:rPr>
+              <a:t> + Ausfuhrgenehmigung nach dem Außenwirtschaftsgesetz (AWG) / der Außenwirtschaftsverordnung (AWV) erforderlich</a:t>
+            </a:r>
+          </a:p>
+          <a:p>
+            <a:endParaRPr lang="de-DE" dirty="0"/>
+          </a:p>
+          <a:p>
+            <a:pPr lvl="1"/>
+            <a:endParaRPr lang="de-DE" dirty="0"/>
           </a:p>
         </p:txBody>
       </p:sp>
@@ -5447,6 +6080,238 @@
             <a:fld id="{8665FA59-C0FE-4AB6-AD99-2451632B0EBE}" type="slidenum">
               <a:rPr lang="de-DE" sz="900" smtClean="0"/>
               <a:t>11</a:t>
+            </a:fld>
+            <a:endParaRPr lang="de-DE" sz="900" dirty="0"/>
+          </a:p>
+        </p:txBody>
+      </p:sp>
+      <p:sp>
+        <p:nvSpPr>
+          <p:cNvPr id="8" name="Title 1">
+            <a:extLst>
+              <a:ext uri="{FF2B5EF4-FFF2-40B4-BE49-F238E27FC236}">
+                <a16:creationId xmlns:a16="http://schemas.microsoft.com/office/drawing/2014/main" id="{98CC78A6-1C21-02A9-676F-5D176767FB34}"/>
+              </a:ext>
+            </a:extLst>
+          </p:cNvPr>
+          <p:cNvSpPr>
+            <a:spLocks noGrp="1"/>
+          </p:cNvSpPr>
+          <p:nvPr>
+            <p:ph type="title"/>
+          </p:nvPr>
+        </p:nvSpPr>
+        <p:spPr/>
+        <p:txBody>
+          <a:bodyPr>
+            <a:normAutofit/>
+          </a:bodyPr>
+          <a:lstStyle/>
+          <a:p>
+            <a:pPr algn="l">
+              <a:lnSpc>
+                <a:spcPct val="100000"/>
+              </a:lnSpc>
+              <a:spcAft>
+                <a:spcPts val="600"/>
+              </a:spcAft>
+            </a:pPr>
+            <a:r>
+              <a:rPr lang="de-DE" sz="2800" b="1" dirty="0">
+                <a:latin typeface="Times New Roman" panose="02020603050405020304" pitchFamily="18" charset="0"/>
+                <a:cs typeface="Times New Roman" panose="02020603050405020304" pitchFamily="18" charset="0"/>
+              </a:rPr>
+              <a:t>Regulatorisches Umfeld</a:t>
+            </a:r>
+          </a:p>
+        </p:txBody>
+      </p:sp>
+      <p:sp>
+        <p:nvSpPr>
+          <p:cNvPr id="2" name="Inhaltsplatzhalter 1">
+            <a:extLst>
+              <a:ext uri="{FF2B5EF4-FFF2-40B4-BE49-F238E27FC236}">
+                <a16:creationId xmlns:a16="http://schemas.microsoft.com/office/drawing/2014/main" id="{2D72C13E-5129-4532-134A-4FA54056D29C}"/>
+              </a:ext>
+            </a:extLst>
+          </p:cNvPr>
+          <p:cNvSpPr>
+            <a:spLocks noGrp="1"/>
+          </p:cNvSpPr>
+          <p:nvPr>
+            <p:ph idx="1"/>
+          </p:nvPr>
+        </p:nvSpPr>
+        <p:spPr/>
+        <p:txBody>
+          <a:bodyPr>
+            <a:normAutofit/>
+          </a:bodyPr>
+          <a:lstStyle/>
+          <a:p>
+            <a:pPr algn="l"/>
+            <a:r>
+              <a:rPr lang="de-DE" sz="1800" dirty="0">
+                <a:latin typeface="Times New Roman" panose="02020603050405020304" pitchFamily="18" charset="0"/>
+                <a:cs typeface="Times New Roman" panose="02020603050405020304" pitchFamily="18" charset="0"/>
+              </a:rPr>
+              <a:t>Die Bundesregierung entscheidet über Rüstungsexporte anhand von nationalen und internationalen Gesetzen, dem Gemeinsamen Standpunkt der EU und dem Arms Trade Treaty.</a:t>
+            </a:r>
+          </a:p>
+          <a:p>
+            <a:pPr algn="l"/>
+            <a:r>
+              <a:rPr lang="de-DE" sz="1800" dirty="0">
+                <a:latin typeface="Times New Roman" panose="02020603050405020304" pitchFamily="18" charset="0"/>
+                <a:cs typeface="Times New Roman" panose="02020603050405020304" pitchFamily="18" charset="0"/>
+              </a:rPr>
+              <a:t>Die Genehmigung von Rüstungsexporten hängt von der Sicherstellung des Endverbleibs der Güter beim vorgesehenen Endverwender ab. Die Bundesregierung kann auch Post-</a:t>
+            </a:r>
+            <a:r>
+              <a:rPr lang="de-DE" sz="1800" dirty="0" err="1">
+                <a:latin typeface="Times New Roman" panose="02020603050405020304" pitchFamily="18" charset="0"/>
+                <a:cs typeface="Times New Roman" panose="02020603050405020304" pitchFamily="18" charset="0"/>
+              </a:rPr>
+              <a:t>Shipment</a:t>
+            </a:r>
+            <a:r>
+              <a:rPr lang="de-DE" sz="1800" dirty="0">
+                <a:latin typeface="Times New Roman" panose="02020603050405020304" pitchFamily="18" charset="0"/>
+                <a:cs typeface="Times New Roman" panose="02020603050405020304" pitchFamily="18" charset="0"/>
+              </a:rPr>
+              <a:t>-Kontrollen verlangen.</a:t>
+            </a:r>
+          </a:p>
+          <a:p>
+            <a:pPr algn="l"/>
+            <a:r>
+              <a:rPr lang="de-DE" sz="1800" dirty="0">
+                <a:latin typeface="Times New Roman" panose="02020603050405020304" pitchFamily="18" charset="0"/>
+                <a:cs typeface="Times New Roman" panose="02020603050405020304" pitchFamily="18" charset="0"/>
+              </a:rPr>
+              <a:t>Die Genehmigung von Rüstungsexporten erfordert die Zustimmung des Bundessicherheitsrats, der aus der Bundeskanzlerin und acht Bundesministern besteht.</a:t>
+            </a:r>
+          </a:p>
+          <a:p>
+            <a:pPr algn="l"/>
+            <a:r>
+              <a:rPr lang="de-DE" sz="1800" dirty="0">
+                <a:latin typeface="Times New Roman" panose="02020603050405020304" pitchFamily="18" charset="0"/>
+                <a:cs typeface="Times New Roman" panose="02020603050405020304" pitchFamily="18" charset="0"/>
+              </a:rPr>
+              <a:t>Der Bundestag hat nur eine eingeschränkte parlamentarische Kontrolle über die Rüstungsexporte. Er wird nur nachträglich informiert und kann keine Genehmigungen aufheben oder verhindern.</a:t>
+            </a:r>
+          </a:p>
+          <a:p>
+            <a:pPr lvl="1"/>
+            <a:endParaRPr lang="de-DE" sz="1600" dirty="0"/>
+          </a:p>
+        </p:txBody>
+      </p:sp>
+    </p:spTree>
+    <p:extLst>
+      <p:ext uri="{BB962C8B-B14F-4D97-AF65-F5344CB8AC3E}">
+        <p14:creationId xmlns:p14="http://schemas.microsoft.com/office/powerpoint/2010/main" val="2772221331"/>
+      </p:ext>
+    </p:extLst>
+  </p:cSld>
+  <p:clrMapOvr>
+    <a:masterClrMapping/>
+  </p:clrMapOvr>
+</p:sld>
+</file>
+
+<file path=ppt/slides/slide12.xml><?xml version="1.0" encoding="utf-8"?>
+<p:sld xmlns:a="http://schemas.openxmlformats.org/drawingml/2006/main" xmlns:r="http://schemas.openxmlformats.org/officeDocument/2006/relationships" xmlns:p="http://schemas.openxmlformats.org/presentationml/2006/main">
+  <p:cSld>
+    <p:spTree>
+      <p:nvGrpSpPr>
+        <p:cNvPr id="1" name=""/>
+        <p:cNvGrpSpPr/>
+        <p:nvPr/>
+      </p:nvGrpSpPr>
+      <p:grpSpPr>
+        <a:xfrm>
+          <a:off x="0" y="0"/>
+          <a:ext cx="0" cy="0"/>
+          <a:chOff x="0" y="0"/>
+          <a:chExt cx="0" cy="0"/>
+        </a:xfrm>
+      </p:grpSpPr>
+      <p:pic>
+        <p:nvPicPr>
+          <p:cNvPr id="4" name="Graphic 1">
+            <a:extLst>
+              <a:ext uri="{FF2B5EF4-FFF2-40B4-BE49-F238E27FC236}">
+                <a16:creationId xmlns:a16="http://schemas.microsoft.com/office/drawing/2014/main" id="{D4E2A8A5-7B9A-9FCE-2C0C-40115BB72542}"/>
+              </a:ext>
+            </a:extLst>
+          </p:cNvPr>
+          <p:cNvPicPr>
+            <a:picLocks noChangeAspect="1"/>
+          </p:cNvPicPr>
+          <p:nvPr/>
+        </p:nvPicPr>
+        <p:blipFill>
+          <a:blip r:embed="rId3">
+            <a:extLst>
+              <a:ext uri="{28A0092B-C50C-407E-A947-70E740481C1C}">
+                <a14:useLocalDpi xmlns:a14="http://schemas.microsoft.com/office/drawing/2010/main" val="0"/>
+              </a:ext>
+              <a:ext uri="{96DAC541-7B7A-43D3-8B79-37D633B846F1}">
+                <asvg:svgBlip xmlns:asvg="http://schemas.microsoft.com/office/drawing/2016/SVG/main" r:embed="rId4"/>
+              </a:ext>
+            </a:extLst>
+          </a:blip>
+          <a:stretch>
+            <a:fillRect/>
+          </a:stretch>
+        </p:blipFill>
+        <p:spPr>
+          <a:xfrm>
+            <a:off x="160961" y="133521"/>
+            <a:ext cx="2371620" cy="485811"/>
+          </a:xfrm>
+          <a:prstGeom prst="rect">
+            <a:avLst/>
+          </a:prstGeom>
+        </p:spPr>
+      </p:pic>
+      <p:sp>
+        <p:nvSpPr>
+          <p:cNvPr id="6" name="TextBox 5">
+            <a:extLst>
+              <a:ext uri="{FF2B5EF4-FFF2-40B4-BE49-F238E27FC236}">
+                <a16:creationId xmlns:a16="http://schemas.microsoft.com/office/drawing/2014/main" id="{4BF11305-FC23-954B-7998-B1257FEE9257}"/>
+              </a:ext>
+            </a:extLst>
+          </p:cNvPr>
+          <p:cNvSpPr txBox="1"/>
+          <p:nvPr/>
+        </p:nvSpPr>
+        <p:spPr>
+          <a:xfrm>
+            <a:off x="66782" y="6529608"/>
+            <a:ext cx="10986501" cy="230832"/>
+          </a:xfrm>
+          <a:prstGeom prst="rect">
+            <a:avLst/>
+          </a:prstGeom>
+          <a:noFill/>
+        </p:spPr>
+        <p:txBody>
+          <a:bodyPr wrap="square">
+            <a:spAutoFit/>
+          </a:bodyPr>
+          <a:lstStyle/>
+          <a:p>
+            <a:r>
+              <a:rPr lang="de-DE" sz="900" dirty="0"/>
+              <a:t>Risikomanagement &amp; Corporate Governance - Rheinmetall| WiSe 2023/24 I Hochschule Bielefeld I Linus Langenkamp, Jolan Eggers, Nicolas Schneider, Redouane Kabouchi I 03.11.2023 I Seite </a:t>
+            </a:r>
+            <a:fld id="{8665FA59-C0FE-4AB6-AD99-2451632B0EBE}" type="slidenum">
+              <a:rPr lang="de-DE" sz="900" smtClean="0"/>
+              <a:t>12</a:t>
             </a:fld>
             <a:endParaRPr lang="de-DE" sz="900" dirty="0"/>
           </a:p>

--- a/Rheinmetall_Präsentation.pptx
+++ b/Rheinmetall_Präsentation.pptx
@@ -5,24 +5,25 @@
     <p:sldMasterId id="2147483648" r:id="rId1"/>
   </p:sldMasterIdLst>
   <p:notesMasterIdLst>
-    <p:notesMasterId r:id="rId17"/>
+    <p:notesMasterId r:id="rId18"/>
   </p:notesMasterIdLst>
   <p:sldIdLst>
     <p:sldId id="256" r:id="rId2"/>
     <p:sldId id="291" r:id="rId3"/>
     <p:sldId id="292" r:id="rId4"/>
-    <p:sldId id="293" r:id="rId5"/>
-    <p:sldId id="294" r:id="rId6"/>
-    <p:sldId id="300" r:id="rId7"/>
-    <p:sldId id="301" r:id="rId8"/>
-    <p:sldId id="302" r:id="rId9"/>
-    <p:sldId id="299" r:id="rId10"/>
-    <p:sldId id="298" r:id="rId11"/>
-    <p:sldId id="305" r:id="rId12"/>
-    <p:sldId id="306" r:id="rId13"/>
-    <p:sldId id="296" r:id="rId14"/>
-    <p:sldId id="297" r:id="rId15"/>
-    <p:sldId id="307" r:id="rId16"/>
+    <p:sldId id="308" r:id="rId5"/>
+    <p:sldId id="293" r:id="rId6"/>
+    <p:sldId id="294" r:id="rId7"/>
+    <p:sldId id="300" r:id="rId8"/>
+    <p:sldId id="301" r:id="rId9"/>
+    <p:sldId id="302" r:id="rId10"/>
+    <p:sldId id="299" r:id="rId11"/>
+    <p:sldId id="298" r:id="rId12"/>
+    <p:sldId id="305" r:id="rId13"/>
+    <p:sldId id="306" r:id="rId14"/>
+    <p:sldId id="296" r:id="rId15"/>
+    <p:sldId id="297" r:id="rId16"/>
+    <p:sldId id="307" r:id="rId17"/>
   </p:sldIdLst>
   <p:sldSz cx="12192000" cy="6858000"/>
   <p:notesSz cx="6858000" cy="9144000"/>
@@ -611,10 +612,21 @@
           <a:lstStyle/>
           <a:p>
             <a:r>
-              <a:rPr lang="de-DE" dirty="0" err="1"/>
-              <a:t>Redi</a:t>
-            </a:r>
-            <a:endParaRPr lang="de-DE" dirty="0"/>
+              <a:rPr lang="de-DE" dirty="0"/>
+              <a:t>Jolan</a:t>
+            </a:r>
+          </a:p>
+          <a:p>
+            <a:r>
+              <a:rPr lang="de-DE" dirty="0"/>
+              <a:t>Risiko wird bewertet nach Eintrittswahrscheinlichkeit, Schadenswahrscheinlichkeit. Diese werden nach einer Formel zu einem Gesamtrisiko berechnet.</a:t>
+            </a:r>
+          </a:p>
+          <a:p>
+            <a:r>
+              <a:rPr lang="de-DE" dirty="0"/>
+              <a:t>Durch das 2022 beschlossene Sondervermögen von 100 Milliarden € ließen sich lang aufgeschobene Großprojekte realisieren, diese könnten kurzfristig allerdings auch zu kurzfristigem Personalmangel führen. Da</a:t>
+            </a:r>
           </a:p>
         </p:txBody>
       </p:sp>
@@ -644,7 +656,7 @@
     </p:spTree>
     <p:extLst>
       <p:ext uri="{BB962C8B-B14F-4D97-AF65-F5344CB8AC3E}">
-        <p14:creationId xmlns:p14="http://schemas.microsoft.com/office/powerpoint/2010/main" val="334018950"/>
+        <p14:creationId xmlns:p14="http://schemas.microsoft.com/office/powerpoint/2010/main" val="4033053670"/>
       </p:ext>
     </p:extLst>
   </p:cSld>
@@ -704,18 +716,6 @@
             </a:r>
             <a:endParaRPr lang="de-DE" dirty="0"/>
           </a:p>
-          <a:p>
-            <a:r>
-              <a:rPr lang="de-DE" dirty="0"/>
-              <a:t>Risiko wird bewertet nach Eintrittswahrscheinlichkeit, Schadenswahrscheinlichkeit. Diese werden nach einer Formel zu einem Gesamtrisiko berechnet.</a:t>
-            </a:r>
-          </a:p>
-          <a:p>
-            <a:r>
-              <a:rPr lang="de-DE" dirty="0"/>
-              <a:t>Durch das 2022 beschlossene Sondervermögen von 100 Milliarden € ließen sich lang aufgeschobene Großprojekte realisieren, diese könnten kurzfristig allerdings auch zu kurzfristigem Personalmangel führen. Da</a:t>
-            </a:r>
-          </a:p>
         </p:txBody>
       </p:sp>
       <p:sp>
@@ -744,7 +744,7 @@
     </p:spTree>
     <p:extLst>
       <p:ext uri="{BB962C8B-B14F-4D97-AF65-F5344CB8AC3E}">
-        <p14:creationId xmlns:p14="http://schemas.microsoft.com/office/powerpoint/2010/main" val="1517738797"/>
+        <p14:creationId xmlns:p14="http://schemas.microsoft.com/office/powerpoint/2010/main" val="334018950"/>
       </p:ext>
     </p:extLst>
   </p:cSld>
@@ -844,7 +844,7 @@
     </p:spTree>
     <p:extLst>
       <p:ext uri="{BB962C8B-B14F-4D97-AF65-F5344CB8AC3E}">
-        <p14:creationId xmlns:p14="http://schemas.microsoft.com/office/powerpoint/2010/main" val="3151689254"/>
+        <p14:creationId xmlns:p14="http://schemas.microsoft.com/office/powerpoint/2010/main" val="1517738797"/>
       </p:ext>
     </p:extLst>
   </p:cSld>
@@ -899,8 +899,21 @@
           <a:lstStyle/>
           <a:p>
             <a:r>
+              <a:rPr lang="de-DE" dirty="0" err="1"/>
+              <a:t>Redi</a:t>
+            </a:r>
+            <a:endParaRPr lang="de-DE" dirty="0"/>
+          </a:p>
+          <a:p>
+            <a:r>
               <a:rPr lang="de-DE" dirty="0"/>
-              <a:t>Linus</a:t>
+              <a:t>Risiko wird bewertet nach Eintrittswahrscheinlichkeit, Schadenswahrscheinlichkeit. Diese werden nach einer Formel zu einem Gesamtrisiko berechnet.</a:t>
+            </a:r>
+          </a:p>
+          <a:p>
+            <a:r>
+              <a:rPr lang="de-DE" dirty="0"/>
+              <a:t>Durch das 2022 beschlossene Sondervermögen von 100 Milliarden € ließen sich lang aufgeschobene Großprojekte realisieren, diese könnten kurzfristig allerdings auch zu kurzfristigem Personalmangel führen. Da</a:t>
             </a:r>
           </a:p>
         </p:txBody>
@@ -931,7 +944,7 @@
     </p:spTree>
     <p:extLst>
       <p:ext uri="{BB962C8B-B14F-4D97-AF65-F5344CB8AC3E}">
-        <p14:creationId xmlns:p14="http://schemas.microsoft.com/office/powerpoint/2010/main" val="2487019189"/>
+        <p14:creationId xmlns:p14="http://schemas.microsoft.com/office/powerpoint/2010/main" val="3151689254"/>
       </p:ext>
     </p:extLst>
   </p:cSld>
@@ -1018,7 +1031,7 @@
     </p:spTree>
     <p:extLst>
       <p:ext uri="{BB962C8B-B14F-4D97-AF65-F5344CB8AC3E}">
-        <p14:creationId xmlns:p14="http://schemas.microsoft.com/office/powerpoint/2010/main" val="2980977369"/>
+        <p14:creationId xmlns:p14="http://schemas.microsoft.com/office/powerpoint/2010/main" val="2487019189"/>
       </p:ext>
     </p:extLst>
   </p:cSld>
@@ -1072,7 +1085,10 @@
           <a:bodyPr/>
           <a:lstStyle/>
           <a:p>
-            <a:endParaRPr lang="de-DE" dirty="0"/>
+            <a:r>
+              <a:rPr lang="de-DE" dirty="0"/>
+              <a:t>Linus</a:t>
+            </a:r>
           </a:p>
         </p:txBody>
       </p:sp>
@@ -1094,6 +1110,90 @@
             <a:fld id="{A4B1B59E-D5B0-4E80-9D86-EC6522F3FBF9}" type="slidenum">
               <a:rPr lang="de-DE" smtClean="0"/>
               <a:t>15</a:t>
+            </a:fld>
+            <a:endParaRPr lang="de-DE"/>
+          </a:p>
+        </p:txBody>
+      </p:sp>
+    </p:spTree>
+    <p:extLst>
+      <p:ext uri="{BB962C8B-B14F-4D97-AF65-F5344CB8AC3E}">
+        <p14:creationId xmlns:p14="http://schemas.microsoft.com/office/powerpoint/2010/main" val="2980977369"/>
+      </p:ext>
+    </p:extLst>
+  </p:cSld>
+  <p:clrMapOvr>
+    <a:masterClrMapping/>
+  </p:clrMapOvr>
+</p:notes>
+</file>
+
+<file path=ppt/notesSlides/notesSlide16.xml><?xml version="1.0" encoding="utf-8"?>
+<p:notes xmlns:a="http://schemas.openxmlformats.org/drawingml/2006/main" xmlns:r="http://schemas.openxmlformats.org/officeDocument/2006/relationships" xmlns:p="http://schemas.openxmlformats.org/presentationml/2006/main">
+  <p:cSld>
+    <p:spTree>
+      <p:nvGrpSpPr>
+        <p:cNvPr id="1" name=""/>
+        <p:cNvGrpSpPr/>
+        <p:nvPr/>
+      </p:nvGrpSpPr>
+      <p:grpSpPr>
+        <a:xfrm>
+          <a:off x="0" y="0"/>
+          <a:ext cx="0" cy="0"/>
+          <a:chOff x="0" y="0"/>
+          <a:chExt cx="0" cy="0"/>
+        </a:xfrm>
+      </p:grpSpPr>
+      <p:sp>
+        <p:nvSpPr>
+          <p:cNvPr id="2" name="Slide Image Placeholder 1"/>
+          <p:cNvSpPr>
+            <a:spLocks noGrp="1" noRot="1" noChangeAspect="1"/>
+          </p:cNvSpPr>
+          <p:nvPr>
+            <p:ph type="sldImg"/>
+          </p:nvPr>
+        </p:nvSpPr>
+        <p:spPr/>
+      </p:sp>
+      <p:sp>
+        <p:nvSpPr>
+          <p:cNvPr id="3" name="Notes Placeholder 2"/>
+          <p:cNvSpPr>
+            <a:spLocks noGrp="1"/>
+          </p:cNvSpPr>
+          <p:nvPr>
+            <p:ph type="body" idx="1"/>
+          </p:nvPr>
+        </p:nvSpPr>
+        <p:spPr/>
+        <p:txBody>
+          <a:bodyPr/>
+          <a:lstStyle/>
+          <a:p>
+            <a:endParaRPr lang="de-DE" dirty="0"/>
+          </a:p>
+        </p:txBody>
+      </p:sp>
+      <p:sp>
+        <p:nvSpPr>
+          <p:cNvPr id="4" name="Slide Number Placeholder 3"/>
+          <p:cNvSpPr>
+            <a:spLocks noGrp="1"/>
+          </p:cNvSpPr>
+          <p:nvPr>
+            <p:ph type="sldNum" sz="quarter" idx="5"/>
+          </p:nvPr>
+        </p:nvSpPr>
+        <p:spPr/>
+        <p:txBody>
+          <a:bodyPr/>
+          <a:lstStyle/>
+          <a:p>
+            <a:fld id="{A4B1B59E-D5B0-4E80-9D86-EC6522F3FBF9}" type="slidenum">
+              <a:rPr lang="de-DE" smtClean="0"/>
+              <a:t>16</a:t>
             </a:fld>
             <a:endParaRPr lang="de-DE"/>
           </a:p>
@@ -1332,7 +1432,7 @@
           <a:p>
             <a:r>
               <a:rPr lang="de-DE" dirty="0"/>
-              <a:t>Jolan Eggers</a:t>
+              <a:t>Nicolas</a:t>
             </a:r>
           </a:p>
         </p:txBody>
@@ -1363,7 +1463,7 @@
     </p:spTree>
     <p:extLst>
       <p:ext uri="{BB962C8B-B14F-4D97-AF65-F5344CB8AC3E}">
-        <p14:creationId xmlns:p14="http://schemas.microsoft.com/office/powerpoint/2010/main" val="1884215007"/>
+        <p14:creationId xmlns:p14="http://schemas.microsoft.com/office/powerpoint/2010/main" val="2791525336"/>
       </p:ext>
     </p:extLst>
   </p:cSld>
@@ -1419,143 +1519,8 @@
           <a:p>
             <a:r>
               <a:rPr lang="de-DE" dirty="0"/>
-              <a:t>Jolan</a:t>
-            </a:r>
-          </a:p>
-          <a:p>
-            <a:r>
-              <a:rPr lang="de-DE" dirty="0"/>
-              <a:t>13.04.1889: Gründung durch Joseph </a:t>
-            </a:r>
-            <a:r>
-              <a:rPr lang="de-DE" dirty="0" err="1"/>
-              <a:t>Massenez</a:t>
-            </a:r>
-            <a:r>
-              <a:rPr lang="de-DE" dirty="0"/>
-              <a:t>, damaliges Ziel: dem deutschen Reich Munition liefern</a:t>
-            </a:r>
-          </a:p>
-          <a:p>
-            <a:r>
-              <a:rPr lang="de-DE" dirty="0"/>
-              <a:t>1919: Nach der Niederlage des deutschen Reichs, wurde Rheinmetall für die Produktion von Lokomotiven, Dampfpflügen und Büromaschinen umfunktioniert</a:t>
-            </a:r>
-          </a:p>
-          <a:p>
-            <a:endParaRPr lang="de-DE" dirty="0"/>
-          </a:p>
-          <a:p>
-            <a:r>
-              <a:rPr lang="de-DE" dirty="0"/>
-              <a:t>2021: </a:t>
-            </a:r>
-            <a:r>
-              <a:rPr lang="de-DE" b="0" i="0" dirty="0">
-                <a:solidFill>
-                  <a:srgbClr val="00406E"/>
-                </a:solidFill>
-                <a:effectLst/>
-                <a:latin typeface="DINPro"/>
-              </a:rPr>
-              <a:t>Die Bereiche unterhalb der Rheinmetall AG, Rheinmetall Defence und Rheinmetall Automotive AG, werden aufgelöst. Direkte Führung der Divisionen:</a:t>
-            </a:r>
-            <a:br>
-              <a:rPr lang="de-DE" dirty="0"/>
-            </a:br>
-            <a:r>
-              <a:rPr lang="de-DE" b="0" i="0" dirty="0">
-                <a:solidFill>
-                  <a:srgbClr val="00406E"/>
-                </a:solidFill>
-                <a:effectLst/>
-                <a:latin typeface="DINPro"/>
-              </a:rPr>
-              <a:t>- Weapon &amp; </a:t>
-            </a:r>
-            <a:r>
-              <a:rPr lang="de-DE" b="0" i="0" dirty="0" err="1">
-                <a:solidFill>
-                  <a:srgbClr val="00406E"/>
-                </a:solidFill>
-                <a:effectLst/>
-                <a:latin typeface="DINPro"/>
-              </a:rPr>
-              <a:t>Ammunition</a:t>
-            </a:r>
-            <a:br>
-              <a:rPr lang="de-DE" dirty="0"/>
-            </a:br>
-            <a:r>
-              <a:rPr lang="de-DE" b="0" i="0" dirty="0">
-                <a:solidFill>
-                  <a:srgbClr val="00406E"/>
-                </a:solidFill>
-                <a:effectLst/>
-                <a:latin typeface="DINPro"/>
-              </a:rPr>
-              <a:t>- Electronic Solutions</a:t>
-            </a:r>
-            <a:br>
-              <a:rPr lang="de-DE" dirty="0"/>
-            </a:br>
-            <a:r>
-              <a:rPr lang="de-DE" b="0" i="0" dirty="0">
-                <a:solidFill>
-                  <a:srgbClr val="00406E"/>
-                </a:solidFill>
-                <a:effectLst/>
-                <a:latin typeface="DINPro"/>
-              </a:rPr>
-              <a:t>- Vehicle Systems</a:t>
-            </a:r>
-            <a:br>
-              <a:rPr lang="de-DE" dirty="0"/>
-            </a:br>
-            <a:r>
-              <a:rPr lang="de-DE" b="0" i="0" dirty="0">
-                <a:solidFill>
-                  <a:srgbClr val="00406E"/>
-                </a:solidFill>
-                <a:effectLst/>
-                <a:latin typeface="DINPro"/>
-              </a:rPr>
-              <a:t>- Sensors &amp; </a:t>
-            </a:r>
-            <a:r>
-              <a:rPr lang="de-DE" b="0" i="0" dirty="0" err="1">
-                <a:solidFill>
-                  <a:srgbClr val="00406E"/>
-                </a:solidFill>
-                <a:effectLst/>
-                <a:latin typeface="DINPro"/>
-              </a:rPr>
-              <a:t>Actuators</a:t>
-            </a:r>
-            <a:r>
-              <a:rPr lang="de-DE" b="0" i="0" dirty="0">
-                <a:solidFill>
-                  <a:srgbClr val="00406E"/>
-                </a:solidFill>
-                <a:effectLst/>
-                <a:latin typeface="DINPro"/>
-              </a:rPr>
-              <a:t> </a:t>
-            </a:r>
-            <a:br>
-              <a:rPr lang="de-DE" dirty="0"/>
-            </a:br>
-            <a:r>
-              <a:rPr lang="de-DE" b="0" i="0" dirty="0">
-                <a:solidFill>
-                  <a:srgbClr val="00406E"/>
-                </a:solidFill>
-                <a:effectLst/>
-                <a:latin typeface="DINPro"/>
-              </a:rPr>
-              <a:t>- Materials &amp; Trade</a:t>
-            </a:r>
-            <a:endParaRPr lang="de-DE" dirty="0"/>
+              <a:t>Jolan Eggers</a:t>
+            </a:r>
           </a:p>
         </p:txBody>
       </p:sp>
@@ -1585,7 +1550,7 @@
     </p:spTree>
     <p:extLst>
       <p:ext uri="{BB962C8B-B14F-4D97-AF65-F5344CB8AC3E}">
-        <p14:creationId xmlns:p14="http://schemas.microsoft.com/office/powerpoint/2010/main" val="166263285"/>
+        <p14:creationId xmlns:p14="http://schemas.microsoft.com/office/powerpoint/2010/main" val="1884215007"/>
       </p:ext>
     </p:extLst>
   </p:cSld>
@@ -1641,8 +1606,143 @@
           <a:p>
             <a:r>
               <a:rPr lang="de-DE" dirty="0"/>
-              <a:t>Nicolas</a:t>
-            </a:r>
+              <a:t>Jolan</a:t>
+            </a:r>
+          </a:p>
+          <a:p>
+            <a:r>
+              <a:rPr lang="de-DE" dirty="0"/>
+              <a:t>13.04.1889: Gründung durch Joseph </a:t>
+            </a:r>
+            <a:r>
+              <a:rPr lang="de-DE" dirty="0" err="1"/>
+              <a:t>Massenez</a:t>
+            </a:r>
+            <a:r>
+              <a:rPr lang="de-DE" dirty="0"/>
+              <a:t>, damaliges Ziel: dem deutschen Reich Munition liefern</a:t>
+            </a:r>
+          </a:p>
+          <a:p>
+            <a:r>
+              <a:rPr lang="de-DE" dirty="0"/>
+              <a:t>1919: Nach der Niederlage des deutschen Reichs, wurde Rheinmetall für die Produktion von Lokomotiven, Dampfpflügen und Büromaschinen umfunktioniert</a:t>
+            </a:r>
+          </a:p>
+          <a:p>
+            <a:endParaRPr lang="de-DE" dirty="0"/>
+          </a:p>
+          <a:p>
+            <a:r>
+              <a:rPr lang="de-DE" dirty="0"/>
+              <a:t>2021: </a:t>
+            </a:r>
+            <a:r>
+              <a:rPr lang="de-DE" b="0" i="0" dirty="0">
+                <a:solidFill>
+                  <a:srgbClr val="00406E"/>
+                </a:solidFill>
+                <a:effectLst/>
+                <a:latin typeface="DINPro"/>
+              </a:rPr>
+              <a:t>Die Bereiche unterhalb der Rheinmetall AG, Rheinmetall Defence und Rheinmetall Automotive AG, werden aufgelöst. Direkte Führung der Divisionen:</a:t>
+            </a:r>
+            <a:br>
+              <a:rPr lang="de-DE" dirty="0"/>
+            </a:br>
+            <a:r>
+              <a:rPr lang="de-DE" b="0" i="0" dirty="0">
+                <a:solidFill>
+                  <a:srgbClr val="00406E"/>
+                </a:solidFill>
+                <a:effectLst/>
+                <a:latin typeface="DINPro"/>
+              </a:rPr>
+              <a:t>- Weapon &amp; </a:t>
+            </a:r>
+            <a:r>
+              <a:rPr lang="de-DE" b="0" i="0" dirty="0" err="1">
+                <a:solidFill>
+                  <a:srgbClr val="00406E"/>
+                </a:solidFill>
+                <a:effectLst/>
+                <a:latin typeface="DINPro"/>
+              </a:rPr>
+              <a:t>Ammunition</a:t>
+            </a:r>
+            <a:br>
+              <a:rPr lang="de-DE" dirty="0"/>
+            </a:br>
+            <a:r>
+              <a:rPr lang="de-DE" b="0" i="0" dirty="0">
+                <a:solidFill>
+                  <a:srgbClr val="00406E"/>
+                </a:solidFill>
+                <a:effectLst/>
+                <a:latin typeface="DINPro"/>
+              </a:rPr>
+              <a:t>- Electronic Solutions</a:t>
+            </a:r>
+            <a:br>
+              <a:rPr lang="de-DE" dirty="0"/>
+            </a:br>
+            <a:r>
+              <a:rPr lang="de-DE" b="0" i="0" dirty="0">
+                <a:solidFill>
+                  <a:srgbClr val="00406E"/>
+                </a:solidFill>
+                <a:effectLst/>
+                <a:latin typeface="DINPro"/>
+              </a:rPr>
+              <a:t>- Vehicle Systems</a:t>
+            </a:r>
+            <a:br>
+              <a:rPr lang="de-DE" dirty="0"/>
+            </a:br>
+            <a:r>
+              <a:rPr lang="de-DE" b="0" i="0" dirty="0">
+                <a:solidFill>
+                  <a:srgbClr val="00406E"/>
+                </a:solidFill>
+                <a:effectLst/>
+                <a:latin typeface="DINPro"/>
+              </a:rPr>
+              <a:t>- Sensors &amp; </a:t>
+            </a:r>
+            <a:r>
+              <a:rPr lang="de-DE" b="0" i="0" dirty="0" err="1">
+                <a:solidFill>
+                  <a:srgbClr val="00406E"/>
+                </a:solidFill>
+                <a:effectLst/>
+                <a:latin typeface="DINPro"/>
+              </a:rPr>
+              <a:t>Actuators</a:t>
+            </a:r>
+            <a:r>
+              <a:rPr lang="de-DE" b="0" i="0" dirty="0">
+                <a:solidFill>
+                  <a:srgbClr val="00406E"/>
+                </a:solidFill>
+                <a:effectLst/>
+                <a:latin typeface="DINPro"/>
+              </a:rPr>
+              <a:t> </a:t>
+            </a:r>
+            <a:br>
+              <a:rPr lang="de-DE" dirty="0"/>
+            </a:br>
+            <a:r>
+              <a:rPr lang="de-DE" b="0" i="0" dirty="0">
+                <a:solidFill>
+                  <a:srgbClr val="00406E"/>
+                </a:solidFill>
+                <a:effectLst/>
+                <a:latin typeface="DINPro"/>
+              </a:rPr>
+              <a:t>- Materials &amp; Trade</a:t>
+            </a:r>
+            <a:endParaRPr lang="de-DE" dirty="0"/>
           </a:p>
         </p:txBody>
       </p:sp>
@@ -1672,7 +1772,7 @@
     </p:spTree>
     <p:extLst>
       <p:ext uri="{BB962C8B-B14F-4D97-AF65-F5344CB8AC3E}">
-        <p14:creationId xmlns:p14="http://schemas.microsoft.com/office/powerpoint/2010/main" val="3755915667"/>
+        <p14:creationId xmlns:p14="http://schemas.microsoft.com/office/powerpoint/2010/main" val="166263285"/>
       </p:ext>
     </p:extLst>
   </p:cSld>
@@ -1726,263 +1826,10 @@
           <a:bodyPr/>
           <a:lstStyle/>
           <a:p>
-            <a:pPr algn="l"/>
-            <a:r>
-              <a:rPr lang="de-DE" b="0" i="0" dirty="0">
-                <a:solidFill>
-                  <a:srgbClr val="000000"/>
-                </a:solidFill>
-                <a:effectLst/>
-                <a:latin typeface="ff3"/>
-              </a:rPr>
-              <a:t>Diese Beschränkungen erlauben es den Behörden, kritische </a:t>
-            </a:r>
-          </a:p>
-          <a:p>
-            <a:pPr algn="l"/>
-            <a:r>
-              <a:rPr lang="de-DE" b="0" i="0" dirty="0">
-                <a:solidFill>
-                  <a:srgbClr val="000000"/>
-                </a:solidFill>
-                <a:effectLst/>
-                <a:latin typeface="ff3"/>
-              </a:rPr>
-              <a:t>Exporte und andere Handlungen im Außenwirtschaftsverkehr im Hinblick auf die mit der Rüstungskontrolle </a:t>
-            </a:r>
-            <a:r>
-              <a:rPr lang="de-DE" b="0" i="0" dirty="0" err="1">
-                <a:solidFill>
-                  <a:srgbClr val="000000"/>
-                </a:solidFill>
-                <a:effectLst/>
-                <a:latin typeface="ff3"/>
-              </a:rPr>
-              <a:t>ver</a:t>
-            </a:r>
-            <a:r>
-              <a:rPr lang="de-DE" b="0" i="0" dirty="0">
-                <a:solidFill>
-                  <a:srgbClr val="000000"/>
-                </a:solidFill>
-                <a:effectLst/>
-                <a:latin typeface="ff3"/>
-              </a:rPr>
-              <a:t>-</a:t>
-            </a:r>
-          </a:p>
-          <a:p>
-            <a:pPr algn="l"/>
-            <a:r>
-              <a:rPr lang="de-DE" b="0" i="0" dirty="0">
-                <a:solidFill>
-                  <a:srgbClr val="000000"/>
-                </a:solidFill>
-                <a:effectLst/>
-                <a:latin typeface="ff3"/>
-              </a:rPr>
-              <a:t>folgten Ziele zu überprüfen. Das EU-Recht hat insoweit Vorrang vor dem nationalen Recht, auch dem deutschen. </a:t>
-            </a:r>
-          </a:p>
-          <a:p>
-            <a:pPr algn="l"/>
-            <a:r>
-              <a:rPr lang="de-DE" b="0" i="0" dirty="0">
-                <a:solidFill>
-                  <a:srgbClr val="000000"/>
-                </a:solidFill>
-                <a:effectLst/>
-                <a:latin typeface="ff3"/>
-              </a:rPr>
-              <a:t>Dessen ungeachtet kann nach Art. 346 AEUV (Vertrag über die Arbeitsweise der Europäischen Union) jeder Mit-</a:t>
-            </a:r>
-          </a:p>
-          <a:p>
-            <a:pPr algn="l"/>
-            <a:r>
-              <a:rPr lang="de-DE" b="0" i="0" dirty="0" err="1">
-                <a:solidFill>
-                  <a:srgbClr val="000000"/>
-                </a:solidFill>
-                <a:effectLst/>
-                <a:latin typeface="ff3"/>
-              </a:rPr>
-              <a:t>gliedstaat</a:t>
-            </a:r>
-            <a:r>
-              <a:rPr lang="de-DE" b="0" i="0" dirty="0">
-                <a:solidFill>
-                  <a:srgbClr val="000000"/>
-                </a:solidFill>
-                <a:effectLst/>
-                <a:latin typeface="ff3"/>
-              </a:rPr>
-              <a:t> die Maßnahmen ergreifen, die seines Erachtens für die Wahrung seiner wesentlichen nationalen </a:t>
-            </a:r>
-          </a:p>
-          <a:p>
-            <a:pPr algn="l"/>
-            <a:r>
-              <a:rPr lang="de-DE" b="0" i="0" dirty="0">
-                <a:solidFill>
-                  <a:srgbClr val="000000"/>
-                </a:solidFill>
-                <a:effectLst/>
-                <a:latin typeface="ff3"/>
-              </a:rPr>
-              <a:t>Sicherheitsinteressen erforderlich sind. Damit sind Entscheidungen über die Erzeugung von Waffen, Munition und </a:t>
-            </a:r>
-          </a:p>
-          <a:p>
-            <a:pPr algn="l"/>
-            <a:r>
-              <a:rPr lang="de-DE" b="0" i="0" dirty="0">
-                <a:solidFill>
-                  <a:srgbClr val="000000"/>
-                </a:solidFill>
-                <a:effectLst/>
-                <a:latin typeface="ff3"/>
-              </a:rPr>
-              <a:t>Kriegsmaterial oder den Handel damit dem jeweiligen nationalen Gesetzgeber vorbehalten. </a:t>
-            </a:r>
-          </a:p>
-          <a:p>
-            <a:pPr algn="l"/>
-            <a:endParaRPr lang="de-DE" b="0" i="0" dirty="0">
-              <a:solidFill>
-                <a:srgbClr val="000000"/>
-              </a:solidFill>
-              <a:effectLst/>
-              <a:latin typeface="ff3"/>
-            </a:endParaRPr>
-          </a:p>
-          <a:p>
-            <a:pPr algn="l"/>
-            <a:r>
-              <a:rPr lang="de-DE" b="0" i="0" dirty="0">
-                <a:solidFill>
-                  <a:srgbClr val="000000"/>
-                </a:solidFill>
-                <a:effectLst/>
-                <a:latin typeface="ff3"/>
-              </a:rPr>
-              <a:t>Was als Kriegswaffe anzusehen ist, wird abschließend in einer Anlage zum </a:t>
-            </a:r>
-          </a:p>
-          <a:p>
-            <a:pPr algn="l"/>
-            <a:r>
-              <a:rPr lang="de-DE" b="0" i="0" dirty="0" err="1">
-                <a:solidFill>
-                  <a:srgbClr val="000000"/>
-                </a:solidFill>
-                <a:effectLst/>
-                <a:latin typeface="ff3"/>
-              </a:rPr>
-              <a:t>KrWaffKontrG</a:t>
-            </a:r>
-            <a:r>
-              <a:rPr lang="de-DE" b="0" i="0" dirty="0">
-                <a:solidFill>
-                  <a:srgbClr val="000000"/>
-                </a:solidFill>
-                <a:effectLst/>
-                <a:latin typeface="ff3"/>
-              </a:rPr>
-              <a:t> aufgeführt, der Kriegswaffenliste. Unter Kriegswaffen sind nicht nur Geräte wie z. B. Kampfpanzer, </a:t>
-            </a:r>
-          </a:p>
-          <a:p>
-            <a:pPr algn="l"/>
-            <a:r>
-              <a:rPr lang="de-DE" b="0" i="0" dirty="0">
-                <a:solidFill>
-                  <a:srgbClr val="000000"/>
-                </a:solidFill>
-                <a:effectLst/>
-                <a:latin typeface="ff3"/>
-              </a:rPr>
-              <a:t>gepanzerte kampfunterstützende Fahrzeuge oder Maschinengewehre zu verstehen, sondern auch bestimmte </a:t>
-            </a:r>
-          </a:p>
-          <a:p>
-            <a:pPr algn="l"/>
-            <a:r>
-              <a:rPr lang="de-DE" b="0" i="0" dirty="0">
-                <a:solidFill>
-                  <a:srgbClr val="000000"/>
-                </a:solidFill>
-                <a:effectLst/>
-                <a:latin typeface="ff3"/>
-              </a:rPr>
-              <a:t>Munitionen wie z. B. Panzer- oder Artilleriemunition. Darüber hinaus sind hier neben kompletten Geräten und Munitionen auch bestimmte Baugruppen und Komponenten, wie z. B. der Turm und das Fahrgestell eines Kampf-</a:t>
-            </a:r>
-          </a:p>
-          <a:p>
-            <a:pPr algn="l"/>
-            <a:r>
-              <a:rPr lang="de-DE" b="0" i="0" dirty="0" err="1">
-                <a:solidFill>
-                  <a:srgbClr val="000000"/>
-                </a:solidFill>
-                <a:effectLst/>
-                <a:latin typeface="ff3"/>
-              </a:rPr>
-              <a:t>panzers</a:t>
-            </a:r>
-            <a:r>
-              <a:rPr lang="de-DE" b="0" i="0" dirty="0">
-                <a:solidFill>
-                  <a:srgbClr val="000000"/>
-                </a:solidFill>
-                <a:effectLst/>
-                <a:latin typeface="ff3"/>
-              </a:rPr>
-              <a:t> oder das Geschoss, der Gefechtskopf oder der Zünder für bestimmte Munitionen, als Kriegswaffe definiert. </a:t>
-            </a:r>
-          </a:p>
-          <a:p>
-            <a:pPr algn="l"/>
-            <a:endParaRPr lang="de-DE" b="0" i="0" dirty="0">
-              <a:solidFill>
-                <a:srgbClr val="000000"/>
-              </a:solidFill>
-              <a:effectLst/>
-              <a:latin typeface="ff3"/>
-            </a:endParaRPr>
-          </a:p>
-          <a:p>
-            <a:pPr algn="l"/>
-            <a:r>
-              <a:rPr lang="de-DE" b="0" i="0" dirty="0">
-                <a:solidFill>
-                  <a:srgbClr val="000000"/>
-                </a:solidFill>
-                <a:effectLst/>
-                <a:latin typeface="ff3"/>
-              </a:rPr>
-              <a:t>EU-Recht hat Vorrang vor dem deutschen Recht!</a:t>
-            </a:r>
-          </a:p>
-          <a:p>
-            <a:pPr algn="l"/>
-            <a:endParaRPr lang="de-DE" b="0" i="0" dirty="0">
-              <a:solidFill>
-                <a:srgbClr val="000000"/>
-              </a:solidFill>
-              <a:effectLst/>
-              <a:latin typeface="ff3"/>
-            </a:endParaRPr>
-          </a:p>
-          <a:p>
-            <a:pPr algn="l"/>
-            <a:endParaRPr lang="de-DE" b="0" i="0" dirty="0">
-              <a:solidFill>
-                <a:srgbClr val="000000"/>
-              </a:solidFill>
-              <a:effectLst/>
-              <a:latin typeface="ff3"/>
-            </a:endParaRPr>
+            <a:r>
+              <a:rPr lang="de-DE" dirty="0"/>
+              <a:t>Nicolas</a:t>
+            </a:r>
           </a:p>
         </p:txBody>
       </p:sp>
@@ -2067,6 +1914,127 @@
           <a:lstStyle/>
           <a:p>
             <a:pPr algn="l"/>
+            <a:r>
+              <a:rPr lang="de-DE" b="0" i="0" dirty="0">
+                <a:solidFill>
+                  <a:srgbClr val="000000"/>
+                </a:solidFill>
+                <a:effectLst/>
+                <a:latin typeface="ff3"/>
+              </a:rPr>
+              <a:t>Diese Beschränkungen erlauben es den Behörden, kritische </a:t>
+            </a:r>
+          </a:p>
+          <a:p>
+            <a:pPr algn="l"/>
+            <a:r>
+              <a:rPr lang="de-DE" b="0" i="0" dirty="0">
+                <a:solidFill>
+                  <a:srgbClr val="000000"/>
+                </a:solidFill>
+                <a:effectLst/>
+                <a:latin typeface="ff3"/>
+              </a:rPr>
+              <a:t>Exporte und andere Handlungen im Außenwirtschaftsverkehr im Hinblick auf die mit der Rüstungskontrolle </a:t>
+            </a:r>
+            <a:r>
+              <a:rPr lang="de-DE" b="0" i="0" dirty="0" err="1">
+                <a:solidFill>
+                  <a:srgbClr val="000000"/>
+                </a:solidFill>
+                <a:effectLst/>
+                <a:latin typeface="ff3"/>
+              </a:rPr>
+              <a:t>ver</a:t>
+            </a:r>
+            <a:r>
+              <a:rPr lang="de-DE" b="0" i="0" dirty="0">
+                <a:solidFill>
+                  <a:srgbClr val="000000"/>
+                </a:solidFill>
+                <a:effectLst/>
+                <a:latin typeface="ff3"/>
+              </a:rPr>
+              <a:t>-</a:t>
+            </a:r>
+          </a:p>
+          <a:p>
+            <a:pPr algn="l"/>
+            <a:r>
+              <a:rPr lang="de-DE" b="0" i="0" dirty="0">
+                <a:solidFill>
+                  <a:srgbClr val="000000"/>
+                </a:solidFill>
+                <a:effectLst/>
+                <a:latin typeface="ff3"/>
+              </a:rPr>
+              <a:t>folgten Ziele zu überprüfen. Das EU-Recht hat insoweit Vorrang vor dem nationalen Recht, auch dem deutschen. </a:t>
+            </a:r>
+          </a:p>
+          <a:p>
+            <a:pPr algn="l"/>
+            <a:r>
+              <a:rPr lang="de-DE" b="0" i="0" dirty="0">
+                <a:solidFill>
+                  <a:srgbClr val="000000"/>
+                </a:solidFill>
+                <a:effectLst/>
+                <a:latin typeface="ff3"/>
+              </a:rPr>
+              <a:t>Dessen ungeachtet kann nach Art. 346 AEUV (Vertrag über die Arbeitsweise der Europäischen Union) jeder Mit-</a:t>
+            </a:r>
+          </a:p>
+          <a:p>
+            <a:pPr algn="l"/>
+            <a:r>
+              <a:rPr lang="de-DE" b="0" i="0" dirty="0" err="1">
+                <a:solidFill>
+                  <a:srgbClr val="000000"/>
+                </a:solidFill>
+                <a:effectLst/>
+                <a:latin typeface="ff3"/>
+              </a:rPr>
+              <a:t>gliedstaat</a:t>
+            </a:r>
+            <a:r>
+              <a:rPr lang="de-DE" b="0" i="0" dirty="0">
+                <a:solidFill>
+                  <a:srgbClr val="000000"/>
+                </a:solidFill>
+                <a:effectLst/>
+                <a:latin typeface="ff3"/>
+              </a:rPr>
+              <a:t> die Maßnahmen ergreifen, die seines Erachtens für die Wahrung seiner wesentlichen nationalen </a:t>
+            </a:r>
+          </a:p>
+          <a:p>
+            <a:pPr algn="l"/>
+            <a:r>
+              <a:rPr lang="de-DE" b="0" i="0" dirty="0">
+                <a:solidFill>
+                  <a:srgbClr val="000000"/>
+                </a:solidFill>
+                <a:effectLst/>
+                <a:latin typeface="ff3"/>
+              </a:rPr>
+              <a:t>Sicherheitsinteressen erforderlich sind. Damit sind Entscheidungen über die Erzeugung von Waffen, Munition und </a:t>
+            </a:r>
+          </a:p>
+          <a:p>
+            <a:pPr algn="l"/>
+            <a:r>
+              <a:rPr lang="de-DE" b="0" i="0" dirty="0">
+                <a:solidFill>
+                  <a:srgbClr val="000000"/>
+                </a:solidFill>
+                <a:effectLst/>
+                <a:latin typeface="ff3"/>
+              </a:rPr>
+              <a:t>Kriegsmaterial oder den Handel damit dem jeweiligen nationalen Gesetzgeber vorbehalten. </a:t>
+            </a:r>
+          </a:p>
+          <a:p>
+            <a:pPr algn="l"/>
             <a:endParaRPr lang="de-DE" b="0" i="0" dirty="0">
               <a:solidFill>
                 <a:srgbClr val="000000"/>
@@ -2078,53 +2046,123 @@
           <a:p>
             <a:pPr algn="l"/>
             <a:r>
-              <a:rPr lang="de-DE" b="0" i="0" u="sng" dirty="0">
+              <a:rPr lang="de-DE" b="0" i="0" dirty="0">
                 <a:solidFill>
-                  <a:srgbClr val="D2D0CE"/>
+                  <a:srgbClr val="000000"/>
                 </a:solidFill>
                 <a:effectLst/>
-                <a:latin typeface="-apple-system"/>
-              </a:rPr>
-              <a:t>Post-</a:t>
-            </a:r>
-            <a:r>
-              <a:rPr lang="de-DE" b="0" i="0" u="sng" dirty="0" err="1">
+                <a:latin typeface="ff3"/>
+              </a:rPr>
+              <a:t>Was als Kriegswaffe anzusehen ist, wird abschließend in einer Anlage zum </a:t>
+            </a:r>
+          </a:p>
+          <a:p>
+            <a:pPr algn="l"/>
+            <a:r>
+              <a:rPr lang="de-DE" b="0" i="0" dirty="0" err="1">
                 <a:solidFill>
-                  <a:srgbClr val="D2D0CE"/>
+                  <a:srgbClr val="000000"/>
                 </a:solidFill>
                 <a:effectLst/>
-                <a:latin typeface="-apple-system"/>
-              </a:rPr>
-              <a:t>Shipment</a:t>
-            </a:r>
-            <a:r>
-              <a:rPr lang="de-DE" b="0" i="0" u="sng" dirty="0">
+                <a:latin typeface="ff3"/>
+              </a:rPr>
+              <a:t>KrWaffKontrG</a:t>
+            </a:r>
+            <a:r>
+              <a:rPr lang="de-DE" b="0" i="0" dirty="0">
                 <a:solidFill>
-                  <a:srgbClr val="D2D0CE"/>
+                  <a:srgbClr val="000000"/>
                 </a:solidFill>
                 <a:effectLst/>
-                <a:latin typeface="-apple-system"/>
-              </a:rPr>
-              <a:t>-Kontrollen</a:t>
-            </a:r>
+                <a:latin typeface="ff3"/>
+              </a:rPr>
+              <a:t> aufgeführt, der Kriegswaffenliste. Unter Kriegswaffen sind nicht nur Geräte wie z. B. Kampfpanzer, </a:t>
+            </a:r>
+          </a:p>
+          <a:p>
+            <a:pPr algn="l"/>
             <a:r>
               <a:rPr lang="de-DE" b="0" i="0" dirty="0">
                 <a:solidFill>
-                  <a:srgbClr val="D2D0CE"/>
+                  <a:srgbClr val="000000"/>
                 </a:solidFill>
                 <a:effectLst/>
-                <a:latin typeface="-apple-system"/>
-              </a:rPr>
-              <a:t> sind Kontrollen, die nach der Lieferung von Rüstungsgütern an andere Länder durchgeführt werden. Sie sollen überprüfen, ob die Güter noch beim angegebenen Endverwender sind. </a:t>
-            </a:r>
+                <a:latin typeface="ff3"/>
+              </a:rPr>
+              <a:t>gepanzerte kampfunterstützende Fahrzeuge oder Maschinengewehre zu verstehen, sondern auch bestimmte </a:t>
+            </a:r>
+          </a:p>
+          <a:p>
+            <a:pPr algn="l"/>
             <a:r>
               <a:rPr lang="de-DE" b="0" i="0" dirty="0">
+                <a:solidFill>
+                  <a:srgbClr val="000000"/>
+                </a:solidFill>
                 <a:effectLst/>
-                <a:latin typeface="-apple-system"/>
-                <a:hlinkClick r:id="rId3"/>
-              </a:rPr>
-              <a:t>Die Bundesregierung hat 2015 beschlossen, solche Kontrollen für bestimmte Waffen einzuführen</a:t>
-            </a:r>
+                <a:latin typeface="ff3"/>
+              </a:rPr>
+              <a:t>Munitionen wie z. B. Panzer- oder Artilleriemunition. Darüber hinaus sind hier neben kompletten Geräten und Munitionen auch bestimmte Baugruppen und Komponenten, wie z. B. der Turm und das Fahrgestell eines Kampf-</a:t>
+            </a:r>
+          </a:p>
+          <a:p>
+            <a:pPr algn="l"/>
+            <a:r>
+              <a:rPr lang="de-DE" b="0" i="0" dirty="0" err="1">
+                <a:solidFill>
+                  <a:srgbClr val="000000"/>
+                </a:solidFill>
+                <a:effectLst/>
+                <a:latin typeface="ff3"/>
+              </a:rPr>
+              <a:t>panzers</a:t>
+            </a:r>
+            <a:r>
+              <a:rPr lang="de-DE" b="0" i="0" dirty="0">
+                <a:solidFill>
+                  <a:srgbClr val="000000"/>
+                </a:solidFill>
+                <a:effectLst/>
+                <a:latin typeface="ff3"/>
+              </a:rPr>
+              <a:t> oder das Geschoss, der Gefechtskopf oder der Zünder für bestimmte Munitionen, als Kriegswaffe definiert. </a:t>
+            </a:r>
+          </a:p>
+          <a:p>
+            <a:pPr algn="l"/>
+            <a:endParaRPr lang="de-DE" b="0" i="0" dirty="0">
+              <a:solidFill>
+                <a:srgbClr val="000000"/>
+              </a:solidFill>
+              <a:effectLst/>
+              <a:latin typeface="ff3"/>
+            </a:endParaRPr>
+          </a:p>
+          <a:p>
+            <a:pPr algn="l"/>
+            <a:r>
+              <a:rPr lang="de-DE" b="0" i="0" dirty="0">
+                <a:solidFill>
+                  <a:srgbClr val="000000"/>
+                </a:solidFill>
+                <a:effectLst/>
+                <a:latin typeface="ff3"/>
+              </a:rPr>
+              <a:t>EU-Recht hat Vorrang vor dem deutschen Recht!</a:t>
+            </a:r>
+          </a:p>
+          <a:p>
+            <a:pPr algn="l"/>
+            <a:endParaRPr lang="de-DE" b="0" i="0" dirty="0">
+              <a:solidFill>
+                <a:srgbClr val="000000"/>
+              </a:solidFill>
+              <a:effectLst/>
+              <a:latin typeface="ff3"/>
+            </a:endParaRPr>
+          </a:p>
+          <a:p>
+            <a:pPr algn="l"/>
             <a:endParaRPr lang="de-DE" b="0" i="0" dirty="0">
               <a:solidFill>
                 <a:srgbClr val="000000"/>
@@ -2161,7 +2199,7 @@
     </p:spTree>
     <p:extLst>
       <p:ext uri="{BB962C8B-B14F-4D97-AF65-F5344CB8AC3E}">
-        <p14:creationId xmlns:p14="http://schemas.microsoft.com/office/powerpoint/2010/main" val="2902255542"/>
+        <p14:creationId xmlns:p14="http://schemas.microsoft.com/office/powerpoint/2010/main" val="3755915667"/>
       </p:ext>
     </p:extLst>
   </p:cSld>
@@ -2215,22 +2253,72 @@
           <a:bodyPr/>
           <a:lstStyle/>
           <a:p>
-            <a:r>
-              <a:rPr lang="de-DE" dirty="0"/>
-              <a:t>Jolan</a:t>
-            </a:r>
-          </a:p>
-          <a:p>
-            <a:r>
-              <a:rPr lang="de-DE" dirty="0"/>
-              <a:t>Risiko wird bewertet nach Eintrittswahrscheinlichkeit, Schadenswahrscheinlichkeit. Diese werden nach einer Formel zu einem Gesamtrisiko berechnet.</a:t>
-            </a:r>
-          </a:p>
-          <a:p>
-            <a:r>
-              <a:rPr lang="de-DE" dirty="0"/>
-              <a:t>Durch das 2022 beschlossene Sondervermögen von 100 Milliarden € ließen sich lang aufgeschobene Großprojekte realisieren, diese könnten kurzfristig allerdings auch zu kurzfristigem Personalmangel führen. Da</a:t>
-            </a:r>
+            <a:pPr algn="l"/>
+            <a:endParaRPr lang="de-DE" b="0" i="0" dirty="0">
+              <a:solidFill>
+                <a:srgbClr val="000000"/>
+              </a:solidFill>
+              <a:effectLst/>
+              <a:latin typeface="ff3"/>
+            </a:endParaRPr>
+          </a:p>
+          <a:p>
+            <a:pPr algn="l"/>
+            <a:r>
+              <a:rPr lang="de-DE" b="0" i="0" u="sng" dirty="0">
+                <a:solidFill>
+                  <a:srgbClr val="D2D0CE"/>
+                </a:solidFill>
+                <a:effectLst/>
+                <a:latin typeface="-apple-system"/>
+              </a:rPr>
+              <a:t>Post-</a:t>
+            </a:r>
+            <a:r>
+              <a:rPr lang="de-DE" b="0" i="0" u="sng" dirty="0" err="1">
+                <a:solidFill>
+                  <a:srgbClr val="D2D0CE"/>
+                </a:solidFill>
+                <a:effectLst/>
+                <a:latin typeface="-apple-system"/>
+              </a:rPr>
+              <a:t>Shipment</a:t>
+            </a:r>
+            <a:r>
+              <a:rPr lang="de-DE" b="0" i="0" u="sng" dirty="0">
+                <a:solidFill>
+                  <a:srgbClr val="D2D0CE"/>
+                </a:solidFill>
+                <a:effectLst/>
+                <a:latin typeface="-apple-system"/>
+              </a:rPr>
+              <a:t>-Kontrollen</a:t>
+            </a:r>
+            <a:r>
+              <a:rPr lang="de-DE" b="0" i="0" dirty="0">
+                <a:solidFill>
+                  <a:srgbClr val="D2D0CE"/>
+                </a:solidFill>
+                <a:effectLst/>
+                <a:latin typeface="-apple-system"/>
+              </a:rPr>
+              <a:t> sind Kontrollen, die nach der Lieferung von Rüstungsgütern an andere Länder durchgeführt werden. Sie sollen überprüfen, ob die Güter noch beim angegebenen Endverwender sind. </a:t>
+            </a:r>
+            <a:r>
+              <a:rPr lang="de-DE" b="0" i="0" dirty="0">
+                <a:effectLst/>
+                <a:latin typeface="-apple-system"/>
+                <a:hlinkClick r:id="rId3"/>
+              </a:rPr>
+              <a:t>Die Bundesregierung hat 2015 beschlossen, solche Kontrollen für bestimmte Waffen einzuführen</a:t>
+            </a:r>
+            <a:endParaRPr lang="de-DE" b="0" i="0" dirty="0">
+              <a:solidFill>
+                <a:srgbClr val="000000"/>
+              </a:solidFill>
+              <a:effectLst/>
+              <a:latin typeface="ff3"/>
+            </a:endParaRPr>
           </a:p>
         </p:txBody>
       </p:sp>
@@ -2260,7 +2348,7 @@
     </p:spTree>
     <p:extLst>
       <p:ext uri="{BB962C8B-B14F-4D97-AF65-F5344CB8AC3E}">
-        <p14:creationId xmlns:p14="http://schemas.microsoft.com/office/powerpoint/2010/main" val="4033053670"/>
+        <p14:creationId xmlns:p14="http://schemas.microsoft.com/office/powerpoint/2010/main" val="2902255542"/>
       </p:ext>
     </p:extLst>
   </p:cSld>
@@ -6052,6 +6140,53 @@
       </p:grpSpPr>
       <p:pic>
         <p:nvPicPr>
+          <p:cNvPr id="10242" name="Picture 2" descr="Allianz Risikobarometer 2023">
+            <a:extLst>
+              <a:ext uri="{FF2B5EF4-FFF2-40B4-BE49-F238E27FC236}">
+                <a16:creationId xmlns:a16="http://schemas.microsoft.com/office/drawing/2014/main" id="{4725DEE6-F63D-576C-0A6C-3872AA51CBCB}"/>
+              </a:ext>
+            </a:extLst>
+          </p:cNvPr>
+          <p:cNvPicPr>
+            <a:picLocks noChangeAspect="1" noChangeArrowheads="1"/>
+          </p:cNvPicPr>
+          <p:nvPr/>
+        </p:nvPicPr>
+        <p:blipFill>
+          <a:blip r:embed="rId3">
+            <a:extLst>
+              <a:ext uri="{28A0092B-C50C-407E-A947-70E740481C1C}">
+                <a14:useLocalDpi xmlns:a14="http://schemas.microsoft.com/office/drawing/2010/main" val="0"/>
+              </a:ext>
+            </a:extLst>
+          </a:blip>
+          <a:srcRect/>
+          <a:stretch>
+            <a:fillRect/>
+          </a:stretch>
+        </p:blipFill>
+        <p:spPr bwMode="auto">
+          <a:xfrm>
+            <a:off x="4779263" y="2374741"/>
+            <a:ext cx="6946774" cy="3473387"/>
+          </a:xfrm>
+          <a:prstGeom prst="rect">
+            <a:avLst/>
+          </a:prstGeom>
+          <a:noFill/>
+          <a:extLst>
+            <a:ext uri="{909E8E84-426E-40DD-AFC4-6F175D3DCCD1}">
+              <a14:hiddenFill xmlns:a14="http://schemas.microsoft.com/office/drawing/2010/main">
+                <a:solidFill>
+                  <a:srgbClr val="FFFFFF"/>
+                </a:solidFill>
+              </a14:hiddenFill>
+            </a:ext>
+          </a:extLst>
+        </p:spPr>
+      </p:pic>
+      <p:pic>
+        <p:nvPicPr>
           <p:cNvPr id="4" name="Graphic 1">
             <a:extLst>
               <a:ext uri="{FF2B5EF4-FFF2-40B4-BE49-F238E27FC236}">
@@ -6065,13 +6200,13 @@
           <p:nvPr/>
         </p:nvPicPr>
         <p:blipFill>
-          <a:blip r:embed="rId3">
+          <a:blip r:embed="rId4">
             <a:extLst>
               <a:ext uri="{28A0092B-C50C-407E-A947-70E740481C1C}">
                 <a14:useLocalDpi xmlns:a14="http://schemas.microsoft.com/office/drawing/2010/main" val="0"/>
               </a:ext>
               <a:ext uri="{96DAC541-7B7A-43D3-8B79-37D633B846F1}">
-                <asvg:svgBlip xmlns:asvg="http://schemas.microsoft.com/office/drawing/2016/SVG/main" r:embed="rId4"/>
+                <asvg:svgBlip xmlns:asvg="http://schemas.microsoft.com/office/drawing/2016/SVG/main" r:embed="rId5"/>
               </a:ext>
             </a:extLst>
           </a:blip>
@@ -6124,6 +6259,229 @@
             <a:fld id="{8665FA59-C0FE-4AB6-AD99-2451632B0EBE}" type="slidenum">
               <a:rPr lang="de-DE" sz="900" smtClean="0"/>
               <a:t>10</a:t>
+            </a:fld>
+            <a:endParaRPr lang="de-DE" sz="900" dirty="0"/>
+          </a:p>
+        </p:txBody>
+      </p:sp>
+      <p:sp>
+        <p:nvSpPr>
+          <p:cNvPr id="8" name="Title 1">
+            <a:extLst>
+              <a:ext uri="{FF2B5EF4-FFF2-40B4-BE49-F238E27FC236}">
+                <a16:creationId xmlns:a16="http://schemas.microsoft.com/office/drawing/2014/main" id="{98CC78A6-1C21-02A9-676F-5D176767FB34}"/>
+              </a:ext>
+            </a:extLst>
+          </p:cNvPr>
+          <p:cNvSpPr>
+            <a:spLocks noGrp="1"/>
+          </p:cNvSpPr>
+          <p:nvPr>
+            <p:ph type="ctrTitle"/>
+          </p:nvPr>
+        </p:nvSpPr>
+        <p:spPr>
+          <a:xfrm>
+            <a:off x="738026" y="1064589"/>
+            <a:ext cx="9144000" cy="485811"/>
+          </a:xfrm>
+        </p:spPr>
+        <p:txBody>
+          <a:bodyPr>
+            <a:normAutofit fontScale="90000"/>
+          </a:bodyPr>
+          <a:lstStyle/>
+          <a:p>
+            <a:pPr algn="l">
+              <a:lnSpc>
+                <a:spcPct val="100000"/>
+              </a:lnSpc>
+              <a:spcAft>
+                <a:spcPts val="600"/>
+              </a:spcAft>
+            </a:pPr>
+            <a:r>
+              <a:rPr lang="de-DE" sz="2800" b="1" dirty="0">
+                <a:latin typeface="Times New Roman" panose="02020603050405020304" pitchFamily="18" charset="0"/>
+                <a:cs typeface="Times New Roman" panose="02020603050405020304" pitchFamily="18" charset="0"/>
+              </a:rPr>
+              <a:t>Spezielle Risiken und Branchenrisiken</a:t>
+            </a:r>
+          </a:p>
+        </p:txBody>
+      </p:sp>
+      <p:pic>
+        <p:nvPicPr>
+          <p:cNvPr id="9" name="Grafik 8">
+            <a:extLst>
+              <a:ext uri="{FF2B5EF4-FFF2-40B4-BE49-F238E27FC236}">
+                <a16:creationId xmlns:a16="http://schemas.microsoft.com/office/drawing/2014/main" id="{89E5ED6A-DE39-D118-F274-4CC6F166CE4D}"/>
+              </a:ext>
+            </a:extLst>
+          </p:cNvPr>
+          <p:cNvPicPr>
+            <a:picLocks noChangeAspect="1"/>
+          </p:cNvPicPr>
+          <p:nvPr/>
+        </p:nvPicPr>
+        <p:blipFill>
+          <a:blip r:embed="rId6"/>
+          <a:stretch>
+            <a:fillRect/>
+          </a:stretch>
+        </p:blipFill>
+        <p:spPr>
+          <a:xfrm>
+            <a:off x="1213945" y="1702384"/>
+            <a:ext cx="4873022" cy="2960302"/>
+          </a:xfrm>
+          <a:prstGeom prst="rect">
+            <a:avLst/>
+          </a:prstGeom>
+        </p:spPr>
+      </p:pic>
+      <p:sp>
+        <p:nvSpPr>
+          <p:cNvPr id="10" name="Textfeld 9">
+            <a:extLst>
+              <a:ext uri="{FF2B5EF4-FFF2-40B4-BE49-F238E27FC236}">
+                <a16:creationId xmlns:a16="http://schemas.microsoft.com/office/drawing/2014/main" id="{DB37E5B8-875D-423C-2CA2-16875CEAA140}"/>
+              </a:ext>
+            </a:extLst>
+          </p:cNvPr>
+          <p:cNvSpPr txBox="1"/>
+          <p:nvPr/>
+        </p:nvSpPr>
+        <p:spPr>
+          <a:xfrm>
+            <a:off x="1213945" y="4886075"/>
+            <a:ext cx="3368871" cy="369332"/>
+          </a:xfrm>
+          <a:prstGeom prst="rect">
+            <a:avLst/>
+          </a:prstGeom>
+          <a:noFill/>
+        </p:spPr>
+        <p:txBody>
+          <a:bodyPr wrap="none" rtlCol="0">
+            <a:spAutoFit/>
+          </a:bodyPr>
+          <a:lstStyle/>
+          <a:p>
+            <a:r>
+              <a:rPr lang="de-DE" dirty="0">
+                <a:latin typeface="Times New Roman" panose="02020603050405020304" pitchFamily="18" charset="0"/>
+                <a:cs typeface="Times New Roman" panose="02020603050405020304" pitchFamily="18" charset="0"/>
+              </a:rPr>
+              <a:t>Quelle: Jahresabschluss 2022 S.83</a:t>
+            </a:r>
+          </a:p>
+        </p:txBody>
+      </p:sp>
+    </p:spTree>
+    <p:extLst>
+      <p:ext uri="{BB962C8B-B14F-4D97-AF65-F5344CB8AC3E}">
+        <p14:creationId xmlns:p14="http://schemas.microsoft.com/office/powerpoint/2010/main" val="45320801"/>
+      </p:ext>
+    </p:extLst>
+  </p:cSld>
+  <p:clrMapOvr>
+    <a:masterClrMapping/>
+  </p:clrMapOvr>
+</p:sld>
+</file>
+
+<file path=ppt/slides/slide11.xml><?xml version="1.0" encoding="utf-8"?>
+<p:sld xmlns:a="http://schemas.openxmlformats.org/drawingml/2006/main" xmlns:r="http://schemas.openxmlformats.org/officeDocument/2006/relationships" xmlns:p="http://schemas.openxmlformats.org/presentationml/2006/main">
+  <p:cSld>
+    <p:spTree>
+      <p:nvGrpSpPr>
+        <p:cNvPr id="1" name=""/>
+        <p:cNvGrpSpPr/>
+        <p:nvPr/>
+      </p:nvGrpSpPr>
+      <p:grpSpPr>
+        <a:xfrm>
+          <a:off x="0" y="0"/>
+          <a:ext cx="0" cy="0"/>
+          <a:chOff x="0" y="0"/>
+          <a:chExt cx="0" cy="0"/>
+        </a:xfrm>
+      </p:grpSpPr>
+      <p:pic>
+        <p:nvPicPr>
+          <p:cNvPr id="4" name="Graphic 1">
+            <a:extLst>
+              <a:ext uri="{FF2B5EF4-FFF2-40B4-BE49-F238E27FC236}">
+                <a16:creationId xmlns:a16="http://schemas.microsoft.com/office/drawing/2014/main" id="{D4E2A8A5-7B9A-9FCE-2C0C-40115BB72542}"/>
+              </a:ext>
+            </a:extLst>
+          </p:cNvPr>
+          <p:cNvPicPr>
+            <a:picLocks noChangeAspect="1"/>
+          </p:cNvPicPr>
+          <p:nvPr/>
+        </p:nvPicPr>
+        <p:blipFill>
+          <a:blip r:embed="rId3">
+            <a:extLst>
+              <a:ext uri="{28A0092B-C50C-407E-A947-70E740481C1C}">
+                <a14:useLocalDpi xmlns:a14="http://schemas.microsoft.com/office/drawing/2010/main" val="0"/>
+              </a:ext>
+              <a:ext uri="{96DAC541-7B7A-43D3-8B79-37D633B846F1}">
+                <asvg:svgBlip xmlns:asvg="http://schemas.microsoft.com/office/drawing/2016/SVG/main" r:embed="rId4"/>
+              </a:ext>
+            </a:extLst>
+          </a:blip>
+          <a:stretch>
+            <a:fillRect/>
+          </a:stretch>
+        </p:blipFill>
+        <p:spPr>
+          <a:xfrm>
+            <a:off x="160961" y="133521"/>
+            <a:ext cx="2371620" cy="485811"/>
+          </a:xfrm>
+          <a:prstGeom prst="rect">
+            <a:avLst/>
+          </a:prstGeom>
+        </p:spPr>
+      </p:pic>
+      <p:sp>
+        <p:nvSpPr>
+          <p:cNvPr id="6" name="TextBox 5">
+            <a:extLst>
+              <a:ext uri="{FF2B5EF4-FFF2-40B4-BE49-F238E27FC236}">
+                <a16:creationId xmlns:a16="http://schemas.microsoft.com/office/drawing/2014/main" id="{4BF11305-FC23-954B-7998-B1257FEE9257}"/>
+              </a:ext>
+            </a:extLst>
+          </p:cNvPr>
+          <p:cNvSpPr txBox="1"/>
+          <p:nvPr/>
+        </p:nvSpPr>
+        <p:spPr>
+          <a:xfrm>
+            <a:off x="66782" y="6529608"/>
+            <a:ext cx="10986501" cy="230832"/>
+          </a:xfrm>
+          <a:prstGeom prst="rect">
+            <a:avLst/>
+          </a:prstGeom>
+          <a:noFill/>
+        </p:spPr>
+        <p:txBody>
+          <a:bodyPr wrap="square">
+            <a:spAutoFit/>
+          </a:bodyPr>
+          <a:lstStyle/>
+          <a:p>
+            <a:r>
+              <a:rPr lang="de-DE" sz="900" dirty="0"/>
+              <a:t>Risikomanagement &amp; Corporate Governance - Rheinmetall| WiSe 2023/24 I Hochschule Bielefeld I Linus Langenkamp, Jolan Eggers, Nicolas Schneider, Redouane Kabouchi I 03.11.2023 I Seite </a:t>
+            </a:r>
+            <a:fld id="{8665FA59-C0FE-4AB6-AD99-2451632B0EBE}" type="slidenum">
+              <a:rPr lang="de-DE" sz="900" smtClean="0"/>
+              <a:t>11</a:t>
             </a:fld>
             <a:endParaRPr lang="de-DE" sz="900" dirty="0"/>
           </a:p>
@@ -6761,317 +7119,6 @@
 </p:sld>
 </file>
 
-<file path=ppt/slides/slide11.xml><?xml version="1.0" encoding="utf-8"?>
-<p:sld xmlns:a="http://schemas.openxmlformats.org/drawingml/2006/main" xmlns:r="http://schemas.openxmlformats.org/officeDocument/2006/relationships" xmlns:p="http://schemas.openxmlformats.org/presentationml/2006/main">
-  <p:cSld>
-    <p:spTree>
-      <p:nvGrpSpPr>
-        <p:cNvPr id="1" name=""/>
-        <p:cNvGrpSpPr/>
-        <p:nvPr/>
-      </p:nvGrpSpPr>
-      <p:grpSpPr>
-        <a:xfrm>
-          <a:off x="0" y="0"/>
-          <a:ext cx="0" cy="0"/>
-          <a:chOff x="0" y="0"/>
-          <a:chExt cx="0" cy="0"/>
-        </a:xfrm>
-      </p:grpSpPr>
-      <p:pic>
-        <p:nvPicPr>
-          <p:cNvPr id="4" name="Graphic 1">
-            <a:extLst>
-              <a:ext uri="{FF2B5EF4-FFF2-40B4-BE49-F238E27FC236}">
-                <a16:creationId xmlns:a16="http://schemas.microsoft.com/office/drawing/2014/main" id="{D4E2A8A5-7B9A-9FCE-2C0C-40115BB72542}"/>
-              </a:ext>
-            </a:extLst>
-          </p:cNvPr>
-          <p:cNvPicPr>
-            <a:picLocks noChangeAspect="1"/>
-          </p:cNvPicPr>
-          <p:nvPr/>
-        </p:nvPicPr>
-        <p:blipFill>
-          <a:blip r:embed="rId3">
-            <a:extLst>
-              <a:ext uri="{28A0092B-C50C-407E-A947-70E740481C1C}">
-                <a14:useLocalDpi xmlns:a14="http://schemas.microsoft.com/office/drawing/2010/main" val="0"/>
-              </a:ext>
-              <a:ext uri="{96DAC541-7B7A-43D3-8B79-37D633B846F1}">
-                <asvg:svgBlip xmlns:asvg="http://schemas.microsoft.com/office/drawing/2016/SVG/main" r:embed="rId4"/>
-              </a:ext>
-            </a:extLst>
-          </a:blip>
-          <a:stretch>
-            <a:fillRect/>
-          </a:stretch>
-        </p:blipFill>
-        <p:spPr>
-          <a:xfrm>
-            <a:off x="160961" y="133521"/>
-            <a:ext cx="2371620" cy="485811"/>
-          </a:xfrm>
-          <a:prstGeom prst="rect">
-            <a:avLst/>
-          </a:prstGeom>
-        </p:spPr>
-      </p:pic>
-      <p:sp>
-        <p:nvSpPr>
-          <p:cNvPr id="6" name="TextBox 5">
-            <a:extLst>
-              <a:ext uri="{FF2B5EF4-FFF2-40B4-BE49-F238E27FC236}">
-                <a16:creationId xmlns:a16="http://schemas.microsoft.com/office/drawing/2014/main" id="{4BF11305-FC23-954B-7998-B1257FEE9257}"/>
-              </a:ext>
-            </a:extLst>
-          </p:cNvPr>
-          <p:cNvSpPr txBox="1"/>
-          <p:nvPr/>
-        </p:nvSpPr>
-        <p:spPr>
-          <a:xfrm>
-            <a:off x="66782" y="6529608"/>
-            <a:ext cx="10986501" cy="230832"/>
-          </a:xfrm>
-          <a:prstGeom prst="rect">
-            <a:avLst/>
-          </a:prstGeom>
-          <a:noFill/>
-        </p:spPr>
-        <p:txBody>
-          <a:bodyPr wrap="square">
-            <a:spAutoFit/>
-          </a:bodyPr>
-          <a:lstStyle/>
-          <a:p>
-            <a:r>
-              <a:rPr lang="de-DE" sz="900" dirty="0"/>
-              <a:t>Risikomanagement &amp; Corporate Governance - Rheinmetall| WiSe 2023/24 I Hochschule Bielefeld I Linus Langenkamp, Jolan Eggers, Nicolas Schneider, Redouane Kabouchi I 03.11.2023 I Seite </a:t>
-            </a:r>
-            <a:fld id="{8665FA59-C0FE-4AB6-AD99-2451632B0EBE}" type="slidenum">
-              <a:rPr lang="de-DE" sz="900" smtClean="0"/>
-              <a:t>11</a:t>
-            </a:fld>
-            <a:endParaRPr lang="de-DE" sz="900" dirty="0"/>
-          </a:p>
-        </p:txBody>
-      </p:sp>
-      <p:sp>
-        <p:nvSpPr>
-          <p:cNvPr id="8" name="Title 1">
-            <a:extLst>
-              <a:ext uri="{FF2B5EF4-FFF2-40B4-BE49-F238E27FC236}">
-                <a16:creationId xmlns:a16="http://schemas.microsoft.com/office/drawing/2014/main" id="{98CC78A6-1C21-02A9-676F-5D176767FB34}"/>
-              </a:ext>
-            </a:extLst>
-          </p:cNvPr>
-          <p:cNvSpPr>
-            <a:spLocks noGrp="1"/>
-          </p:cNvSpPr>
-          <p:nvPr>
-            <p:ph type="ctrTitle"/>
-          </p:nvPr>
-        </p:nvSpPr>
-        <p:spPr>
-          <a:xfrm>
-            <a:off x="496726" y="1193965"/>
-            <a:ext cx="9144000" cy="485811"/>
-          </a:xfrm>
-        </p:spPr>
-        <p:txBody>
-          <a:bodyPr>
-            <a:normAutofit fontScale="90000"/>
-          </a:bodyPr>
-          <a:lstStyle/>
-          <a:p>
-            <a:pPr algn="l">
-              <a:lnSpc>
-                <a:spcPct val="100000"/>
-              </a:lnSpc>
-              <a:spcAft>
-                <a:spcPts val="600"/>
-              </a:spcAft>
-            </a:pPr>
-            <a:r>
-              <a:rPr lang="de-DE" sz="2800" b="1" dirty="0">
-                <a:latin typeface="Times New Roman" panose="02020603050405020304" pitchFamily="18" charset="0"/>
-                <a:cs typeface="Times New Roman" panose="02020603050405020304" pitchFamily="18" charset="0"/>
-              </a:rPr>
-              <a:t>Risikomanagementansätzen</a:t>
-            </a:r>
-          </a:p>
-        </p:txBody>
-      </p:sp>
-      <p:sp>
-        <p:nvSpPr>
-          <p:cNvPr id="2" name="Textfeld 1">
-            <a:extLst>
-              <a:ext uri="{FF2B5EF4-FFF2-40B4-BE49-F238E27FC236}">
-                <a16:creationId xmlns:a16="http://schemas.microsoft.com/office/drawing/2014/main" id="{087B2FD8-DF13-4102-59F4-E739BB05E1A8}"/>
-              </a:ext>
-            </a:extLst>
-          </p:cNvPr>
-          <p:cNvSpPr txBox="1"/>
-          <p:nvPr/>
-        </p:nvSpPr>
-        <p:spPr>
-          <a:xfrm>
-            <a:off x="762000" y="1727810"/>
-            <a:ext cx="11242180" cy="3693319"/>
-          </a:xfrm>
-          <a:prstGeom prst="rect">
-            <a:avLst/>
-          </a:prstGeom>
-          <a:noFill/>
-        </p:spPr>
-        <p:txBody>
-          <a:bodyPr wrap="none" rtlCol="0">
-            <a:spAutoFit/>
-          </a:bodyPr>
-          <a:lstStyle/>
-          <a:p>
-            <a:pPr>
-              <a:lnSpc>
-                <a:spcPct val="200000"/>
-              </a:lnSpc>
-              <a:buFont typeface="Arial" panose="020B0604020202020204" pitchFamily="34" charset="0"/>
-              <a:buChar char="•"/>
-            </a:pPr>
-            <a:r>
-              <a:rPr lang="de-DE" sz="1800" dirty="0">
-                <a:latin typeface="Times New Roman" panose="02020603050405020304" pitchFamily="18" charset="0"/>
-                <a:cs typeface="Times New Roman" panose="02020603050405020304" pitchFamily="18" charset="0"/>
-              </a:rPr>
-              <a:t> Basierend auf den risikopolitischen Leitsätzen des Vorstands der Rheinmetall AG.</a:t>
-            </a:r>
-          </a:p>
-          <a:p>
-            <a:pPr>
-              <a:lnSpc>
-                <a:spcPct val="200000"/>
-              </a:lnSpc>
-              <a:buFont typeface="Arial" panose="020B0604020202020204" pitchFamily="34" charset="0"/>
-              <a:buChar char="•"/>
-            </a:pPr>
-            <a:r>
-              <a:rPr lang="de-DE" sz="1800" dirty="0">
-                <a:latin typeface="Times New Roman" panose="02020603050405020304" pitchFamily="18" charset="0"/>
-                <a:cs typeface="Times New Roman" panose="02020603050405020304" pitchFamily="18" charset="0"/>
-              </a:rPr>
-              <a:t> Diese Leitsätze richten sich nach finanziellen Ressourcen, strategischer und operativer Planung.</a:t>
-            </a:r>
-          </a:p>
-          <a:p>
-            <a:pPr>
-              <a:lnSpc>
-                <a:spcPct val="200000"/>
-              </a:lnSpc>
-              <a:buFont typeface="Arial" panose="020B0604020202020204" pitchFamily="34" charset="0"/>
-              <a:buChar char="•"/>
-            </a:pPr>
-            <a:r>
-              <a:rPr lang="de-DE" sz="1800" dirty="0">
-                <a:latin typeface="Times New Roman" panose="02020603050405020304" pitchFamily="18" charset="0"/>
-                <a:cs typeface="Times New Roman" panose="02020603050405020304" pitchFamily="18" charset="0"/>
-              </a:rPr>
-              <a:t> Festlegung von Richtlinien, Verantwortlichkeiten, Schwellenwerten und der Dokumentation von Risiken.</a:t>
-            </a:r>
-          </a:p>
-          <a:p>
-            <a:pPr>
-              <a:lnSpc>
-                <a:spcPct val="200000"/>
-              </a:lnSpc>
-              <a:buFont typeface="Arial" panose="020B0604020202020204" pitchFamily="34" charset="0"/>
-              <a:buChar char="•"/>
-            </a:pPr>
-            <a:r>
-              <a:rPr lang="de-DE" sz="1800" dirty="0">
-                <a:latin typeface="Times New Roman" panose="02020603050405020304" pitchFamily="18" charset="0"/>
-                <a:cs typeface="Times New Roman" panose="02020603050405020304" pitchFamily="18" charset="0"/>
-              </a:rPr>
-              <a:t> Kontinuierliche Überwachung und aktive Steuerung von unternehmerischen Entscheidungen und Geschäftsaktivitäten.</a:t>
-            </a:r>
-          </a:p>
-          <a:p>
-            <a:pPr>
-              <a:lnSpc>
-                <a:spcPct val="200000"/>
-              </a:lnSpc>
-              <a:buFont typeface="Arial" panose="020B0604020202020204" pitchFamily="34" charset="0"/>
-              <a:buChar char="•"/>
-            </a:pPr>
-            <a:r>
-              <a:rPr lang="de-DE" sz="1800" dirty="0">
-                <a:latin typeface="Times New Roman" panose="02020603050405020304" pitchFamily="18" charset="0"/>
-                <a:cs typeface="Times New Roman" panose="02020603050405020304" pitchFamily="18" charset="0"/>
-              </a:rPr>
-              <a:t> Bei Bedarf Ableitung von Handlungsmaßnahmen zur Einhaltung gesetzlicher Anforderungen.</a:t>
-            </a:r>
-          </a:p>
-          <a:p>
-            <a:pPr>
-              <a:lnSpc>
-                <a:spcPct val="200000"/>
-              </a:lnSpc>
-              <a:buFont typeface="Arial" panose="020B0604020202020204" pitchFamily="34" charset="0"/>
-              <a:buChar char="•"/>
-            </a:pPr>
-            <a:r>
-              <a:rPr lang="de-DE" sz="1800" dirty="0">
-                <a:latin typeface="Times New Roman" panose="02020603050405020304" pitchFamily="18" charset="0"/>
-                <a:cs typeface="Times New Roman" panose="02020603050405020304" pitchFamily="18" charset="0"/>
-              </a:rPr>
-              <a:t> Rheinmetall nutzt das "</a:t>
-            </a:r>
-            <a:r>
-              <a:rPr lang="de-DE" sz="1800" dirty="0" err="1">
-                <a:latin typeface="Times New Roman" panose="02020603050405020304" pitchFamily="18" charset="0"/>
-                <a:cs typeface="Times New Roman" panose="02020603050405020304" pitchFamily="18" charset="0"/>
-              </a:rPr>
-              <a:t>Three</a:t>
-            </a:r>
-            <a:r>
-              <a:rPr lang="de-DE" sz="1800" dirty="0">
-                <a:latin typeface="Times New Roman" panose="02020603050405020304" pitchFamily="18" charset="0"/>
-                <a:cs typeface="Times New Roman" panose="02020603050405020304" pitchFamily="18" charset="0"/>
-              </a:rPr>
-              <a:t>-Lines-</a:t>
-            </a:r>
-            <a:r>
-              <a:rPr lang="de-DE" sz="1800" dirty="0" err="1">
-                <a:latin typeface="Times New Roman" panose="02020603050405020304" pitchFamily="18" charset="0"/>
-                <a:cs typeface="Times New Roman" panose="02020603050405020304" pitchFamily="18" charset="0"/>
-              </a:rPr>
-              <a:t>of</a:t>
-            </a:r>
-            <a:r>
-              <a:rPr lang="de-DE" sz="1800" dirty="0">
-                <a:latin typeface="Times New Roman" panose="02020603050405020304" pitchFamily="18" charset="0"/>
-                <a:cs typeface="Times New Roman" panose="02020603050405020304" pitchFamily="18" charset="0"/>
-              </a:rPr>
-              <a:t>-Defense"-Modell für effektives Risikomanagement.</a:t>
-            </a:r>
-          </a:p>
-          <a:p>
-            <a:endParaRPr lang="de-DE" dirty="0"/>
-          </a:p>
-        </p:txBody>
-      </p:sp>
-    </p:spTree>
-    <p:extLst>
-      <p:ext uri="{BB962C8B-B14F-4D97-AF65-F5344CB8AC3E}">
-        <p14:creationId xmlns:p14="http://schemas.microsoft.com/office/powerpoint/2010/main" val="1108202480"/>
-      </p:ext>
-    </p:extLst>
-  </p:cSld>
-  <p:clrMapOvr>
-    <a:masterClrMapping/>
-  </p:clrMapOvr>
-</p:sld>
-</file>
-
 <file path=ppt/slides/slide12.xml><?xml version="1.0" encoding="utf-8"?>
 <p:sld xmlns:a="http://schemas.openxmlformats.org/drawingml/2006/main" xmlns:r="http://schemas.openxmlformats.org/officeDocument/2006/relationships" xmlns:p="http://schemas.openxmlformats.org/presentationml/2006/main">
   <p:cSld>
@@ -7163,6 +7210,317 @@
             <a:fld id="{8665FA59-C0FE-4AB6-AD99-2451632B0EBE}" type="slidenum">
               <a:rPr lang="de-DE" sz="900" smtClean="0"/>
               <a:t>12</a:t>
+            </a:fld>
+            <a:endParaRPr lang="de-DE" sz="900" dirty="0"/>
+          </a:p>
+        </p:txBody>
+      </p:sp>
+      <p:sp>
+        <p:nvSpPr>
+          <p:cNvPr id="8" name="Title 1">
+            <a:extLst>
+              <a:ext uri="{FF2B5EF4-FFF2-40B4-BE49-F238E27FC236}">
+                <a16:creationId xmlns:a16="http://schemas.microsoft.com/office/drawing/2014/main" id="{98CC78A6-1C21-02A9-676F-5D176767FB34}"/>
+              </a:ext>
+            </a:extLst>
+          </p:cNvPr>
+          <p:cNvSpPr>
+            <a:spLocks noGrp="1"/>
+          </p:cNvSpPr>
+          <p:nvPr>
+            <p:ph type="ctrTitle"/>
+          </p:nvPr>
+        </p:nvSpPr>
+        <p:spPr>
+          <a:xfrm>
+            <a:off x="496726" y="1193965"/>
+            <a:ext cx="9144000" cy="485811"/>
+          </a:xfrm>
+        </p:spPr>
+        <p:txBody>
+          <a:bodyPr>
+            <a:normAutofit fontScale="90000"/>
+          </a:bodyPr>
+          <a:lstStyle/>
+          <a:p>
+            <a:pPr algn="l">
+              <a:lnSpc>
+                <a:spcPct val="100000"/>
+              </a:lnSpc>
+              <a:spcAft>
+                <a:spcPts val="600"/>
+              </a:spcAft>
+            </a:pPr>
+            <a:r>
+              <a:rPr lang="de-DE" sz="2800" b="1" dirty="0">
+                <a:latin typeface="Times New Roman" panose="02020603050405020304" pitchFamily="18" charset="0"/>
+                <a:cs typeface="Times New Roman" panose="02020603050405020304" pitchFamily="18" charset="0"/>
+              </a:rPr>
+              <a:t>Risikomanagementansätzen</a:t>
+            </a:r>
+          </a:p>
+        </p:txBody>
+      </p:sp>
+      <p:sp>
+        <p:nvSpPr>
+          <p:cNvPr id="2" name="Textfeld 1">
+            <a:extLst>
+              <a:ext uri="{FF2B5EF4-FFF2-40B4-BE49-F238E27FC236}">
+                <a16:creationId xmlns:a16="http://schemas.microsoft.com/office/drawing/2014/main" id="{087B2FD8-DF13-4102-59F4-E739BB05E1A8}"/>
+              </a:ext>
+            </a:extLst>
+          </p:cNvPr>
+          <p:cNvSpPr txBox="1"/>
+          <p:nvPr/>
+        </p:nvSpPr>
+        <p:spPr>
+          <a:xfrm>
+            <a:off x="762000" y="1727810"/>
+            <a:ext cx="11242180" cy="3693319"/>
+          </a:xfrm>
+          <a:prstGeom prst="rect">
+            <a:avLst/>
+          </a:prstGeom>
+          <a:noFill/>
+        </p:spPr>
+        <p:txBody>
+          <a:bodyPr wrap="none" rtlCol="0">
+            <a:spAutoFit/>
+          </a:bodyPr>
+          <a:lstStyle/>
+          <a:p>
+            <a:pPr>
+              <a:lnSpc>
+                <a:spcPct val="200000"/>
+              </a:lnSpc>
+              <a:buFont typeface="Arial" panose="020B0604020202020204" pitchFamily="34" charset="0"/>
+              <a:buChar char="•"/>
+            </a:pPr>
+            <a:r>
+              <a:rPr lang="de-DE" sz="1800" dirty="0">
+                <a:latin typeface="Times New Roman" panose="02020603050405020304" pitchFamily="18" charset="0"/>
+                <a:cs typeface="Times New Roman" panose="02020603050405020304" pitchFamily="18" charset="0"/>
+              </a:rPr>
+              <a:t> Basierend auf den risikopolitischen Leitsätzen des Vorstands der Rheinmetall AG.</a:t>
+            </a:r>
+          </a:p>
+          <a:p>
+            <a:pPr>
+              <a:lnSpc>
+                <a:spcPct val="200000"/>
+              </a:lnSpc>
+              <a:buFont typeface="Arial" panose="020B0604020202020204" pitchFamily="34" charset="0"/>
+              <a:buChar char="•"/>
+            </a:pPr>
+            <a:r>
+              <a:rPr lang="de-DE" sz="1800" dirty="0">
+                <a:latin typeface="Times New Roman" panose="02020603050405020304" pitchFamily="18" charset="0"/>
+                <a:cs typeface="Times New Roman" panose="02020603050405020304" pitchFamily="18" charset="0"/>
+              </a:rPr>
+              <a:t> Diese Leitsätze richten sich nach finanziellen Ressourcen, strategischer und operativer Planung.</a:t>
+            </a:r>
+          </a:p>
+          <a:p>
+            <a:pPr>
+              <a:lnSpc>
+                <a:spcPct val="200000"/>
+              </a:lnSpc>
+              <a:buFont typeface="Arial" panose="020B0604020202020204" pitchFamily="34" charset="0"/>
+              <a:buChar char="•"/>
+            </a:pPr>
+            <a:r>
+              <a:rPr lang="de-DE" sz="1800" dirty="0">
+                <a:latin typeface="Times New Roman" panose="02020603050405020304" pitchFamily="18" charset="0"/>
+                <a:cs typeface="Times New Roman" panose="02020603050405020304" pitchFamily="18" charset="0"/>
+              </a:rPr>
+              <a:t> Festlegung von Richtlinien, Verantwortlichkeiten, Schwellenwerten und der Dokumentation von Risiken.</a:t>
+            </a:r>
+          </a:p>
+          <a:p>
+            <a:pPr>
+              <a:lnSpc>
+                <a:spcPct val="200000"/>
+              </a:lnSpc>
+              <a:buFont typeface="Arial" panose="020B0604020202020204" pitchFamily="34" charset="0"/>
+              <a:buChar char="•"/>
+            </a:pPr>
+            <a:r>
+              <a:rPr lang="de-DE" sz="1800" dirty="0">
+                <a:latin typeface="Times New Roman" panose="02020603050405020304" pitchFamily="18" charset="0"/>
+                <a:cs typeface="Times New Roman" panose="02020603050405020304" pitchFamily="18" charset="0"/>
+              </a:rPr>
+              <a:t> Kontinuierliche Überwachung und aktive Steuerung von unternehmerischen Entscheidungen und Geschäftsaktivitäten.</a:t>
+            </a:r>
+          </a:p>
+          <a:p>
+            <a:pPr>
+              <a:lnSpc>
+                <a:spcPct val="200000"/>
+              </a:lnSpc>
+              <a:buFont typeface="Arial" panose="020B0604020202020204" pitchFamily="34" charset="0"/>
+              <a:buChar char="•"/>
+            </a:pPr>
+            <a:r>
+              <a:rPr lang="de-DE" sz="1800" dirty="0">
+                <a:latin typeface="Times New Roman" panose="02020603050405020304" pitchFamily="18" charset="0"/>
+                <a:cs typeface="Times New Roman" panose="02020603050405020304" pitchFamily="18" charset="0"/>
+              </a:rPr>
+              <a:t> Bei Bedarf Ableitung von Handlungsmaßnahmen zur Einhaltung gesetzlicher Anforderungen.</a:t>
+            </a:r>
+          </a:p>
+          <a:p>
+            <a:pPr>
+              <a:lnSpc>
+                <a:spcPct val="200000"/>
+              </a:lnSpc>
+              <a:buFont typeface="Arial" panose="020B0604020202020204" pitchFamily="34" charset="0"/>
+              <a:buChar char="•"/>
+            </a:pPr>
+            <a:r>
+              <a:rPr lang="de-DE" sz="1800" dirty="0">
+                <a:latin typeface="Times New Roman" panose="02020603050405020304" pitchFamily="18" charset="0"/>
+                <a:cs typeface="Times New Roman" panose="02020603050405020304" pitchFamily="18" charset="0"/>
+              </a:rPr>
+              <a:t> Rheinmetall nutzt das "</a:t>
+            </a:r>
+            <a:r>
+              <a:rPr lang="de-DE" sz="1800" dirty="0" err="1">
+                <a:latin typeface="Times New Roman" panose="02020603050405020304" pitchFamily="18" charset="0"/>
+                <a:cs typeface="Times New Roman" panose="02020603050405020304" pitchFamily="18" charset="0"/>
+              </a:rPr>
+              <a:t>Three</a:t>
+            </a:r>
+            <a:r>
+              <a:rPr lang="de-DE" sz="1800" dirty="0">
+                <a:latin typeface="Times New Roman" panose="02020603050405020304" pitchFamily="18" charset="0"/>
+                <a:cs typeface="Times New Roman" panose="02020603050405020304" pitchFamily="18" charset="0"/>
+              </a:rPr>
+              <a:t>-Lines-</a:t>
+            </a:r>
+            <a:r>
+              <a:rPr lang="de-DE" sz="1800" dirty="0" err="1">
+                <a:latin typeface="Times New Roman" panose="02020603050405020304" pitchFamily="18" charset="0"/>
+                <a:cs typeface="Times New Roman" panose="02020603050405020304" pitchFamily="18" charset="0"/>
+              </a:rPr>
+              <a:t>of</a:t>
+            </a:r>
+            <a:r>
+              <a:rPr lang="de-DE" sz="1800" dirty="0">
+                <a:latin typeface="Times New Roman" panose="02020603050405020304" pitchFamily="18" charset="0"/>
+                <a:cs typeface="Times New Roman" panose="02020603050405020304" pitchFamily="18" charset="0"/>
+              </a:rPr>
+              <a:t>-Defense"-Modell für effektives Risikomanagement.</a:t>
+            </a:r>
+          </a:p>
+          <a:p>
+            <a:endParaRPr lang="de-DE" dirty="0"/>
+          </a:p>
+        </p:txBody>
+      </p:sp>
+    </p:spTree>
+    <p:extLst>
+      <p:ext uri="{BB962C8B-B14F-4D97-AF65-F5344CB8AC3E}">
+        <p14:creationId xmlns:p14="http://schemas.microsoft.com/office/powerpoint/2010/main" val="1108202480"/>
+      </p:ext>
+    </p:extLst>
+  </p:cSld>
+  <p:clrMapOvr>
+    <a:masterClrMapping/>
+  </p:clrMapOvr>
+</p:sld>
+</file>
+
+<file path=ppt/slides/slide13.xml><?xml version="1.0" encoding="utf-8"?>
+<p:sld xmlns:a="http://schemas.openxmlformats.org/drawingml/2006/main" xmlns:r="http://schemas.openxmlformats.org/officeDocument/2006/relationships" xmlns:p="http://schemas.openxmlformats.org/presentationml/2006/main">
+  <p:cSld>
+    <p:spTree>
+      <p:nvGrpSpPr>
+        <p:cNvPr id="1" name=""/>
+        <p:cNvGrpSpPr/>
+        <p:nvPr/>
+      </p:nvGrpSpPr>
+      <p:grpSpPr>
+        <a:xfrm>
+          <a:off x="0" y="0"/>
+          <a:ext cx="0" cy="0"/>
+          <a:chOff x="0" y="0"/>
+          <a:chExt cx="0" cy="0"/>
+        </a:xfrm>
+      </p:grpSpPr>
+      <p:pic>
+        <p:nvPicPr>
+          <p:cNvPr id="4" name="Graphic 1">
+            <a:extLst>
+              <a:ext uri="{FF2B5EF4-FFF2-40B4-BE49-F238E27FC236}">
+                <a16:creationId xmlns:a16="http://schemas.microsoft.com/office/drawing/2014/main" id="{D4E2A8A5-7B9A-9FCE-2C0C-40115BB72542}"/>
+              </a:ext>
+            </a:extLst>
+          </p:cNvPr>
+          <p:cNvPicPr>
+            <a:picLocks noChangeAspect="1"/>
+          </p:cNvPicPr>
+          <p:nvPr/>
+        </p:nvPicPr>
+        <p:blipFill>
+          <a:blip r:embed="rId3">
+            <a:extLst>
+              <a:ext uri="{28A0092B-C50C-407E-A947-70E740481C1C}">
+                <a14:useLocalDpi xmlns:a14="http://schemas.microsoft.com/office/drawing/2010/main" val="0"/>
+              </a:ext>
+              <a:ext uri="{96DAC541-7B7A-43D3-8B79-37D633B846F1}">
+                <asvg:svgBlip xmlns:asvg="http://schemas.microsoft.com/office/drawing/2016/SVG/main" r:embed="rId4"/>
+              </a:ext>
+            </a:extLst>
+          </a:blip>
+          <a:stretch>
+            <a:fillRect/>
+          </a:stretch>
+        </p:blipFill>
+        <p:spPr>
+          <a:xfrm>
+            <a:off x="160961" y="133521"/>
+            <a:ext cx="2371620" cy="485811"/>
+          </a:xfrm>
+          <a:prstGeom prst="rect">
+            <a:avLst/>
+          </a:prstGeom>
+        </p:spPr>
+      </p:pic>
+      <p:sp>
+        <p:nvSpPr>
+          <p:cNvPr id="6" name="TextBox 5">
+            <a:extLst>
+              <a:ext uri="{FF2B5EF4-FFF2-40B4-BE49-F238E27FC236}">
+                <a16:creationId xmlns:a16="http://schemas.microsoft.com/office/drawing/2014/main" id="{4BF11305-FC23-954B-7998-B1257FEE9257}"/>
+              </a:ext>
+            </a:extLst>
+          </p:cNvPr>
+          <p:cNvSpPr txBox="1"/>
+          <p:nvPr/>
+        </p:nvSpPr>
+        <p:spPr>
+          <a:xfrm>
+            <a:off x="66782" y="6529608"/>
+            <a:ext cx="10986501" cy="230832"/>
+          </a:xfrm>
+          <a:prstGeom prst="rect">
+            <a:avLst/>
+          </a:prstGeom>
+          <a:noFill/>
+        </p:spPr>
+        <p:txBody>
+          <a:bodyPr wrap="square">
+            <a:spAutoFit/>
+          </a:bodyPr>
+          <a:lstStyle/>
+          <a:p>
+            <a:r>
+              <a:rPr lang="de-DE" sz="900" dirty="0"/>
+              <a:t>Risikomanagement &amp; Corporate Governance - Rheinmetall| WiSe 2023/24 I Hochschule Bielefeld I Linus Langenkamp, Jolan Eggers, Nicolas Schneider, Redouane Kabouchi I 03.11.2023 I Seite </a:t>
+            </a:r>
+            <a:fld id="{8665FA59-C0FE-4AB6-AD99-2451632B0EBE}" type="slidenum">
+              <a:rPr lang="de-DE" sz="900" smtClean="0"/>
+              <a:t>13</a:t>
             </a:fld>
             <a:endParaRPr lang="de-DE" sz="900" dirty="0"/>
           </a:p>
@@ -7595,7 +7953,7 @@
 </p:sld>
 </file>
 
-<file path=ppt/slides/slide13.xml><?xml version="1.0" encoding="utf-8"?>
+<file path=ppt/slides/slide14.xml><?xml version="1.0" encoding="utf-8"?>
 <p:sld xmlns:a="http://schemas.openxmlformats.org/drawingml/2006/main" xmlns:r="http://schemas.openxmlformats.org/officeDocument/2006/relationships" xmlns:p="http://schemas.openxmlformats.org/presentationml/2006/main">
   <p:cSld>
     <p:spTree>
@@ -7685,7 +8043,7 @@
             </a:r>
             <a:fld id="{8665FA59-C0FE-4AB6-AD99-2451632B0EBE}" type="slidenum">
               <a:rPr lang="de-DE" sz="900" smtClean="0"/>
-              <a:t>13</a:t>
+              <a:t>14</a:t>
             </a:fld>
             <a:endParaRPr lang="de-DE" sz="900" dirty="0"/>
           </a:p>
@@ -8406,7 +8764,7 @@
 </p:sld>
 </file>
 
-<file path=ppt/slides/slide14.xml><?xml version="1.0" encoding="utf-8"?>
+<file path=ppt/slides/slide15.xml><?xml version="1.0" encoding="utf-8"?>
 <p:sld xmlns:a="http://schemas.openxmlformats.org/drawingml/2006/main" xmlns:r="http://schemas.openxmlformats.org/officeDocument/2006/relationships" xmlns:p="http://schemas.openxmlformats.org/presentationml/2006/main">
   <p:cSld>
     <p:spTree>
@@ -8496,7 +8854,7 @@
             </a:r>
             <a:fld id="{8665FA59-C0FE-4AB6-AD99-2451632B0EBE}" type="slidenum">
               <a:rPr lang="de-DE" sz="900" smtClean="0"/>
-              <a:t>14</a:t>
+              <a:t>15</a:t>
             </a:fld>
             <a:endParaRPr lang="de-DE" sz="900" dirty="0"/>
           </a:p>
@@ -8853,7 +9211,7 @@
 </p:sld>
 </file>
 
-<file path=ppt/slides/slide15.xml><?xml version="1.0" encoding="utf-8"?>
+<file path=ppt/slides/slide16.xml><?xml version="1.0" encoding="utf-8"?>
 <p:sld xmlns:a="http://schemas.openxmlformats.org/drawingml/2006/main" xmlns:r="http://schemas.openxmlformats.org/officeDocument/2006/relationships" xmlns:p="http://schemas.openxmlformats.org/presentationml/2006/main">
   <p:cSld>
     <p:spTree>
@@ -8943,7 +9301,7 @@
             </a:r>
             <a:fld id="{8665FA59-C0FE-4AB6-AD99-2451632B0EBE}" type="slidenum">
               <a:rPr lang="de-DE" sz="900" smtClean="0"/>
-              <a:t>15</a:t>
+              <a:t>16</a:t>
             </a:fld>
             <a:endParaRPr lang="de-DE" sz="900" dirty="0"/>
           </a:p>
@@ -10228,7 +10586,7 @@
                 <a:ea typeface="Times New Roman" panose="02020603050405020304" pitchFamily="18" charset="0"/>
                 <a:cs typeface="Times New Roman" panose="02020603050405020304" pitchFamily="18" charset="0"/>
               </a:rPr>
-              <a:t>Ziele und Allgemeines</a:t>
+              <a:t>Allgemeines</a:t>
             </a:r>
             <a:endParaRPr lang="de-DE" sz="2800" dirty="0"/>
           </a:p>
@@ -10248,7 +10606,7 @@
         </p:nvSpPr>
         <p:spPr>
           <a:xfrm>
-            <a:off x="876414" y="1965602"/>
+            <a:off x="978712" y="1854768"/>
             <a:ext cx="8662628" cy="3439403"/>
           </a:xfrm>
           <a:prstGeom prst="rect">
@@ -11098,6 +11456,647 @@
             <a:fld id="{8665FA59-C0FE-4AB6-AD99-2451632B0EBE}" type="slidenum">
               <a:rPr lang="de-DE" sz="900" smtClean="0"/>
               <a:t>4</a:t>
+            </a:fld>
+            <a:endParaRPr lang="de-DE" sz="900" dirty="0"/>
+          </a:p>
+        </p:txBody>
+      </p:sp>
+      <p:sp>
+        <p:nvSpPr>
+          <p:cNvPr id="8" name="Title 1">
+            <a:extLst>
+              <a:ext uri="{FF2B5EF4-FFF2-40B4-BE49-F238E27FC236}">
+                <a16:creationId xmlns:a16="http://schemas.microsoft.com/office/drawing/2014/main" id="{98CC78A6-1C21-02A9-676F-5D176767FB34}"/>
+              </a:ext>
+            </a:extLst>
+          </p:cNvPr>
+          <p:cNvSpPr>
+            <a:spLocks noGrp="1"/>
+          </p:cNvSpPr>
+          <p:nvPr>
+            <p:ph type="ctrTitle"/>
+          </p:nvPr>
+        </p:nvSpPr>
+        <p:spPr>
+          <a:xfrm>
+            <a:off x="738026" y="912189"/>
+            <a:ext cx="9144000" cy="945222"/>
+          </a:xfrm>
+        </p:spPr>
+        <p:txBody>
+          <a:bodyPr>
+            <a:normAutofit/>
+          </a:bodyPr>
+          <a:lstStyle/>
+          <a:p>
+            <a:pPr algn="l">
+              <a:lnSpc>
+                <a:spcPct val="100000"/>
+              </a:lnSpc>
+              <a:spcAft>
+                <a:spcPts val="600"/>
+              </a:spcAft>
+            </a:pPr>
+            <a:r>
+              <a:rPr lang="de-DE" sz="2800" b="1" dirty="0">
+                <a:latin typeface="Times New Roman" panose="02020603050405020304" pitchFamily="18" charset="0"/>
+                <a:cs typeface="Times New Roman" panose="02020603050405020304" pitchFamily="18" charset="0"/>
+              </a:rPr>
+              <a:t>Ziele</a:t>
+            </a:r>
+            <a:endParaRPr lang="de-DE" sz="2800" dirty="0"/>
+          </a:p>
+        </p:txBody>
+      </p:sp>
+      <p:sp>
+        <p:nvSpPr>
+          <p:cNvPr id="9" name="TextBox 2">
+            <a:extLst>
+              <a:ext uri="{FF2B5EF4-FFF2-40B4-BE49-F238E27FC236}">
+                <a16:creationId xmlns:a16="http://schemas.microsoft.com/office/drawing/2014/main" id="{28B2F531-41AC-2E9D-B21C-0AF5FD0EAFB4}"/>
+              </a:ext>
+            </a:extLst>
+          </p:cNvPr>
+          <p:cNvSpPr txBox="1"/>
+          <p:nvPr/>
+        </p:nvSpPr>
+        <p:spPr>
+          <a:xfrm>
+            <a:off x="826312" y="1865240"/>
+            <a:ext cx="10986501" cy="2628925"/>
+          </a:xfrm>
+          <a:prstGeom prst="rect">
+            <a:avLst/>
+          </a:prstGeom>
+          <a:noFill/>
+        </p:spPr>
+        <p:txBody>
+          <a:bodyPr wrap="square" rtlCol="0">
+            <a:spAutoFit/>
+          </a:bodyPr>
+          <a:lstStyle/>
+          <a:p>
+            <a:pPr marL="285750" indent="-285750">
+              <a:spcAft>
+                <a:spcPts val="500"/>
+              </a:spcAft>
+              <a:buFont typeface="Arial" panose="020B0604020202020204" pitchFamily="34" charset="0"/>
+              <a:buChar char="•"/>
+            </a:pPr>
+            <a:r>
+              <a:rPr lang="de-DE" dirty="0">
+                <a:latin typeface="Times New Roman" panose="02020603050405020304" pitchFamily="18" charset="0"/>
+                <a:cs typeface="Times New Roman" panose="02020603050405020304" pitchFamily="18" charset="0"/>
+              </a:rPr>
+              <a:t>Hochmoderne Lösungen für Sicherheits- und Verteidigungsanwendungen</a:t>
+            </a:r>
+          </a:p>
+          <a:p>
+            <a:pPr marL="285750" indent="-285750">
+              <a:spcAft>
+                <a:spcPts val="500"/>
+              </a:spcAft>
+              <a:buFont typeface="Arial" panose="020B0604020202020204" pitchFamily="34" charset="0"/>
+              <a:buChar char="•"/>
+            </a:pPr>
+            <a:r>
+              <a:rPr lang="de-DE" dirty="0">
+                <a:latin typeface="Times New Roman" panose="02020603050405020304" pitchFamily="18" charset="0"/>
+                <a:cs typeface="Times New Roman" panose="02020603050405020304" pitchFamily="18" charset="0"/>
+              </a:rPr>
+              <a:t>Rheinmetall verpflichtet sich, verantwortungsvoll und nachhaltig zu handeln. </a:t>
+            </a:r>
+          </a:p>
+          <a:p>
+            <a:pPr marL="285750" indent="-285750">
+              <a:spcAft>
+                <a:spcPts val="500"/>
+              </a:spcAft>
+              <a:buFont typeface="Arial" panose="020B0604020202020204" pitchFamily="34" charset="0"/>
+              <a:buChar char="•"/>
+            </a:pPr>
+            <a:r>
+              <a:rPr lang="de-DE" dirty="0">
+                <a:latin typeface="Times New Roman" panose="02020603050405020304" pitchFamily="18" charset="0"/>
+                <a:cs typeface="Times New Roman" panose="02020603050405020304" pitchFamily="18" charset="0"/>
+              </a:rPr>
+              <a:t>Das Unternehmen strebt danach, Umweltauswirkungen zu minimieren und sich in den Gemeinschaften, in denen es tätig ist, positiv zu engagieren.</a:t>
+            </a:r>
+          </a:p>
+          <a:p>
+            <a:pPr marL="285750" indent="-285750">
+              <a:spcAft>
+                <a:spcPts val="500"/>
+              </a:spcAft>
+              <a:buFont typeface="Arial" panose="020B0604020202020204" pitchFamily="34" charset="0"/>
+              <a:buChar char="•"/>
+            </a:pPr>
+            <a:r>
+              <a:rPr lang="de-DE" dirty="0">
+                <a:latin typeface="Times New Roman" panose="02020603050405020304" pitchFamily="18" charset="0"/>
+                <a:cs typeface="Times New Roman" panose="02020603050405020304" pitchFamily="18" charset="0"/>
+              </a:rPr>
+              <a:t>Umsatzanteil im Geschäft mit Panzern, Militärlastwagen, Munition und Sicherheitstechnologie für Militär und Polizei bis 2025 von derzeit rund </a:t>
+            </a:r>
+            <a:r>
+              <a:rPr lang="de-DE" b="1" dirty="0">
+                <a:latin typeface="Times New Roman" panose="02020603050405020304" pitchFamily="18" charset="0"/>
+                <a:cs typeface="Times New Roman" panose="02020603050405020304" pitchFamily="18" charset="0"/>
+              </a:rPr>
+              <a:t>63%</a:t>
+            </a:r>
+            <a:r>
+              <a:rPr lang="de-DE" dirty="0">
+                <a:latin typeface="Times New Roman" panose="02020603050405020304" pitchFamily="18" charset="0"/>
+                <a:cs typeface="Times New Roman" panose="02020603050405020304" pitchFamily="18" charset="0"/>
+              </a:rPr>
+              <a:t> auf rund </a:t>
+            </a:r>
+            <a:r>
+              <a:rPr lang="de-DE" b="1" dirty="0">
+                <a:latin typeface="Times New Roman" panose="02020603050405020304" pitchFamily="18" charset="0"/>
+                <a:cs typeface="Times New Roman" panose="02020603050405020304" pitchFamily="18" charset="0"/>
+              </a:rPr>
+              <a:t>70%</a:t>
+            </a:r>
+            <a:r>
+              <a:rPr lang="de-DE" dirty="0">
+                <a:latin typeface="Times New Roman" panose="02020603050405020304" pitchFamily="18" charset="0"/>
+                <a:cs typeface="Times New Roman" panose="02020603050405020304" pitchFamily="18" charset="0"/>
+              </a:rPr>
+              <a:t> zu steigern</a:t>
+            </a:r>
+          </a:p>
+          <a:p>
+            <a:pPr marL="285750" indent="-285750">
+              <a:spcAft>
+                <a:spcPts val="500"/>
+              </a:spcAft>
+              <a:buFont typeface="Arial" panose="020B0604020202020204" pitchFamily="34" charset="0"/>
+              <a:buChar char="•"/>
+            </a:pPr>
+            <a:endParaRPr lang="de-DE" dirty="0">
+              <a:latin typeface="Times New Roman" panose="02020603050405020304" pitchFamily="18" charset="0"/>
+              <a:cs typeface="Times New Roman" panose="02020603050405020304" pitchFamily="18" charset="0"/>
+            </a:endParaRPr>
+          </a:p>
+          <a:p>
+            <a:pPr marL="285750" indent="-285750">
+              <a:spcAft>
+                <a:spcPts val="500"/>
+              </a:spcAft>
+              <a:buFont typeface="Arial" panose="020B0604020202020204" pitchFamily="34" charset="0"/>
+              <a:buChar char="•"/>
+            </a:pPr>
+            <a:r>
+              <a:rPr lang="de-DE" dirty="0">
+                <a:latin typeface="Times New Roman" panose="02020603050405020304" pitchFamily="18" charset="0"/>
+                <a:cs typeface="Times New Roman" panose="02020603050405020304" pitchFamily="18" charset="0"/>
+              </a:rPr>
+              <a:t>ehrgeizige mittelfristige Ziele, darunter einen erwarteten Umsatz von elf bis zwölf Milliarden Euro bis 2025</a:t>
+            </a:r>
+          </a:p>
+        </p:txBody>
+      </p:sp>
+    </p:spTree>
+    <p:extLst>
+      <p:ext uri="{BB962C8B-B14F-4D97-AF65-F5344CB8AC3E}">
+        <p14:creationId xmlns:p14="http://schemas.microsoft.com/office/powerpoint/2010/main" val="1060711609"/>
+      </p:ext>
+    </p:extLst>
+  </p:cSld>
+  <p:clrMapOvr>
+    <a:masterClrMapping/>
+  </p:clrMapOvr>
+  <p:timing>
+    <p:tnLst>
+      <p:par>
+        <p:cTn id="1" dur="indefinite" restart="never" nodeType="tmRoot">
+          <p:childTnLst>
+            <p:seq concurrent="1" nextAc="seek">
+              <p:cTn id="2" dur="indefinite" nodeType="mainSeq">
+                <p:childTnLst>
+                  <p:par>
+                    <p:cTn id="3" fill="hold">
+                      <p:stCondLst>
+                        <p:cond delay="indefinite"/>
+                      </p:stCondLst>
+                      <p:childTnLst>
+                        <p:par>
+                          <p:cTn id="4" fill="hold">
+                            <p:stCondLst>
+                              <p:cond delay="0"/>
+                            </p:stCondLst>
+                            <p:childTnLst>
+                              <p:par>
+                                <p:cTn id="5" presetID="10" presetClass="entr" presetSubtype="0" fill="hold" nodeType="clickEffect">
+                                  <p:stCondLst>
+                                    <p:cond delay="0"/>
+                                  </p:stCondLst>
+                                  <p:childTnLst>
+                                    <p:set>
+                                      <p:cBhvr>
+                                        <p:cTn id="6" dur="1" fill="hold">
+                                          <p:stCondLst>
+                                            <p:cond delay="0"/>
+                                          </p:stCondLst>
+                                        </p:cTn>
+                                        <p:tgtEl>
+                                          <p:spTgt spid="9">
+                                            <p:txEl>
+                                              <p:pRg st="0" end="0"/>
+                                            </p:txEl>
+                                          </p:spTgt>
+                                        </p:tgtEl>
+                                        <p:attrNameLst>
+                                          <p:attrName>style.visibility</p:attrName>
+                                        </p:attrNameLst>
+                                      </p:cBhvr>
+                                      <p:to>
+                                        <p:strVal val="visible"/>
+                                      </p:to>
+                                    </p:set>
+                                    <p:animEffect transition="in" filter="fade">
+                                      <p:cBhvr>
+                                        <p:cTn id="7" dur="500"/>
+                                        <p:tgtEl>
+                                          <p:spTgt spid="9">
+                                            <p:txEl>
+                                              <p:pRg st="0" end="0"/>
+                                            </p:txEl>
+                                          </p:spTgt>
+                                        </p:tgtEl>
+                                      </p:cBhvr>
+                                    </p:animEffect>
+                                  </p:childTnLst>
+                                </p:cTn>
+                              </p:par>
+                            </p:childTnLst>
+                          </p:cTn>
+                        </p:par>
+                      </p:childTnLst>
+                    </p:cTn>
+                  </p:par>
+                  <p:par>
+                    <p:cTn id="8" fill="hold">
+                      <p:stCondLst>
+                        <p:cond delay="indefinite"/>
+                      </p:stCondLst>
+                      <p:childTnLst>
+                        <p:par>
+                          <p:cTn id="9" fill="hold">
+                            <p:stCondLst>
+                              <p:cond delay="0"/>
+                            </p:stCondLst>
+                            <p:childTnLst>
+                              <p:par>
+                                <p:cTn id="10" presetID="10" presetClass="entr" presetSubtype="0" fill="hold" nodeType="clickEffect">
+                                  <p:stCondLst>
+                                    <p:cond delay="0"/>
+                                  </p:stCondLst>
+                                  <p:childTnLst>
+                                    <p:set>
+                                      <p:cBhvr>
+                                        <p:cTn id="11" dur="1" fill="hold">
+                                          <p:stCondLst>
+                                            <p:cond delay="0"/>
+                                          </p:stCondLst>
+                                        </p:cTn>
+                                        <p:tgtEl>
+                                          <p:spTgt spid="9">
+                                            <p:txEl>
+                                              <p:pRg st="1" end="1"/>
+                                            </p:txEl>
+                                          </p:spTgt>
+                                        </p:tgtEl>
+                                        <p:attrNameLst>
+                                          <p:attrName>style.visibility</p:attrName>
+                                        </p:attrNameLst>
+                                      </p:cBhvr>
+                                      <p:to>
+                                        <p:strVal val="visible"/>
+                                      </p:to>
+                                    </p:set>
+                                    <p:animEffect transition="in" filter="fade">
+                                      <p:cBhvr>
+                                        <p:cTn id="12" dur="500"/>
+                                        <p:tgtEl>
+                                          <p:spTgt spid="9">
+                                            <p:txEl>
+                                              <p:pRg st="1" end="1"/>
+                                            </p:txEl>
+                                          </p:spTgt>
+                                        </p:tgtEl>
+                                      </p:cBhvr>
+                                    </p:animEffect>
+                                  </p:childTnLst>
+                                </p:cTn>
+                              </p:par>
+                            </p:childTnLst>
+                          </p:cTn>
+                        </p:par>
+                      </p:childTnLst>
+                    </p:cTn>
+                  </p:par>
+                  <p:par>
+                    <p:cTn id="13" fill="hold">
+                      <p:stCondLst>
+                        <p:cond delay="indefinite"/>
+                      </p:stCondLst>
+                      <p:childTnLst>
+                        <p:par>
+                          <p:cTn id="14" fill="hold">
+                            <p:stCondLst>
+                              <p:cond delay="0"/>
+                            </p:stCondLst>
+                            <p:childTnLst>
+                              <p:par>
+                                <p:cTn id="15" presetID="10" presetClass="entr" presetSubtype="0" fill="hold" nodeType="clickEffect">
+                                  <p:stCondLst>
+                                    <p:cond delay="0"/>
+                                  </p:stCondLst>
+                                  <p:childTnLst>
+                                    <p:set>
+                                      <p:cBhvr>
+                                        <p:cTn id="16" dur="1" fill="hold">
+                                          <p:stCondLst>
+                                            <p:cond delay="0"/>
+                                          </p:stCondLst>
+                                        </p:cTn>
+                                        <p:tgtEl>
+                                          <p:spTgt spid="9">
+                                            <p:txEl>
+                                              <p:pRg st="2" end="2"/>
+                                            </p:txEl>
+                                          </p:spTgt>
+                                        </p:tgtEl>
+                                        <p:attrNameLst>
+                                          <p:attrName>style.visibility</p:attrName>
+                                        </p:attrNameLst>
+                                      </p:cBhvr>
+                                      <p:to>
+                                        <p:strVal val="visible"/>
+                                      </p:to>
+                                    </p:set>
+                                    <p:animEffect transition="in" filter="fade">
+                                      <p:cBhvr>
+                                        <p:cTn id="17" dur="500"/>
+                                        <p:tgtEl>
+                                          <p:spTgt spid="9">
+                                            <p:txEl>
+                                              <p:pRg st="2" end="2"/>
+                                            </p:txEl>
+                                          </p:spTgt>
+                                        </p:tgtEl>
+                                      </p:cBhvr>
+                                    </p:animEffect>
+                                  </p:childTnLst>
+                                </p:cTn>
+                              </p:par>
+                            </p:childTnLst>
+                          </p:cTn>
+                        </p:par>
+                      </p:childTnLst>
+                    </p:cTn>
+                  </p:par>
+                  <p:par>
+                    <p:cTn id="18" fill="hold">
+                      <p:stCondLst>
+                        <p:cond delay="indefinite"/>
+                      </p:stCondLst>
+                      <p:childTnLst>
+                        <p:par>
+                          <p:cTn id="19" fill="hold">
+                            <p:stCondLst>
+                              <p:cond delay="0"/>
+                            </p:stCondLst>
+                            <p:childTnLst>
+                              <p:par>
+                                <p:cTn id="20" presetID="10" presetClass="entr" presetSubtype="0" fill="hold" nodeType="clickEffect">
+                                  <p:stCondLst>
+                                    <p:cond delay="0"/>
+                                  </p:stCondLst>
+                                  <p:childTnLst>
+                                    <p:set>
+                                      <p:cBhvr>
+                                        <p:cTn id="21" dur="1" fill="hold">
+                                          <p:stCondLst>
+                                            <p:cond delay="0"/>
+                                          </p:stCondLst>
+                                        </p:cTn>
+                                        <p:tgtEl>
+                                          <p:spTgt spid="9">
+                                            <p:txEl>
+                                              <p:pRg st="3" end="3"/>
+                                            </p:txEl>
+                                          </p:spTgt>
+                                        </p:tgtEl>
+                                        <p:attrNameLst>
+                                          <p:attrName>style.visibility</p:attrName>
+                                        </p:attrNameLst>
+                                      </p:cBhvr>
+                                      <p:to>
+                                        <p:strVal val="visible"/>
+                                      </p:to>
+                                    </p:set>
+                                    <p:animEffect transition="in" filter="fade">
+                                      <p:cBhvr>
+                                        <p:cTn id="22" dur="500"/>
+                                        <p:tgtEl>
+                                          <p:spTgt spid="9">
+                                            <p:txEl>
+                                              <p:pRg st="3" end="3"/>
+                                            </p:txEl>
+                                          </p:spTgt>
+                                        </p:tgtEl>
+                                      </p:cBhvr>
+                                    </p:animEffect>
+                                  </p:childTnLst>
+                                </p:cTn>
+                              </p:par>
+                            </p:childTnLst>
+                          </p:cTn>
+                        </p:par>
+                      </p:childTnLst>
+                    </p:cTn>
+                  </p:par>
+                  <p:par>
+                    <p:cTn id="23" fill="hold">
+                      <p:stCondLst>
+                        <p:cond delay="indefinite"/>
+                      </p:stCondLst>
+                      <p:childTnLst>
+                        <p:par>
+                          <p:cTn id="24" fill="hold">
+                            <p:stCondLst>
+                              <p:cond delay="0"/>
+                            </p:stCondLst>
+                            <p:childTnLst>
+                              <p:par>
+                                <p:cTn id="25" presetID="10" presetClass="entr" presetSubtype="0" fill="hold" nodeType="clickEffect">
+                                  <p:stCondLst>
+                                    <p:cond delay="0"/>
+                                  </p:stCondLst>
+                                  <p:childTnLst>
+                                    <p:set>
+                                      <p:cBhvr>
+                                        <p:cTn id="26" dur="1" fill="hold">
+                                          <p:stCondLst>
+                                            <p:cond delay="0"/>
+                                          </p:stCondLst>
+                                        </p:cTn>
+                                        <p:tgtEl>
+                                          <p:spTgt spid="9">
+                                            <p:txEl>
+                                              <p:pRg st="5" end="5"/>
+                                            </p:txEl>
+                                          </p:spTgt>
+                                        </p:tgtEl>
+                                        <p:attrNameLst>
+                                          <p:attrName>style.visibility</p:attrName>
+                                        </p:attrNameLst>
+                                      </p:cBhvr>
+                                      <p:to>
+                                        <p:strVal val="visible"/>
+                                      </p:to>
+                                    </p:set>
+                                    <p:animEffect transition="in" filter="fade">
+                                      <p:cBhvr>
+                                        <p:cTn id="27" dur="500"/>
+                                        <p:tgtEl>
+                                          <p:spTgt spid="9">
+                                            <p:txEl>
+                                              <p:pRg st="5" end="5"/>
+                                            </p:txEl>
+                                          </p:spTgt>
+                                        </p:tgtEl>
+                                      </p:cBhvr>
+                                    </p:animEffect>
+                                  </p:childTnLst>
+                                </p:cTn>
+                              </p:par>
+                            </p:childTnLst>
+                          </p:cTn>
+                        </p:par>
+                      </p:childTnLst>
+                    </p:cTn>
+                  </p:par>
+                </p:childTnLst>
+              </p:cTn>
+              <p:prevCondLst>
+                <p:cond evt="onPrev" delay="0">
+                  <p:tgtEl>
+                    <p:sldTgt/>
+                  </p:tgtEl>
+                </p:cond>
+              </p:prevCondLst>
+              <p:nextCondLst>
+                <p:cond evt="onNext" delay="0">
+                  <p:tgtEl>
+                    <p:sldTgt/>
+                  </p:tgtEl>
+                </p:cond>
+              </p:nextCondLst>
+            </p:seq>
+          </p:childTnLst>
+        </p:cTn>
+      </p:par>
+    </p:tnLst>
+  </p:timing>
+</p:sld>
+</file>
+
+<file path=ppt/slides/slide5.xml><?xml version="1.0" encoding="utf-8"?>
+<p:sld xmlns:a="http://schemas.openxmlformats.org/drawingml/2006/main" xmlns:r="http://schemas.openxmlformats.org/officeDocument/2006/relationships" xmlns:p="http://schemas.openxmlformats.org/presentationml/2006/main">
+  <p:cSld>
+    <p:spTree>
+      <p:nvGrpSpPr>
+        <p:cNvPr id="1" name=""/>
+        <p:cNvGrpSpPr/>
+        <p:nvPr/>
+      </p:nvGrpSpPr>
+      <p:grpSpPr>
+        <a:xfrm>
+          <a:off x="0" y="0"/>
+          <a:ext cx="0" cy="0"/>
+          <a:chOff x="0" y="0"/>
+          <a:chExt cx="0" cy="0"/>
+        </a:xfrm>
+      </p:grpSpPr>
+      <p:pic>
+        <p:nvPicPr>
+          <p:cNvPr id="4" name="Graphic 1">
+            <a:extLst>
+              <a:ext uri="{FF2B5EF4-FFF2-40B4-BE49-F238E27FC236}">
+                <a16:creationId xmlns:a16="http://schemas.microsoft.com/office/drawing/2014/main" id="{D4E2A8A5-7B9A-9FCE-2C0C-40115BB72542}"/>
+              </a:ext>
+            </a:extLst>
+          </p:cNvPr>
+          <p:cNvPicPr>
+            <a:picLocks noChangeAspect="1"/>
+          </p:cNvPicPr>
+          <p:nvPr/>
+        </p:nvPicPr>
+        <p:blipFill>
+          <a:blip r:embed="rId3">
+            <a:extLst>
+              <a:ext uri="{28A0092B-C50C-407E-A947-70E740481C1C}">
+                <a14:useLocalDpi xmlns:a14="http://schemas.microsoft.com/office/drawing/2010/main" val="0"/>
+              </a:ext>
+              <a:ext uri="{96DAC541-7B7A-43D3-8B79-37D633B846F1}">
+                <asvg:svgBlip xmlns:asvg="http://schemas.microsoft.com/office/drawing/2016/SVG/main" r:embed="rId4"/>
+              </a:ext>
+            </a:extLst>
+          </a:blip>
+          <a:stretch>
+            <a:fillRect/>
+          </a:stretch>
+        </p:blipFill>
+        <p:spPr>
+          <a:xfrm>
+            <a:off x="160961" y="133521"/>
+            <a:ext cx="2371620" cy="485811"/>
+          </a:xfrm>
+          <a:prstGeom prst="rect">
+            <a:avLst/>
+          </a:prstGeom>
+        </p:spPr>
+      </p:pic>
+      <p:sp>
+        <p:nvSpPr>
+          <p:cNvPr id="6" name="TextBox 5">
+            <a:extLst>
+              <a:ext uri="{FF2B5EF4-FFF2-40B4-BE49-F238E27FC236}">
+                <a16:creationId xmlns:a16="http://schemas.microsoft.com/office/drawing/2014/main" id="{4BF11305-FC23-954B-7998-B1257FEE9257}"/>
+              </a:ext>
+            </a:extLst>
+          </p:cNvPr>
+          <p:cNvSpPr txBox="1"/>
+          <p:nvPr/>
+        </p:nvSpPr>
+        <p:spPr>
+          <a:xfrm>
+            <a:off x="66782" y="6529608"/>
+            <a:ext cx="10986501" cy="230832"/>
+          </a:xfrm>
+          <a:prstGeom prst="rect">
+            <a:avLst/>
+          </a:prstGeom>
+          <a:noFill/>
+        </p:spPr>
+        <p:txBody>
+          <a:bodyPr wrap="square">
+            <a:spAutoFit/>
+          </a:bodyPr>
+          <a:lstStyle/>
+          <a:p>
+            <a:r>
+              <a:rPr lang="de-DE" sz="900" dirty="0"/>
+              <a:t>Risikomanagement &amp; Corporate Governance - Rheinmetall| WiSe 2023/24 I Hochschule Bielefeld I Linus Langenkamp, Jolan Eggers, Nicolas Schneider, Redouane Kabouchi I 03.11.2023 I Seite </a:t>
+            </a:r>
+            <a:fld id="{8665FA59-C0FE-4AB6-AD99-2451632B0EBE}" type="slidenum">
+              <a:rPr lang="de-DE" sz="900" smtClean="0"/>
+              <a:t>5</a:t>
             </a:fld>
             <a:endParaRPr lang="de-DE" sz="900" dirty="0"/>
           </a:p>
@@ -12692,7 +13691,7 @@
 </p:sld>
 </file>
 
-<file path=ppt/slides/slide5.xml><?xml version="1.0" encoding="utf-8"?>
+<file path=ppt/slides/slide6.xml><?xml version="1.0" encoding="utf-8"?>
 <p:sld xmlns:a="http://schemas.openxmlformats.org/drawingml/2006/main" xmlns:r="http://schemas.openxmlformats.org/officeDocument/2006/relationships" xmlns:p="http://schemas.openxmlformats.org/presentationml/2006/main">
   <p:cSld>
     <p:spTree>
@@ -12743,7 +13742,7 @@
             </a:r>
             <a:fld id="{8665FA59-C0FE-4AB6-AD99-2451632B0EBE}" type="slidenum">
               <a:rPr lang="de-DE" sz="900" smtClean="0"/>
-              <a:t>5</a:t>
+              <a:t>6</a:t>
             </a:fld>
             <a:endParaRPr lang="de-DE" sz="900" dirty="0"/>
           </a:p>
@@ -18522,205 +19521,6 @@
 </p:sld>
 </file>
 
-<file path=ppt/slides/slide6.xml><?xml version="1.0" encoding="utf-8"?>
-<p:sld xmlns:a="http://schemas.openxmlformats.org/drawingml/2006/main" xmlns:r="http://schemas.openxmlformats.org/officeDocument/2006/relationships" xmlns:p="http://schemas.openxmlformats.org/presentationml/2006/main">
-  <p:cSld>
-    <p:spTree>
-      <p:nvGrpSpPr>
-        <p:cNvPr id="1" name=""/>
-        <p:cNvGrpSpPr/>
-        <p:nvPr/>
-      </p:nvGrpSpPr>
-      <p:grpSpPr>
-        <a:xfrm>
-          <a:off x="0" y="0"/>
-          <a:ext cx="0" cy="0"/>
-          <a:chOff x="0" y="0"/>
-          <a:chExt cx="0" cy="0"/>
-        </a:xfrm>
-      </p:grpSpPr>
-      <p:pic>
-        <p:nvPicPr>
-          <p:cNvPr id="4" name="Graphic 1">
-            <a:extLst>
-              <a:ext uri="{FF2B5EF4-FFF2-40B4-BE49-F238E27FC236}">
-                <a16:creationId xmlns:a16="http://schemas.microsoft.com/office/drawing/2014/main" id="{D4E2A8A5-7B9A-9FCE-2C0C-40115BB72542}"/>
-              </a:ext>
-            </a:extLst>
-          </p:cNvPr>
-          <p:cNvPicPr>
-            <a:picLocks noChangeAspect="1"/>
-          </p:cNvPicPr>
-          <p:nvPr/>
-        </p:nvPicPr>
-        <p:blipFill>
-          <a:blip r:embed="rId3">
-            <a:extLst>
-              <a:ext uri="{28A0092B-C50C-407E-A947-70E740481C1C}">
-                <a14:useLocalDpi xmlns:a14="http://schemas.microsoft.com/office/drawing/2010/main" val="0"/>
-              </a:ext>
-              <a:ext uri="{96DAC541-7B7A-43D3-8B79-37D633B846F1}">
-                <asvg:svgBlip xmlns:asvg="http://schemas.microsoft.com/office/drawing/2016/SVG/main" r:embed="rId4"/>
-              </a:ext>
-            </a:extLst>
-          </a:blip>
-          <a:stretch>
-            <a:fillRect/>
-          </a:stretch>
-        </p:blipFill>
-        <p:spPr>
-          <a:xfrm>
-            <a:off x="160961" y="133521"/>
-            <a:ext cx="2371620" cy="485811"/>
-          </a:xfrm>
-          <a:prstGeom prst="rect">
-            <a:avLst/>
-          </a:prstGeom>
-        </p:spPr>
-      </p:pic>
-      <p:sp>
-        <p:nvSpPr>
-          <p:cNvPr id="6" name="TextBox 5">
-            <a:extLst>
-              <a:ext uri="{FF2B5EF4-FFF2-40B4-BE49-F238E27FC236}">
-                <a16:creationId xmlns:a16="http://schemas.microsoft.com/office/drawing/2014/main" id="{4BF11305-FC23-954B-7998-B1257FEE9257}"/>
-              </a:ext>
-            </a:extLst>
-          </p:cNvPr>
-          <p:cNvSpPr txBox="1"/>
-          <p:nvPr/>
-        </p:nvSpPr>
-        <p:spPr>
-          <a:xfrm>
-            <a:off x="66782" y="6529608"/>
-            <a:ext cx="10986501" cy="230832"/>
-          </a:xfrm>
-          <a:prstGeom prst="rect">
-            <a:avLst/>
-          </a:prstGeom>
-          <a:noFill/>
-        </p:spPr>
-        <p:txBody>
-          <a:bodyPr wrap="square">
-            <a:spAutoFit/>
-          </a:bodyPr>
-          <a:lstStyle/>
-          <a:p>
-            <a:r>
-              <a:rPr lang="de-DE" sz="900" dirty="0"/>
-              <a:t>Risikomanagement &amp; Corporate Governance - Rheinmetall| WiSe 2023/24 I Hochschule Bielefeld I Linus Langenkamp, Jolan Eggers, Nicolas Schneider, Redouane Kabouchi I 03.11.2023 I Seite </a:t>
-            </a:r>
-            <a:fld id="{8665FA59-C0FE-4AB6-AD99-2451632B0EBE}" type="slidenum">
-              <a:rPr lang="de-DE" sz="900" smtClean="0"/>
-              <a:t>6</a:t>
-            </a:fld>
-            <a:endParaRPr lang="de-DE" sz="900" dirty="0"/>
-          </a:p>
-        </p:txBody>
-      </p:sp>
-      <p:sp>
-        <p:nvSpPr>
-          <p:cNvPr id="8" name="Title 1">
-            <a:extLst>
-              <a:ext uri="{FF2B5EF4-FFF2-40B4-BE49-F238E27FC236}">
-                <a16:creationId xmlns:a16="http://schemas.microsoft.com/office/drawing/2014/main" id="{98CC78A6-1C21-02A9-676F-5D176767FB34}"/>
-              </a:ext>
-            </a:extLst>
-          </p:cNvPr>
-          <p:cNvSpPr>
-            <a:spLocks noGrp="1"/>
-          </p:cNvSpPr>
-          <p:nvPr>
-            <p:ph type="ctrTitle"/>
-          </p:nvPr>
-        </p:nvSpPr>
-        <p:spPr>
-          <a:xfrm>
-            <a:off x="738026" y="1064589"/>
-            <a:ext cx="9144000" cy="485811"/>
-          </a:xfrm>
-        </p:spPr>
-        <p:txBody>
-          <a:bodyPr>
-            <a:normAutofit fontScale="90000"/>
-          </a:bodyPr>
-          <a:lstStyle/>
-          <a:p>
-            <a:pPr algn="l">
-              <a:lnSpc>
-                <a:spcPct val="100000"/>
-              </a:lnSpc>
-              <a:spcAft>
-                <a:spcPts val="600"/>
-              </a:spcAft>
-            </a:pPr>
-            <a:r>
-              <a:rPr lang="de-DE" sz="2800" b="1" dirty="0">
-                <a:latin typeface="Times New Roman" panose="02020603050405020304" pitchFamily="18" charset="0"/>
-                <a:cs typeface="Times New Roman" panose="02020603050405020304" pitchFamily="18" charset="0"/>
-              </a:rPr>
-              <a:t>Gesetzte</a:t>
-            </a:r>
-          </a:p>
-        </p:txBody>
-      </p:sp>
-      <p:sp>
-        <p:nvSpPr>
-          <p:cNvPr id="3" name="Textfeld 2">
-            <a:extLst>
-              <a:ext uri="{FF2B5EF4-FFF2-40B4-BE49-F238E27FC236}">
-                <a16:creationId xmlns:a16="http://schemas.microsoft.com/office/drawing/2014/main" id="{C0A26D62-5ABA-990D-0520-A966115A7D35}"/>
-              </a:ext>
-            </a:extLst>
-          </p:cNvPr>
-          <p:cNvSpPr txBox="1"/>
-          <p:nvPr/>
-        </p:nvSpPr>
-        <p:spPr>
-          <a:xfrm>
-            <a:off x="1079500" y="1981200"/>
-            <a:ext cx="1673407" cy="369332"/>
-          </a:xfrm>
-          <a:prstGeom prst="rect">
-            <a:avLst/>
-          </a:prstGeom>
-          <a:noFill/>
-        </p:spPr>
-        <p:txBody>
-          <a:bodyPr wrap="none" rtlCol="0">
-            <a:spAutoFit/>
-          </a:bodyPr>
-          <a:lstStyle/>
-          <a:p>
-            <a:r>
-              <a:rPr lang="de-DE" dirty="0" err="1"/>
-              <a:t>Kontrag</a:t>
-            </a:r>
-            <a:r>
-              <a:rPr lang="de-DE" dirty="0"/>
-              <a:t>, </a:t>
-            </a:r>
-            <a:r>
-              <a:rPr lang="de-DE" dirty="0" err="1"/>
-              <a:t>Bilmog</a:t>
-            </a:r>
-            <a:endParaRPr lang="de-DE" dirty="0"/>
-          </a:p>
-        </p:txBody>
-      </p:sp>
-    </p:spTree>
-    <p:extLst>
-      <p:ext uri="{BB962C8B-B14F-4D97-AF65-F5344CB8AC3E}">
-        <p14:creationId xmlns:p14="http://schemas.microsoft.com/office/powerpoint/2010/main" val="2883781085"/>
-      </p:ext>
-    </p:extLst>
-  </p:cSld>
-  <p:clrMapOvr>
-    <a:masterClrMapping/>
-  </p:clrMapOvr>
-</p:sld>
-</file>
-
 <file path=ppt/slides/slide7.xml><?xml version="1.0" encoding="utf-8"?>
 <p:sld xmlns:a="http://schemas.openxmlformats.org/drawingml/2006/main" xmlns:r="http://schemas.openxmlformats.org/officeDocument/2006/relationships" xmlns:p="http://schemas.openxmlformats.org/presentationml/2006/main">
   <p:cSld>
@@ -18830,13 +19630,18 @@
             <a:spLocks noGrp="1"/>
           </p:cNvSpPr>
           <p:nvPr>
-            <p:ph type="title"/>
+            <p:ph type="ctrTitle"/>
           </p:nvPr>
         </p:nvSpPr>
-        <p:spPr/>
+        <p:spPr>
+          <a:xfrm>
+            <a:off x="738026" y="1064589"/>
+            <a:ext cx="9144000" cy="485811"/>
+          </a:xfrm>
+        </p:spPr>
         <p:txBody>
           <a:bodyPr>
-            <a:normAutofit/>
+            <a:normAutofit fontScale="90000"/>
           </a:bodyPr>
           <a:lstStyle/>
           <a:p>
@@ -18853,242 +19658,51 @@
                 <a:latin typeface="Times New Roman" panose="02020603050405020304" pitchFamily="18" charset="0"/>
                 <a:cs typeface="Times New Roman" panose="02020603050405020304" pitchFamily="18" charset="0"/>
               </a:rPr>
-              <a:t>Regulatorisches Umfeld</a:t>
+              <a:t>Gesetzte</a:t>
             </a:r>
           </a:p>
         </p:txBody>
       </p:sp>
       <p:sp>
         <p:nvSpPr>
-          <p:cNvPr id="2" name="Inhaltsplatzhalter 1">
+          <p:cNvPr id="3" name="Textfeld 2">
             <a:extLst>
               <a:ext uri="{FF2B5EF4-FFF2-40B4-BE49-F238E27FC236}">
-                <a16:creationId xmlns:a16="http://schemas.microsoft.com/office/drawing/2014/main" id="{2D72C13E-5129-4532-134A-4FA54056D29C}"/>
+                <a16:creationId xmlns:a16="http://schemas.microsoft.com/office/drawing/2014/main" id="{C0A26D62-5ABA-990D-0520-A966115A7D35}"/>
               </a:ext>
             </a:extLst>
           </p:cNvPr>
-          <p:cNvSpPr>
-            <a:spLocks noGrp="1"/>
-          </p:cNvSpPr>
-          <p:nvPr>
-            <p:ph idx="1"/>
-          </p:nvPr>
+          <p:cNvSpPr txBox="1"/>
+          <p:nvPr/>
         </p:nvSpPr>
-        <p:spPr/>
+        <p:spPr>
+          <a:xfrm>
+            <a:off x="1079500" y="1981200"/>
+            <a:ext cx="1673407" cy="369332"/>
+          </a:xfrm>
+          <a:prstGeom prst="rect">
+            <a:avLst/>
+          </a:prstGeom>
+          <a:noFill/>
+        </p:spPr>
         <p:txBody>
-          <a:bodyPr>
-            <a:normAutofit/>
+          <a:bodyPr wrap="none" rtlCol="0">
+            <a:spAutoFit/>
           </a:bodyPr>
           <a:lstStyle/>
           <a:p>
             <a:r>
-              <a:rPr lang="de-DE" sz="1800" dirty="0">
-                <a:latin typeface="Times New Roman" panose="02020603050405020304" pitchFamily="18" charset="0"/>
-                <a:cs typeface="Times New Roman" panose="02020603050405020304" pitchFamily="18" charset="0"/>
-              </a:rPr>
-              <a:t>Rüstungsexport wird geregelt von</a:t>
-            </a:r>
-          </a:p>
-          <a:p>
-            <a:pPr lvl="1"/>
-            <a:r>
-              <a:rPr lang="de-DE" sz="1800" dirty="0">
-                <a:latin typeface="Times New Roman" panose="02020603050405020304" pitchFamily="18" charset="0"/>
-                <a:cs typeface="Times New Roman" panose="02020603050405020304" pitchFamily="18" charset="0"/>
-              </a:rPr>
-              <a:t>Grundgesetz (GG)</a:t>
-            </a:r>
-          </a:p>
-          <a:p>
-            <a:pPr lvl="1"/>
-            <a:r>
-              <a:rPr lang="de-DE" sz="1800" b="0" i="0" dirty="0">
-                <a:solidFill>
-                  <a:srgbClr val="000000"/>
-                </a:solidFill>
-                <a:effectLst/>
-                <a:latin typeface="Times New Roman" panose="02020603050405020304" pitchFamily="18" charset="0"/>
-                <a:cs typeface="Times New Roman" panose="02020603050405020304" pitchFamily="18" charset="0"/>
-              </a:rPr>
-              <a:t>Gesetz über die Kontrolle von Kriegswaffen (</a:t>
-            </a:r>
-            <a:r>
-              <a:rPr lang="de-DE" sz="1800" b="0" i="0" dirty="0" err="1">
-                <a:solidFill>
-                  <a:srgbClr val="000000"/>
-                </a:solidFill>
-                <a:effectLst/>
-                <a:latin typeface="Times New Roman" panose="02020603050405020304" pitchFamily="18" charset="0"/>
-                <a:cs typeface="Times New Roman" panose="02020603050405020304" pitchFamily="18" charset="0"/>
-              </a:rPr>
-              <a:t>KrWaffKontrG</a:t>
-            </a:r>
-            <a:r>
-              <a:rPr lang="de-DE" sz="1800" b="0" i="0" dirty="0">
-                <a:solidFill>
-                  <a:srgbClr val="000000"/>
-                </a:solidFill>
-                <a:effectLst/>
-                <a:latin typeface="Times New Roman" panose="02020603050405020304" pitchFamily="18" charset="0"/>
-                <a:cs typeface="Times New Roman" panose="02020603050405020304" pitchFamily="18" charset="0"/>
-              </a:rPr>
-              <a:t>)</a:t>
-            </a:r>
-          </a:p>
-          <a:p>
-            <a:pPr lvl="1"/>
-            <a:r>
-              <a:rPr lang="de-DE" sz="1800" b="0" i="0" dirty="0">
-                <a:solidFill>
-                  <a:srgbClr val="000000"/>
-                </a:solidFill>
-                <a:effectLst/>
-                <a:latin typeface="Times New Roman" panose="02020603050405020304" pitchFamily="18" charset="0"/>
-                <a:cs typeface="Times New Roman" panose="02020603050405020304" pitchFamily="18" charset="0"/>
-              </a:rPr>
-              <a:t>Außenwirtschaftsgesetz (AWG)</a:t>
-            </a:r>
-          </a:p>
-          <a:p>
-            <a:r>
-              <a:rPr lang="de-DE" sz="1800" dirty="0">
-                <a:solidFill>
-                  <a:srgbClr val="000000"/>
-                </a:solidFill>
-                <a:latin typeface="Times New Roman" panose="02020603050405020304" pitchFamily="18" charset="0"/>
-                <a:cs typeface="Times New Roman" panose="02020603050405020304" pitchFamily="18" charset="0"/>
-              </a:rPr>
-              <a:t>In Verbindung mit </a:t>
-            </a:r>
-            <a:r>
-              <a:rPr lang="de-DE" sz="1800" b="0" i="0" dirty="0">
-                <a:solidFill>
-                  <a:srgbClr val="000000"/>
-                </a:solidFill>
-                <a:effectLst/>
-                <a:latin typeface="Times New Roman" panose="02020603050405020304" pitchFamily="18" charset="0"/>
-                <a:cs typeface="Times New Roman" panose="02020603050405020304" pitchFamily="18" charset="0"/>
-              </a:rPr>
-              <a:t>der Außenwirtschaftsverordnung (AWV) </a:t>
-            </a:r>
-            <a:endParaRPr lang="de-DE" sz="1800" dirty="0">
-              <a:solidFill>
-                <a:srgbClr val="000000"/>
-              </a:solidFill>
-              <a:latin typeface="Times New Roman" panose="02020603050405020304" pitchFamily="18" charset="0"/>
-              <a:cs typeface="Times New Roman" panose="02020603050405020304" pitchFamily="18" charset="0"/>
-            </a:endParaRPr>
-          </a:p>
-          <a:p>
-            <a:r>
-              <a:rPr lang="de-DE" sz="1800" dirty="0">
-                <a:solidFill>
-                  <a:srgbClr val="000000"/>
-                </a:solidFill>
-                <a:latin typeface="Times New Roman" panose="02020603050405020304" pitchFamily="18" charset="0"/>
-                <a:cs typeface="Times New Roman" panose="02020603050405020304" pitchFamily="18" charset="0"/>
-              </a:rPr>
-              <a:t>Rüstungsexporte werden durch zahlreiche Verbote, Genehmigungs- und Meldepflichten auf EU- und </a:t>
-            </a:r>
-            <a:r>
-              <a:rPr lang="de-DE" sz="1800" b="0" i="0" dirty="0">
-                <a:solidFill>
-                  <a:srgbClr val="000000"/>
-                </a:solidFill>
-                <a:effectLst/>
-                <a:latin typeface="Times New Roman" panose="02020603050405020304" pitchFamily="18" charset="0"/>
-                <a:cs typeface="Times New Roman" panose="02020603050405020304" pitchFamily="18" charset="0"/>
-              </a:rPr>
-              <a:t>nationaler Ebene beschränkt</a:t>
-            </a:r>
-          </a:p>
-          <a:p>
-            <a:pPr algn="l"/>
-            <a:r>
-              <a:rPr lang="de-DE" sz="1800" b="1" i="0" dirty="0">
-                <a:solidFill>
-                  <a:srgbClr val="000000"/>
-                </a:solidFill>
-                <a:effectLst/>
-                <a:latin typeface="Times New Roman" panose="02020603050405020304" pitchFamily="18" charset="0"/>
-                <a:cs typeface="Times New Roman" panose="02020603050405020304" pitchFamily="18" charset="0"/>
-              </a:rPr>
-              <a:t>Kriegswaffen</a:t>
-            </a:r>
-            <a:r>
-              <a:rPr lang="de-DE" sz="1800" b="0" i="0" dirty="0">
-                <a:solidFill>
-                  <a:srgbClr val="000000"/>
-                </a:solidFill>
-                <a:effectLst/>
-                <a:latin typeface="Times New Roman" panose="02020603050405020304" pitchFamily="18" charset="0"/>
-                <a:cs typeface="Times New Roman" panose="02020603050405020304" pitchFamily="18" charset="0"/>
-              </a:rPr>
-              <a:t> – Nach Art. 26 Abs. 2 GG bedürfen die Herstellung, die Beförderung und das Inverkehrbringen von Kriegswaffen einer Genehmigung der Bundesregierung</a:t>
-            </a:r>
-          </a:p>
-          <a:p>
-            <a:pPr algn="l"/>
-            <a:r>
-              <a:rPr lang="de-DE" sz="1800" b="0" i="0" dirty="0">
-                <a:solidFill>
-                  <a:srgbClr val="000000"/>
-                </a:solidFill>
-                <a:effectLst/>
-                <a:latin typeface="Times New Roman" panose="02020603050405020304" pitchFamily="18" charset="0"/>
-                <a:cs typeface="Times New Roman" panose="02020603050405020304" pitchFamily="18" charset="0"/>
-              </a:rPr>
-              <a:t>Transport, Einfuhr, Ausfuhr und Durchfuhr von Kriegswaffen innerhalb und außerhalb des deutschen Hoheitsgebietes </a:t>
-            </a:r>
-            <a:r>
-              <a:rPr lang="de-DE" sz="1800" b="0" i="0" u="sng" dirty="0">
-                <a:solidFill>
-                  <a:srgbClr val="000000"/>
-                </a:solidFill>
-                <a:effectLst/>
-                <a:latin typeface="Times New Roman" panose="02020603050405020304" pitchFamily="18" charset="0"/>
-                <a:cs typeface="Times New Roman" panose="02020603050405020304" pitchFamily="18" charset="0"/>
-              </a:rPr>
-              <a:t>genehmigungspflichtig</a:t>
-            </a:r>
-          </a:p>
-          <a:p>
-            <a:pPr algn="l"/>
-            <a:r>
-              <a:rPr lang="de-DE" sz="1800" dirty="0">
-                <a:latin typeface="Times New Roman" panose="02020603050405020304" pitchFamily="18" charset="0"/>
-                <a:cs typeface="Times New Roman" panose="02020603050405020304" pitchFamily="18" charset="0"/>
-              </a:rPr>
-              <a:t>Beim Export: Genehmigung nach dem </a:t>
-            </a:r>
-            <a:r>
-              <a:rPr lang="de-DE" sz="1800" b="0" i="0" dirty="0" err="1">
-                <a:solidFill>
-                  <a:srgbClr val="000000"/>
-                </a:solidFill>
-                <a:effectLst/>
-                <a:latin typeface="Times New Roman" panose="02020603050405020304" pitchFamily="18" charset="0"/>
-                <a:cs typeface="Times New Roman" panose="02020603050405020304" pitchFamily="18" charset="0"/>
-              </a:rPr>
-              <a:t>KrWaffKontrG</a:t>
-            </a:r>
-            <a:r>
-              <a:rPr lang="de-DE" sz="1800" b="0" i="0" dirty="0">
-                <a:solidFill>
-                  <a:srgbClr val="000000"/>
-                </a:solidFill>
-                <a:effectLst/>
-                <a:latin typeface="Times New Roman" panose="02020603050405020304" pitchFamily="18" charset="0"/>
-                <a:cs typeface="Times New Roman" panose="02020603050405020304" pitchFamily="18" charset="0"/>
-              </a:rPr>
-              <a:t> + Ausfuhrgenehmigung nach dem Außenwirtschaftsgesetz (AWG) / der Außenwirtschaftsverordnung (AWV) erforderlich</a:t>
-            </a:r>
-          </a:p>
-          <a:p>
-            <a:endParaRPr lang="de-DE" dirty="0"/>
-          </a:p>
-          <a:p>
-            <a:pPr lvl="1"/>
+              <a:rPr lang="de-DE" dirty="0" err="1"/>
+              <a:t>Kontrag</a:t>
+            </a:r>
+            <a:r>
+              <a:rPr lang="de-DE" dirty="0"/>
+              <a:t>, </a:t>
+            </a:r>
+            <a:r>
+              <a:rPr lang="de-DE" dirty="0" err="1"/>
+              <a:t>Bilmog</a:t>
+            </a:r>
             <a:endParaRPr lang="de-DE" dirty="0"/>
           </a:p>
         </p:txBody>
@@ -19096,7 +19710,7 @@
     </p:spTree>
     <p:extLst>
       <p:ext uri="{BB962C8B-B14F-4D97-AF65-F5344CB8AC3E}">
-        <p14:creationId xmlns:p14="http://schemas.microsoft.com/office/powerpoint/2010/main" val="3717995609"/>
+        <p14:creationId xmlns:p14="http://schemas.microsoft.com/office/powerpoint/2010/main" val="2883781085"/>
       </p:ext>
     </p:extLst>
   </p:cSld>
@@ -19266,69 +19880,222 @@
           </a:bodyPr>
           <a:lstStyle/>
           <a:p>
-            <a:pPr algn="l"/>
             <a:r>
               <a:rPr lang="de-DE" sz="1800" dirty="0">
                 <a:latin typeface="Times New Roman" panose="02020603050405020304" pitchFamily="18" charset="0"/>
                 <a:cs typeface="Times New Roman" panose="02020603050405020304" pitchFamily="18" charset="0"/>
               </a:rPr>
-              <a:t>Die Bundesregierung entscheidet über Rüstungsexporte anhand von nationalen und internationalen Gesetzen, dem Gemeinsamen Standpunkt der EU und dem Arms Trade Treaty.</a:t>
-            </a:r>
-          </a:p>
-          <a:p>
-            <a:pPr algn="l"/>
+              <a:t>Rüstungsexport wird geregelt von</a:t>
+            </a:r>
+          </a:p>
+          <a:p>
+            <a:pPr lvl="1"/>
             <a:r>
               <a:rPr lang="de-DE" sz="1800" dirty="0">
                 <a:latin typeface="Times New Roman" panose="02020603050405020304" pitchFamily="18" charset="0"/>
                 <a:cs typeface="Times New Roman" panose="02020603050405020304" pitchFamily="18" charset="0"/>
               </a:rPr>
-              <a:t>Die Genehmigung von Rüstungsexporten hängt von der Sicherstellung des Endverbleibs der Güter beim vorgesehenen Endverwender ab. Die Bundesregierung kann auch Post-</a:t>
-            </a:r>
-            <a:r>
-              <a:rPr lang="de-DE" sz="1800" dirty="0" err="1">
+              <a:t>Grundgesetz (GG)</a:t>
+            </a:r>
+          </a:p>
+          <a:p>
+            <a:pPr lvl="1"/>
+            <a:r>
+              <a:rPr lang="de-DE" sz="1800" b="0" i="0" dirty="0">
+                <a:solidFill>
+                  <a:srgbClr val="000000"/>
+                </a:solidFill>
+                <a:effectLst/>
                 <a:latin typeface="Times New Roman" panose="02020603050405020304" pitchFamily="18" charset="0"/>
                 <a:cs typeface="Times New Roman" panose="02020603050405020304" pitchFamily="18" charset="0"/>
               </a:rPr>
-              <a:t>Shipment</a:t>
-            </a:r>
+              <a:t>Gesetz über die Kontrolle von Kriegswaffen (</a:t>
+            </a:r>
+            <a:r>
+              <a:rPr lang="de-DE" sz="1800" b="0" i="0" dirty="0" err="1">
+                <a:solidFill>
+                  <a:srgbClr val="000000"/>
+                </a:solidFill>
+                <a:effectLst/>
+                <a:latin typeface="Times New Roman" panose="02020603050405020304" pitchFamily="18" charset="0"/>
+                <a:cs typeface="Times New Roman" panose="02020603050405020304" pitchFamily="18" charset="0"/>
+              </a:rPr>
+              <a:t>KrWaffKontrG</a:t>
+            </a:r>
+            <a:r>
+              <a:rPr lang="de-DE" sz="1800" b="0" i="0" dirty="0">
+                <a:solidFill>
+                  <a:srgbClr val="000000"/>
+                </a:solidFill>
+                <a:effectLst/>
+                <a:latin typeface="Times New Roman" panose="02020603050405020304" pitchFamily="18" charset="0"/>
+                <a:cs typeface="Times New Roman" panose="02020603050405020304" pitchFamily="18" charset="0"/>
+              </a:rPr>
+              <a:t>)</a:t>
+            </a:r>
+          </a:p>
+          <a:p>
+            <a:pPr lvl="1"/>
+            <a:r>
+              <a:rPr lang="de-DE" sz="1800" b="0" i="0" dirty="0">
+                <a:solidFill>
+                  <a:srgbClr val="000000"/>
+                </a:solidFill>
+                <a:effectLst/>
+                <a:latin typeface="Times New Roman" panose="02020603050405020304" pitchFamily="18" charset="0"/>
+                <a:cs typeface="Times New Roman" panose="02020603050405020304" pitchFamily="18" charset="0"/>
+              </a:rPr>
+              <a:t>Außenwirtschaftsgesetz (AWG)</a:t>
+            </a:r>
+          </a:p>
+          <a:p>
+            <a:r>
+              <a:rPr lang="de-DE" sz="1800" dirty="0">
+                <a:solidFill>
+                  <a:srgbClr val="000000"/>
+                </a:solidFill>
+                <a:latin typeface="Times New Roman" panose="02020603050405020304" pitchFamily="18" charset="0"/>
+                <a:cs typeface="Times New Roman" panose="02020603050405020304" pitchFamily="18" charset="0"/>
+              </a:rPr>
+              <a:t>In Verbindung mit </a:t>
+            </a:r>
+            <a:r>
+              <a:rPr lang="de-DE" sz="1800" b="0" i="0" dirty="0">
+                <a:solidFill>
+                  <a:srgbClr val="000000"/>
+                </a:solidFill>
+                <a:effectLst/>
+                <a:latin typeface="Times New Roman" panose="02020603050405020304" pitchFamily="18" charset="0"/>
+                <a:cs typeface="Times New Roman" panose="02020603050405020304" pitchFamily="18" charset="0"/>
+              </a:rPr>
+              <a:t>der Außenwirtschaftsverordnung (AWV) </a:t>
+            </a:r>
+            <a:endParaRPr lang="de-DE" sz="1800" dirty="0">
+              <a:solidFill>
+                <a:srgbClr val="000000"/>
+              </a:solidFill>
+              <a:latin typeface="Times New Roman" panose="02020603050405020304" pitchFamily="18" charset="0"/>
+              <a:cs typeface="Times New Roman" panose="02020603050405020304" pitchFamily="18" charset="0"/>
+            </a:endParaRPr>
+          </a:p>
+          <a:p>
+            <a:r>
+              <a:rPr lang="de-DE" sz="1800" dirty="0">
+                <a:solidFill>
+                  <a:srgbClr val="000000"/>
+                </a:solidFill>
+                <a:latin typeface="Times New Roman" panose="02020603050405020304" pitchFamily="18" charset="0"/>
+                <a:cs typeface="Times New Roman" panose="02020603050405020304" pitchFamily="18" charset="0"/>
+              </a:rPr>
+              <a:t>Rüstungsexporte werden durch zahlreiche Verbote, Genehmigungs- und Meldepflichten auf EU- und </a:t>
+            </a:r>
+            <a:r>
+              <a:rPr lang="de-DE" sz="1800" b="0" i="0" dirty="0">
+                <a:solidFill>
+                  <a:srgbClr val="000000"/>
+                </a:solidFill>
+                <a:effectLst/>
+                <a:latin typeface="Times New Roman" panose="02020603050405020304" pitchFamily="18" charset="0"/>
+                <a:cs typeface="Times New Roman" panose="02020603050405020304" pitchFamily="18" charset="0"/>
+              </a:rPr>
+              <a:t>nationaler Ebene beschränkt</a:t>
+            </a:r>
+          </a:p>
+          <a:p>
+            <a:pPr algn="l"/>
+            <a:r>
+              <a:rPr lang="de-DE" sz="1800" b="1" i="0" dirty="0">
+                <a:solidFill>
+                  <a:srgbClr val="000000"/>
+                </a:solidFill>
+                <a:effectLst/>
+                <a:latin typeface="Times New Roman" panose="02020603050405020304" pitchFamily="18" charset="0"/>
+                <a:cs typeface="Times New Roman" panose="02020603050405020304" pitchFamily="18" charset="0"/>
+              </a:rPr>
+              <a:t>Kriegswaffen</a:t>
+            </a:r>
+            <a:r>
+              <a:rPr lang="de-DE" sz="1800" b="0" i="0" dirty="0">
+                <a:solidFill>
+                  <a:srgbClr val="000000"/>
+                </a:solidFill>
+                <a:effectLst/>
+                <a:latin typeface="Times New Roman" panose="02020603050405020304" pitchFamily="18" charset="0"/>
+                <a:cs typeface="Times New Roman" panose="02020603050405020304" pitchFamily="18" charset="0"/>
+              </a:rPr>
+              <a:t> – Nach Art. 26 Abs. 2 GG bedürfen die Herstellung, die Beförderung und das Inverkehrbringen von Kriegswaffen einer Genehmigung der Bundesregierung</a:t>
+            </a:r>
+          </a:p>
+          <a:p>
+            <a:pPr algn="l"/>
+            <a:r>
+              <a:rPr lang="de-DE" sz="1800" b="0" i="0" dirty="0">
+                <a:solidFill>
+                  <a:srgbClr val="000000"/>
+                </a:solidFill>
+                <a:effectLst/>
+                <a:latin typeface="Times New Roman" panose="02020603050405020304" pitchFamily="18" charset="0"/>
+                <a:cs typeface="Times New Roman" panose="02020603050405020304" pitchFamily="18" charset="0"/>
+              </a:rPr>
+              <a:t>Transport, Einfuhr, Ausfuhr und Durchfuhr von Kriegswaffen innerhalb und außerhalb des deutschen Hoheitsgebietes </a:t>
+            </a:r>
+            <a:r>
+              <a:rPr lang="de-DE" sz="1800" b="0" i="0" u="sng" dirty="0">
+                <a:solidFill>
+                  <a:srgbClr val="000000"/>
+                </a:solidFill>
+                <a:effectLst/>
+                <a:latin typeface="Times New Roman" panose="02020603050405020304" pitchFamily="18" charset="0"/>
+                <a:cs typeface="Times New Roman" panose="02020603050405020304" pitchFamily="18" charset="0"/>
+              </a:rPr>
+              <a:t>genehmigungspflichtig</a:t>
+            </a:r>
+          </a:p>
+          <a:p>
+            <a:pPr algn="l"/>
             <a:r>
               <a:rPr lang="de-DE" sz="1800" dirty="0">
                 <a:latin typeface="Times New Roman" panose="02020603050405020304" pitchFamily="18" charset="0"/>
                 <a:cs typeface="Times New Roman" panose="02020603050405020304" pitchFamily="18" charset="0"/>
               </a:rPr>
-              <a:t>-Kontrollen verlangen.</a:t>
-            </a:r>
-          </a:p>
-          <a:p>
-            <a:pPr algn="l"/>
-            <a:r>
-              <a:rPr lang="de-DE" sz="1800" dirty="0">
+              <a:t>Beim Export: Genehmigung nach dem </a:t>
+            </a:r>
+            <a:r>
+              <a:rPr lang="de-DE" sz="1800" b="0" i="0" dirty="0" err="1">
+                <a:solidFill>
+                  <a:srgbClr val="000000"/>
+                </a:solidFill>
+                <a:effectLst/>
                 <a:latin typeface="Times New Roman" panose="02020603050405020304" pitchFamily="18" charset="0"/>
                 <a:cs typeface="Times New Roman" panose="02020603050405020304" pitchFamily="18" charset="0"/>
               </a:rPr>
-              <a:t>Die Genehmigung von Rüstungsexporten erfordert die Zustimmung des Bundessicherheitsrats, der aus der Bundeskanzlerin und acht Bundesministern besteht.</a:t>
-            </a:r>
-          </a:p>
-          <a:p>
-            <a:pPr algn="l"/>
-            <a:r>
-              <a:rPr lang="de-DE" sz="1800" dirty="0">
+              <a:t>KrWaffKontrG</a:t>
+            </a:r>
+            <a:r>
+              <a:rPr lang="de-DE" sz="1800" b="0" i="0" dirty="0">
+                <a:solidFill>
+                  <a:srgbClr val="000000"/>
+                </a:solidFill>
+                <a:effectLst/>
                 <a:latin typeface="Times New Roman" panose="02020603050405020304" pitchFamily="18" charset="0"/>
                 <a:cs typeface="Times New Roman" panose="02020603050405020304" pitchFamily="18" charset="0"/>
               </a:rPr>
-              <a:t>Der Bundestag hat nur eine eingeschränkte parlamentarische Kontrolle über die Rüstungsexporte. Er wird nur nachträglich informiert und kann keine Genehmigungen aufheben oder verhindern.</a:t>
-            </a:r>
+              <a:t> + Ausfuhrgenehmigung nach dem Außenwirtschaftsgesetz (AWG) / der Außenwirtschaftsverordnung (AWV) erforderlich</a:t>
+            </a:r>
+          </a:p>
+          <a:p>
+            <a:endParaRPr lang="de-DE" dirty="0"/>
           </a:p>
           <a:p>
             <a:pPr lvl="1"/>
-            <a:endParaRPr lang="de-DE" sz="1600" dirty="0"/>
+            <a:endParaRPr lang="de-DE" dirty="0"/>
           </a:p>
         </p:txBody>
       </p:sp>
     </p:spTree>
     <p:extLst>
       <p:ext uri="{BB962C8B-B14F-4D97-AF65-F5344CB8AC3E}">
-        <p14:creationId xmlns:p14="http://schemas.microsoft.com/office/powerpoint/2010/main" val="2772221331"/>
+        <p14:creationId xmlns:p14="http://schemas.microsoft.com/office/powerpoint/2010/main" val="3717995609"/>
       </p:ext>
     </p:extLst>
   </p:cSld>
@@ -19357,15 +20124,15 @@
       </p:grpSpPr>
       <p:pic>
         <p:nvPicPr>
-          <p:cNvPr id="10242" name="Picture 2" descr="Allianz Risikobarometer 2023">
+          <p:cNvPr id="4" name="Graphic 1">
             <a:extLst>
               <a:ext uri="{FF2B5EF4-FFF2-40B4-BE49-F238E27FC236}">
-                <a16:creationId xmlns:a16="http://schemas.microsoft.com/office/drawing/2014/main" id="{4725DEE6-F63D-576C-0A6C-3872AA51CBCB}"/>
+                <a16:creationId xmlns:a16="http://schemas.microsoft.com/office/drawing/2014/main" id="{D4E2A8A5-7B9A-9FCE-2C0C-40115BB72542}"/>
               </a:ext>
             </a:extLst>
           </p:cNvPr>
           <p:cNvPicPr>
-            <a:picLocks noChangeAspect="1" noChangeArrowheads="1"/>
+            <a:picLocks noChangeAspect="1"/>
           </p:cNvPicPr>
           <p:nvPr/>
         </p:nvPicPr>
@@ -19375,55 +20142,8 @@
               <a:ext uri="{28A0092B-C50C-407E-A947-70E740481C1C}">
                 <a14:useLocalDpi xmlns:a14="http://schemas.microsoft.com/office/drawing/2010/main" val="0"/>
               </a:ext>
-            </a:extLst>
-          </a:blip>
-          <a:srcRect/>
-          <a:stretch>
-            <a:fillRect/>
-          </a:stretch>
-        </p:blipFill>
-        <p:spPr bwMode="auto">
-          <a:xfrm>
-            <a:off x="4779263" y="2374741"/>
-            <a:ext cx="6946774" cy="3473387"/>
-          </a:xfrm>
-          <a:prstGeom prst="rect">
-            <a:avLst/>
-          </a:prstGeom>
-          <a:noFill/>
-          <a:extLst>
-            <a:ext uri="{909E8E84-426E-40DD-AFC4-6F175D3DCCD1}">
-              <a14:hiddenFill xmlns:a14="http://schemas.microsoft.com/office/drawing/2010/main">
-                <a:solidFill>
-                  <a:srgbClr val="FFFFFF"/>
-                </a:solidFill>
-              </a14:hiddenFill>
-            </a:ext>
-          </a:extLst>
-        </p:spPr>
-      </p:pic>
-      <p:pic>
-        <p:nvPicPr>
-          <p:cNvPr id="4" name="Graphic 1">
-            <a:extLst>
-              <a:ext uri="{FF2B5EF4-FFF2-40B4-BE49-F238E27FC236}">
-                <a16:creationId xmlns:a16="http://schemas.microsoft.com/office/drawing/2014/main" id="{D4E2A8A5-7B9A-9FCE-2C0C-40115BB72542}"/>
-              </a:ext>
-            </a:extLst>
-          </p:cNvPr>
-          <p:cNvPicPr>
-            <a:picLocks noChangeAspect="1"/>
-          </p:cNvPicPr>
-          <p:nvPr/>
-        </p:nvPicPr>
-        <p:blipFill>
-          <a:blip r:embed="rId4">
-            <a:extLst>
-              <a:ext uri="{28A0092B-C50C-407E-A947-70E740481C1C}">
-                <a14:useLocalDpi xmlns:a14="http://schemas.microsoft.com/office/drawing/2010/main" val="0"/>
-              </a:ext>
               <a:ext uri="{96DAC541-7B7A-43D3-8B79-37D633B846F1}">
-                <asvg:svgBlip xmlns:asvg="http://schemas.microsoft.com/office/drawing/2016/SVG/main" r:embed="rId5"/>
+                <asvg:svgBlip xmlns:asvg="http://schemas.microsoft.com/office/drawing/2016/SVG/main" r:embed="rId4"/>
               </a:ext>
             </a:extLst>
           </a:blip>
@@ -19494,18 +20214,13 @@
             <a:spLocks noGrp="1"/>
           </p:cNvSpPr>
           <p:nvPr>
-            <p:ph type="ctrTitle"/>
+            <p:ph type="title"/>
           </p:nvPr>
         </p:nvSpPr>
-        <p:spPr>
-          <a:xfrm>
-            <a:off x="738026" y="1064589"/>
-            <a:ext cx="9144000" cy="485811"/>
-          </a:xfrm>
-        </p:spPr>
+        <p:spPr/>
         <p:txBody>
           <a:bodyPr>
-            <a:normAutofit fontScale="90000"/>
+            <a:normAutofit/>
           </a:bodyPr>
           <a:lstStyle/>
           <a:p>
@@ -19522,83 +20237,97 @@
                 <a:latin typeface="Times New Roman" panose="02020603050405020304" pitchFamily="18" charset="0"/>
                 <a:cs typeface="Times New Roman" panose="02020603050405020304" pitchFamily="18" charset="0"/>
               </a:rPr>
-              <a:t>Spezielle Risiken und Branchenrisiken</a:t>
+              <a:t>Regulatorisches Umfeld</a:t>
             </a:r>
           </a:p>
         </p:txBody>
       </p:sp>
-      <p:pic>
-        <p:nvPicPr>
-          <p:cNvPr id="9" name="Grafik 8">
+      <p:sp>
+        <p:nvSpPr>
+          <p:cNvPr id="2" name="Inhaltsplatzhalter 1">
             <a:extLst>
               <a:ext uri="{FF2B5EF4-FFF2-40B4-BE49-F238E27FC236}">
-                <a16:creationId xmlns:a16="http://schemas.microsoft.com/office/drawing/2014/main" id="{89E5ED6A-DE39-D118-F274-4CC6F166CE4D}"/>
+                <a16:creationId xmlns:a16="http://schemas.microsoft.com/office/drawing/2014/main" id="{2D72C13E-5129-4532-134A-4FA54056D29C}"/>
               </a:ext>
             </a:extLst>
           </p:cNvPr>
-          <p:cNvPicPr>
-            <a:picLocks noChangeAspect="1"/>
-          </p:cNvPicPr>
-          <p:nvPr/>
-        </p:nvPicPr>
-        <p:blipFill>
-          <a:blip r:embed="rId6"/>
-          <a:stretch>
-            <a:fillRect/>
-          </a:stretch>
-        </p:blipFill>
-        <p:spPr>
-          <a:xfrm>
-            <a:off x="1213945" y="1702384"/>
-            <a:ext cx="4873022" cy="2960302"/>
-          </a:xfrm>
-          <a:prstGeom prst="rect">
-            <a:avLst/>
-          </a:prstGeom>
-        </p:spPr>
-      </p:pic>
-      <p:sp>
-        <p:nvSpPr>
-          <p:cNvPr id="10" name="Textfeld 9">
-            <a:extLst>
-              <a:ext uri="{FF2B5EF4-FFF2-40B4-BE49-F238E27FC236}">
-                <a16:creationId xmlns:a16="http://schemas.microsoft.com/office/drawing/2014/main" id="{DB37E5B8-875D-423C-2CA2-16875CEAA140}"/>
-              </a:ext>
-            </a:extLst>
-          </p:cNvPr>
-          <p:cNvSpPr txBox="1"/>
-          <p:nvPr/>
+          <p:cNvSpPr>
+            <a:spLocks noGrp="1"/>
+          </p:cNvSpPr>
+          <p:nvPr>
+            <p:ph idx="1"/>
+          </p:nvPr>
         </p:nvSpPr>
-        <p:spPr>
-          <a:xfrm>
-            <a:off x="1213945" y="4886075"/>
-            <a:ext cx="3368871" cy="369332"/>
-          </a:xfrm>
-          <a:prstGeom prst="rect">
-            <a:avLst/>
-          </a:prstGeom>
-          <a:noFill/>
-        </p:spPr>
+        <p:spPr/>
         <p:txBody>
-          <a:bodyPr wrap="none" rtlCol="0">
-            <a:spAutoFit/>
+          <a:bodyPr>
+            <a:normAutofit/>
           </a:bodyPr>
           <a:lstStyle/>
           <a:p>
-            <a:r>
-              <a:rPr lang="de-DE" dirty="0">
+            <a:pPr algn="l"/>
+            <a:r>
+              <a:rPr lang="de-DE" sz="1800" dirty="0">
                 <a:latin typeface="Times New Roman" panose="02020603050405020304" pitchFamily="18" charset="0"/>
                 <a:cs typeface="Times New Roman" panose="02020603050405020304" pitchFamily="18" charset="0"/>
               </a:rPr>
-              <a:t>Quelle: Jahresabschluss 2022 S.83</a:t>
-            </a:r>
+              <a:t>Die Bundesregierung entscheidet über Rüstungsexporte anhand von nationalen und internationalen Gesetzen, dem Gemeinsamen Standpunkt der EU und dem Arms Trade Treaty.</a:t>
+            </a:r>
+          </a:p>
+          <a:p>
+            <a:pPr algn="l"/>
+            <a:r>
+              <a:rPr lang="de-DE" sz="1800" dirty="0">
+                <a:latin typeface="Times New Roman" panose="02020603050405020304" pitchFamily="18" charset="0"/>
+                <a:cs typeface="Times New Roman" panose="02020603050405020304" pitchFamily="18" charset="0"/>
+              </a:rPr>
+              <a:t>Die Genehmigung von Rüstungsexporten hängt von der Sicherstellung des Endverbleibs der Güter beim vorgesehenen Endverwender ab. Die Bundesregierung kann auch Post-</a:t>
+            </a:r>
+            <a:r>
+              <a:rPr lang="de-DE" sz="1800" dirty="0" err="1">
+                <a:latin typeface="Times New Roman" panose="02020603050405020304" pitchFamily="18" charset="0"/>
+                <a:cs typeface="Times New Roman" panose="02020603050405020304" pitchFamily="18" charset="0"/>
+              </a:rPr>
+              <a:t>Shipment</a:t>
+            </a:r>
+            <a:r>
+              <a:rPr lang="de-DE" sz="1800" dirty="0">
+                <a:latin typeface="Times New Roman" panose="02020603050405020304" pitchFamily="18" charset="0"/>
+                <a:cs typeface="Times New Roman" panose="02020603050405020304" pitchFamily="18" charset="0"/>
+              </a:rPr>
+              <a:t>-Kontrollen verlangen.</a:t>
+            </a:r>
+          </a:p>
+          <a:p>
+            <a:pPr algn="l"/>
+            <a:r>
+              <a:rPr lang="de-DE" sz="1800" dirty="0">
+                <a:latin typeface="Times New Roman" panose="02020603050405020304" pitchFamily="18" charset="0"/>
+                <a:cs typeface="Times New Roman" panose="02020603050405020304" pitchFamily="18" charset="0"/>
+              </a:rPr>
+              <a:t>Die Genehmigung von Rüstungsexporten erfordert die Zustimmung des Bundessicherheitsrats, der aus der Bundeskanzlerin und acht Bundesministern besteht.</a:t>
+            </a:r>
+          </a:p>
+          <a:p>
+            <a:pPr algn="l"/>
+            <a:r>
+              <a:rPr lang="de-DE" sz="1800" dirty="0">
+                <a:latin typeface="Times New Roman" panose="02020603050405020304" pitchFamily="18" charset="0"/>
+                <a:cs typeface="Times New Roman" panose="02020603050405020304" pitchFamily="18" charset="0"/>
+              </a:rPr>
+              <a:t>Der Bundestag hat nur eine eingeschränkte parlamentarische Kontrolle über die Rüstungsexporte. Er wird nur nachträglich informiert und kann keine Genehmigungen aufheben oder verhindern.</a:t>
+            </a:r>
+          </a:p>
+          <a:p>
+            <a:pPr lvl="1"/>
+            <a:endParaRPr lang="de-DE" sz="1600" dirty="0"/>
           </a:p>
         </p:txBody>
       </p:sp>
     </p:spTree>
     <p:extLst>
       <p:ext uri="{BB962C8B-B14F-4D97-AF65-F5344CB8AC3E}">
-        <p14:creationId xmlns:p14="http://schemas.microsoft.com/office/powerpoint/2010/main" val="45320801"/>
+        <p14:creationId xmlns:p14="http://schemas.microsoft.com/office/powerpoint/2010/main" val="2772221331"/>
       </p:ext>
     </p:extLst>
   </p:cSld>

--- a/Rheinmetall_Präsentation.pptx
+++ b/Rheinmetall_Präsentation.pptx
@@ -1131,7 +1131,288 @@
           <a:p>
             <a:r>
               <a:rPr lang="de-DE" dirty="0"/>
-              <a:t>Durch das 2022 beschlossene Sondervermögen von 100 Milliarden € ließen sich lang aufgeschobene Großprojekte realisieren, diese könnten kurzfristig allerdings auch zu kurzfristigem Personalmangel führen. Da so der Großteil des Geldes allerdings auch von einigen wenigen Akteuren kommt, ist das Unternehmen stark abhängig. </a:t>
+              <a:t>Insgesamt wurde das Risiko vom Vorjahr herabgestuft, zum einen, da sich das Unternehmen im Automobilmarkt transformiert hat, zum anderen, da mehr in den Verteidigungssektor investiert wurde.</a:t>
+            </a:r>
+          </a:p>
+          <a:p>
+            <a:pPr marL="0" marR="0" lvl="0" indent="0" algn="l" defTabSz="914400" rtl="0" eaLnBrk="1" fontAlgn="auto" latinLnBrk="0" hangingPunct="1">
+              <a:lnSpc>
+                <a:spcPct val="100000"/>
+              </a:lnSpc>
+              <a:spcBef>
+                <a:spcPts val="0"/>
+              </a:spcBef>
+              <a:spcAft>
+                <a:spcPts val="0"/>
+              </a:spcAft>
+              <a:buClrTx/>
+              <a:buSzTx/>
+              <a:buFontTx/>
+              <a:buNone/>
+              <a:tabLst/>
+              <a:defRPr/>
+            </a:pPr>
+            <a:r>
+              <a:rPr lang="de-DE" b="0" i="0" dirty="0">
+                <a:solidFill>
+                  <a:srgbClr val="BDC1C6"/>
+                </a:solidFill>
+                <a:effectLst/>
+                <a:latin typeface="Google Sans"/>
+              </a:rPr>
+              <a:t>Energiekrise und Klimawandel als indirektes Risiko für die Automobilindustrie.</a:t>
+            </a:r>
+            <a:endParaRPr lang="de-DE" dirty="0"/>
+          </a:p>
+          <a:p>
+            <a:r>
+              <a:rPr lang="de-DE" dirty="0"/>
+              <a:t>Durch das 2022 beschlossene Sondervermögen von 100 Milliarden € ließen sich lang aufgeschobene Großprojekte realisieren, diese könnten kurzfristig allerdings auch zu kurzfristigem Personalmangel führen. Da so der Großteil des Geldes allerdings auch von einigen wenigen Akteuren kommt, ist das Unternehmen stark abhängig. So sind bspw. Wenige nationale und internationale Behörden fast vollständig für die Einnahmen der Divisionen </a:t>
+            </a:r>
+            <a:r>
+              <a:rPr lang="en-US" dirty="0"/>
+              <a:t>Vehicle Systems, Weapon and Ammunition </a:t>
+            </a:r>
+            <a:r>
+              <a:rPr lang="en-US" dirty="0" err="1"/>
+              <a:t>sowie</a:t>
+            </a:r>
+            <a:r>
+              <a:rPr lang="en-US" dirty="0"/>
+              <a:t> Electronic Solutions </a:t>
+            </a:r>
+            <a:r>
+              <a:rPr lang="en-US" dirty="0" err="1"/>
+              <a:t>verantwortlich</a:t>
+            </a:r>
+            <a:r>
+              <a:rPr lang="en-US" dirty="0"/>
+              <a:t>. </a:t>
+            </a:r>
+          </a:p>
+          <a:p>
+            <a:pPr algn="l">
+              <a:buFont typeface="Arial" panose="020B0604020202020204" pitchFamily="34" charset="0"/>
+              <a:buNone/>
+            </a:pPr>
+            <a:r>
+              <a:rPr lang="de-DE" dirty="0"/>
+              <a:t>Zu den Wettbewerbern zählen unter anderem </a:t>
+            </a:r>
+            <a:r>
+              <a:rPr lang="de-DE" b="0" i="0" dirty="0">
+                <a:solidFill>
+                  <a:srgbClr val="BDC1C6"/>
+                </a:solidFill>
+                <a:effectLst/>
+                <a:latin typeface="Google Sans"/>
+              </a:rPr>
+              <a:t>Airbus und Thyssen-Krupp. Da der Markt allerdings so stark reguliert ist kann nicht einfach einen neuer Spieler zur Konkurrenz werden. </a:t>
+            </a:r>
+          </a:p>
+          <a:p>
+            <a:pPr algn="l">
+              <a:buFont typeface="Arial" panose="020B0604020202020204" pitchFamily="34" charset="0"/>
+              <a:buNone/>
+            </a:pPr>
+            <a:r>
+              <a:rPr lang="de-DE" b="0" i="0" dirty="0">
+                <a:solidFill>
+                  <a:srgbClr val="BDC1C6"/>
+                </a:solidFill>
+                <a:effectLst/>
+                <a:latin typeface="Google Sans"/>
+              </a:rPr>
+              <a:t>Anders sieht es auf den internationalen Märkten aus, da der transatlantische Wettbewerb zunehmend von Bedeutung gewinnt.</a:t>
+            </a:r>
+          </a:p>
+          <a:p>
+            <a:pPr algn="l">
+              <a:buFont typeface="Arial" panose="020B0604020202020204" pitchFamily="34" charset="0"/>
+              <a:buNone/>
+            </a:pPr>
+            <a:endParaRPr lang="de-DE" b="0" i="0" dirty="0">
+              <a:solidFill>
+                <a:srgbClr val="BDC1C6"/>
+              </a:solidFill>
+              <a:effectLst/>
+              <a:latin typeface="Google Sans"/>
+            </a:endParaRPr>
+          </a:p>
+          <a:p>
+            <a:pPr algn="l">
+              <a:buFont typeface="Arial" panose="020B0604020202020204" pitchFamily="34" charset="0"/>
+              <a:buNone/>
+            </a:pPr>
+            <a:r>
+              <a:rPr lang="de-DE" b="0" i="0" dirty="0">
+                <a:solidFill>
+                  <a:srgbClr val="BDC1C6"/>
+                </a:solidFill>
+                <a:effectLst/>
+                <a:latin typeface="Google Sans"/>
+              </a:rPr>
+              <a:t>Risikostreuung in große Wirtschafträume: Europa, Amerika, Asien</a:t>
+            </a:r>
+          </a:p>
+          <a:p>
+            <a:pPr algn="l">
+              <a:buFont typeface="Arial" panose="020B0604020202020204" pitchFamily="34" charset="0"/>
+              <a:buNone/>
+            </a:pPr>
+            <a:endParaRPr lang="de-DE" b="0" i="0" dirty="0">
+              <a:solidFill>
+                <a:srgbClr val="BDC1C6"/>
+              </a:solidFill>
+              <a:effectLst/>
+              <a:latin typeface="Google Sans"/>
+            </a:endParaRPr>
+          </a:p>
+          <a:p>
+            <a:pPr algn="l">
+              <a:buFont typeface="Arial" panose="020B0604020202020204" pitchFamily="34" charset="0"/>
+              <a:buNone/>
+            </a:pPr>
+            <a:r>
+              <a:rPr lang="de-DE" b="0" i="0" dirty="0">
+                <a:solidFill>
+                  <a:srgbClr val="BDC1C6"/>
+                </a:solidFill>
+                <a:effectLst/>
+                <a:latin typeface="Google Sans"/>
+              </a:rPr>
+              <a:t>Kriminalität und Terrorismus werden mit Prävention begegnet, z.B. Reiseverboten für Mitarbeiter</a:t>
+            </a:r>
+          </a:p>
+          <a:p>
+            <a:pPr algn="l">
+              <a:buFont typeface="Arial" panose="020B0604020202020204" pitchFamily="34" charset="0"/>
+              <a:buNone/>
+            </a:pPr>
+            <a:r>
+              <a:rPr lang="de-DE" b="0" i="0" dirty="0">
+                <a:solidFill>
+                  <a:srgbClr val="BDC1C6"/>
+                </a:solidFill>
+                <a:effectLst/>
+                <a:latin typeface="Google Sans"/>
+              </a:rPr>
+              <a:t>Cybervorfälle zwar nicht aufgeführt, aber im Jahresbericht schon eine hohe Bedeutung (Cloud Systeme, </a:t>
+            </a:r>
+            <a:r>
+              <a:rPr lang="de-DE" b="0" i="0" dirty="0" err="1">
+                <a:solidFill>
+                  <a:srgbClr val="BDC1C6"/>
+                </a:solidFill>
+                <a:effectLst/>
+                <a:latin typeface="Google Sans"/>
+              </a:rPr>
+              <a:t>lizenzen</a:t>
+            </a:r>
+            <a:r>
+              <a:rPr lang="de-DE" b="0" i="0" dirty="0">
+                <a:solidFill>
+                  <a:srgbClr val="BDC1C6"/>
+                </a:solidFill>
+                <a:effectLst/>
+                <a:latin typeface="Google Sans"/>
+              </a:rPr>
+              <a:t> bei anderen Unternehmen etc.)</a:t>
+            </a:r>
+          </a:p>
+          <a:p>
+            <a:pPr algn="l">
+              <a:buFont typeface="Arial" panose="020B0604020202020204" pitchFamily="34" charset="0"/>
+              <a:buNone/>
+            </a:pPr>
+            <a:r>
+              <a:rPr lang="de-DE" b="0" i="0" dirty="0" err="1">
+                <a:solidFill>
+                  <a:srgbClr val="BDC1C6"/>
+                </a:solidFill>
+                <a:effectLst/>
+                <a:latin typeface="Google Sans"/>
+              </a:rPr>
+              <a:t>Compliante</a:t>
+            </a:r>
+            <a:r>
+              <a:rPr lang="de-DE" b="0" i="0" dirty="0">
+                <a:solidFill>
+                  <a:srgbClr val="BDC1C6"/>
+                </a:solidFill>
+                <a:effectLst/>
+                <a:latin typeface="Google Sans"/>
+              </a:rPr>
+              <a:t> Verstöße</a:t>
+            </a:r>
+          </a:p>
+          <a:p>
+            <a:pPr algn="l">
+              <a:buFont typeface="Arial" panose="020B0604020202020204" pitchFamily="34" charset="0"/>
+              <a:buNone/>
+            </a:pPr>
+            <a:endParaRPr lang="de-DE" b="0" i="0" dirty="0">
+              <a:solidFill>
+                <a:srgbClr val="BDC1C6"/>
+              </a:solidFill>
+              <a:effectLst/>
+              <a:latin typeface="Google Sans"/>
+            </a:endParaRPr>
+          </a:p>
+          <a:p>
+            <a:pPr algn="l">
+              <a:buFont typeface="Arial" panose="020B0604020202020204" pitchFamily="34" charset="0"/>
+              <a:buNone/>
+            </a:pPr>
+            <a:r>
+              <a:rPr lang="de-DE" b="0" i="0" dirty="0">
+                <a:solidFill>
+                  <a:srgbClr val="BDC1C6"/>
+                </a:solidFill>
+                <a:effectLst/>
+                <a:latin typeface="Google Sans"/>
+              </a:rPr>
+              <a:t>Spezifische Risiken: Bindung an langfristige Großprojekte ( Beispiel hier Puma)</a:t>
+            </a:r>
+          </a:p>
+          <a:p>
+            <a:pPr algn="l">
+              <a:buFont typeface="Arial" panose="020B0604020202020204" pitchFamily="34" charset="0"/>
+              <a:buNone/>
+            </a:pPr>
+            <a:r>
+              <a:rPr lang="de-DE" dirty="0"/>
+              <a:t>älter werdenden Belegschaft</a:t>
+            </a:r>
+            <a:r>
+              <a:rPr lang="de-DE" b="0" i="0" dirty="0">
+                <a:solidFill>
+                  <a:srgbClr val="BDC1C6"/>
+                </a:solidFill>
+                <a:effectLst/>
+                <a:latin typeface="Google Sans"/>
+              </a:rPr>
+              <a:t>: regelmäßige </a:t>
+            </a:r>
+            <a:r>
+              <a:rPr lang="de-DE" b="0" i="0" dirty="0" err="1">
+                <a:solidFill>
+                  <a:srgbClr val="BDC1C6"/>
+                </a:solidFill>
+                <a:effectLst/>
+                <a:latin typeface="Google Sans"/>
+              </a:rPr>
+              <a:t>Alterstrukturanalysen</a:t>
+            </a:r>
+            <a:r>
+              <a:rPr lang="de-DE" b="0" i="0" dirty="0">
+                <a:solidFill>
+                  <a:srgbClr val="BDC1C6"/>
+                </a:solidFill>
+                <a:effectLst/>
+                <a:latin typeface="Google Sans"/>
+              </a:rPr>
+              <a:t> : Wissen darf nicht verloren gehen</a:t>
             </a:r>
           </a:p>
         </p:txBody>
@@ -1234,6 +1515,44 @@
               <a:t>Durch das 2022 beschlossene Sondervermögen von 100 Milliarden € ließen sich lang aufgeschobene Großprojekte realisieren, diese könnten kurzfristig allerdings auch zu kurzfristigem Personalmangel führen. Da</a:t>
             </a:r>
           </a:p>
+          <a:p>
+            <a:endParaRPr lang="de-DE" dirty="0"/>
+          </a:p>
+          <a:p>
+            <a:endParaRPr lang="de-DE" dirty="0"/>
+          </a:p>
+          <a:p>
+            <a:r>
+              <a:rPr lang="de-DE" dirty="0"/>
+              <a:t>Zur Vermeidung von Qualitätsrisiken werden darüber hinaus unter anderem Methoden wie Six Sigma, Lean Management oder Fehlermöglichkeits- und Einflussanalyse (FMEA) eingesetzt</a:t>
+            </a:r>
+          </a:p>
+          <a:p>
+            <a:endParaRPr lang="de-DE" dirty="0"/>
+          </a:p>
+          <a:p>
+            <a:r>
+              <a:rPr lang="de-DE" dirty="0"/>
+              <a:t>Aus dem Umfang von Großprojekten, deren Langläufigkeit über mehrere Jahre und deren Komplexität könnten insbesondere in den Divisionen Vehicle Systems, Weapon and </a:t>
+            </a:r>
+            <a:r>
+              <a:rPr lang="de-DE" dirty="0" err="1"/>
+              <a:t>Ammunition</a:t>
+            </a:r>
+            <a:r>
+              <a:rPr lang="de-DE" dirty="0"/>
+              <a:t> sowie Electronic Solutions bei der Planung, Kalkulation, Ausführung und Abwicklung Risiken entstehen.</a:t>
+            </a:r>
+          </a:p>
+          <a:p>
+            <a:endParaRPr lang="de-DE" dirty="0"/>
+          </a:p>
+          <a:p>
+            <a:r>
+              <a:rPr lang="de-DE" dirty="0"/>
+              <a:t>Mit der EU-Datenschutzgrundverordnung (DSGVO) wurden im Jahr 2018 auch umfangreiche Pflichten für den Datenschutz für Unternehmen in der EU wirksam. Verstöße gegen die DSGVO sind mit erheblichen Sanktionen belegt. Unter anderem können Bußgelder von bis zu 4% des weltweiten Konzernumsatzes verhängt werden. Um diesen Risiken zu begegnen, haben wir ein konzernweites Datenschutzmanagementsystem (DSMS) etabliert, das ein strukturiertes, sicheres und möglichst einheitliches Datenschutzniveau gewährleistet.</a:t>
+            </a:r>
+          </a:p>
         </p:txBody>
       </p:sp>
       <p:sp>
@@ -1591,10 +1910,9 @@
           <a:lstStyle/>
           <a:p>
             <a:r>
-              <a:rPr lang="de-DE"/>
+              <a:rPr lang="de-DE" dirty="0"/>
               <a:t>Linus</a:t>
             </a:r>
-            <a:endParaRPr lang="de-DE" dirty="0"/>
           </a:p>
         </p:txBody>
       </p:sp>
@@ -2032,6 +2350,26 @@
               <a:t>Jolan Eggers</a:t>
             </a:r>
           </a:p>
+          <a:p>
+            <a:r>
+              <a:rPr lang="de-DE" dirty="0"/>
+              <a:t>Um euch das Unternehmen noch einmal genauer Vorzustellen, zeige ich euch jetzt die 5 Grundpfeiler in die sich das Unternehmen aufteilt, sowie deren größten Abnehmer vor. </a:t>
+            </a:r>
+          </a:p>
+          <a:p>
+            <a:r>
+              <a:rPr lang="de-DE" dirty="0"/>
+              <a:t>Dazu ist zu sagen, dass es sich nur um das Rheinmetall Kerngeschäft handelt, wie ich euch gleich noch zeige, hat das Unternehmen noch unzählige </a:t>
+            </a:r>
+            <a:r>
+              <a:rPr lang="de-DE" dirty="0" err="1"/>
+              <a:t>Subunternhemen</a:t>
+            </a:r>
+            <a:r>
+              <a:rPr lang="de-DE" dirty="0"/>
+              <a:t> oder Anteile an anderen Aktiengesellschaften.</a:t>
+            </a:r>
+          </a:p>
         </p:txBody>
       </p:sp>
       <p:sp>
@@ -2504,7 +2842,7 @@
                 <a:effectLst/>
                 <a:latin typeface="arial" panose="020B0604020202020204" pitchFamily="34" charset="0"/>
               </a:rPr>
-              <a:t>1993:</a:t>
+              <a:t>1986:Erweiterung im Bereich der Automobiltechnik mit dem </a:t>
             </a:r>
             <a:r>
               <a:rPr lang="de-DE" b="0" i="0" dirty="0">
@@ -2514,8 +2852,17 @@
                 <a:effectLst/>
                 <a:latin typeface="DINPro"/>
               </a:rPr>
-              <a:t>Erwerb der Mauser Waldeck AG, Aufbau des vierten Unternehmensbereiches Bürosysteme.</a:t>
-            </a:r>
+              <a:t>Erwerb des Vergaserherstellers Pierburg GmbH</a:t>
+            </a:r>
+            <a:endParaRPr lang="de-DE" b="0" i="0" dirty="0">
+              <a:solidFill>
+                <a:srgbClr val="BDC1C6"/>
+              </a:solidFill>
+              <a:effectLst/>
+              <a:latin typeface="arial" panose="020B0604020202020204" pitchFamily="34" charset="0"/>
+            </a:endParaRPr>
+          </a:p>
+          <a:p>
             <a:r>
               <a:rPr lang="de-DE" b="0" i="0" dirty="0">
                 <a:solidFill>
@@ -2524,13 +2871,7 @@
                 <a:effectLst/>
                 <a:latin typeface="arial" panose="020B0604020202020204" pitchFamily="34" charset="0"/>
               </a:rPr>
-              <a:t> Des Weiteren eine Ausweitung im Automobilbereich und der Sicherheitstechnik</a:t>
-            </a:r>
-          </a:p>
-          <a:p>
-            <a:r>
-              <a:rPr lang="de-DE" dirty="0"/>
-              <a:t>2021: </a:t>
+              <a:t>1993:</a:t>
             </a:r>
             <a:r>
               <a:rPr lang="de-DE" b="0" i="0" dirty="0">
@@ -2540,7 +2881,17 @@
                 <a:effectLst/>
                 <a:latin typeface="DINPro"/>
               </a:rPr>
-              <a:t>Die Bereiche unterhalb der Rheinmetall AG, Rheinmetall Defence und Rheinmetall Automotive AG, werden aufgelöst. Direkte Führung der Divisionen:</a:t>
+              <a:t>Erwerb der Mauser Waldeck AG, Aufbau des vierten Unternehmensbereiches Bürosysteme.</a:t>
+            </a:r>
+            <a:r>
+              <a:rPr lang="de-DE" b="0" i="0" dirty="0">
+                <a:solidFill>
+                  <a:srgbClr val="BDC1C6"/>
+                </a:solidFill>
+                <a:effectLst/>
+                <a:latin typeface="arial" panose="020B0604020202020204" pitchFamily="34" charset="0"/>
+              </a:rPr>
+              <a:t> Des Weiteren eine Ausweitung im Automobilbereich und der Sicherheitstechnik</a:t>
             </a:r>
           </a:p>
           <a:p>
@@ -2791,8 +3142,15 @@
           <a:lstStyle/>
           <a:p>
             <a:r>
+              <a:rPr lang="de-DE" dirty="0" err="1"/>
+              <a:t>Redi</a:t>
+            </a:r>
+            <a:endParaRPr lang="de-DE" dirty="0"/>
+          </a:p>
+          <a:p>
+            <a:r>
               <a:rPr lang="de-DE" dirty="0"/>
-              <a:t>Nicolas</a:t>
+              <a:t>ISO 9001 bzw. IATF 16949 und AQAP bzw. EN 9100</a:t>
             </a:r>
           </a:p>
         </p:txBody>
@@ -8143,8 +8501,8 @@
         </p:nvSpPr>
         <p:spPr>
           <a:xfrm>
-            <a:off x="1213945" y="4886075"/>
-            <a:ext cx="3368871" cy="369332"/>
+            <a:off x="1213945" y="4676170"/>
+            <a:ext cx="2315057" cy="276999"/>
           </a:xfrm>
           <a:prstGeom prst="rect">
             <a:avLst/>
@@ -8158,7 +8516,7 @@
           <a:lstStyle/>
           <a:p>
             <a:r>
-              <a:rPr lang="de-DE" dirty="0">
+              <a:rPr lang="de-DE" sz="1200" dirty="0">
                 <a:latin typeface="Times New Roman" panose="02020603050405020304" pitchFamily="18" charset="0"/>
                 <a:cs typeface="Times New Roman" panose="02020603050405020304" pitchFamily="18" charset="0"/>
               </a:rPr>
@@ -22330,7 +22688,7 @@
                 <a:latin typeface="Times New Roman" panose="02020603050405020304" pitchFamily="18" charset="0"/>
                 <a:cs typeface="Times New Roman" panose="02020603050405020304" pitchFamily="18" charset="0"/>
               </a:rPr>
-              <a:t>Gesetzte</a:t>
+              <a:t>Gesetze</a:t>
             </a:r>
           </a:p>
         </p:txBody>

--- a/Rheinmetall_Präsentation.pptx
+++ b/Rheinmetall_Präsentation.pptx
@@ -213,7 +213,7 @@
           <a:p>
             <a:fld id="{2712EE82-0201-4A98-A82F-62919E8E970E}" type="datetimeFigureOut">
               <a:rPr lang="de-DE" smtClean="0"/>
-              <a:t>02.11.2023</a:t>
+              <a:t>03.11.2023</a:t>
             </a:fld>
             <a:endParaRPr lang="de-DE"/>
           </a:p>
@@ -530,6 +530,39 @@
               <a:t>Linus</a:t>
             </a:r>
           </a:p>
+          <a:p>
+            <a:r>
+              <a:rPr lang="de-DE" b="0" i="0" dirty="0">
+                <a:solidFill>
+                  <a:srgbClr val="E8EAED"/>
+                </a:solidFill>
+                <a:effectLst/>
+                <a:latin typeface="Google Sans"/>
+              </a:rPr>
+              <a:t>Corporate </a:t>
+            </a:r>
+            <a:r>
+              <a:rPr lang="de-DE" b="0" i="0" dirty="0" err="1">
+                <a:solidFill>
+                  <a:srgbClr val="E8EAED"/>
+                </a:solidFill>
+                <a:effectLst/>
+                <a:latin typeface="Google Sans"/>
+              </a:rPr>
+              <a:t>governance</a:t>
+            </a:r>
+            <a:r>
+              <a:rPr lang="de-DE" b="0" i="0" dirty="0">
+                <a:solidFill>
+                  <a:srgbClr val="E8EAED"/>
+                </a:solidFill>
+                <a:effectLst/>
+                <a:latin typeface="Google Sans"/>
+              </a:rPr>
+              <a:t> ist das System mit dem Unternehmen kontrolliert werden. Dies geht von Anteilhabern, die Aufsichtsräte wählen, bis hin zum Vorstand</a:t>
+            </a:r>
+            <a:endParaRPr lang="de-DE" dirty="0"/>
+          </a:p>
         </p:txBody>
       </p:sp>
       <p:sp>
@@ -1125,14 +1158,250 @@
           <a:p>
             <a:r>
               <a:rPr lang="de-DE" dirty="0"/>
-              <a:t>Risiko wird bewertet nach Eintrittswahrscheinlichkeit, Schadenswahrscheinlichkeit. Diese werden nach einer Formel zu einem Gesamtrisiko berechnet.</a:t>
+              <a:t>Eintrittswahrscheinlichkeit, Schadenspotenzial</a:t>
             </a:r>
           </a:p>
           <a:p>
             <a:r>
               <a:rPr lang="de-DE" dirty="0"/>
-              <a:t>Insgesamt wurde das Risiko vom Vorjahr herabgestuft, zum einen, da sich das Unternehmen im Automobilmarkt transformiert hat, zum anderen, da mehr in den Verteidigungssektor investiert wurde.</a:t>
-            </a:r>
+              <a:t>Automobil und Verteidigungssektor</a:t>
+            </a:r>
+          </a:p>
+          <a:p>
+            <a:r>
+              <a:rPr lang="de-DE" dirty="0"/>
+              <a:t>Rechtliche Änderungen: Beispiel Sondervermögen 100 Milliarden</a:t>
+            </a:r>
+          </a:p>
+          <a:p>
+            <a:r>
+              <a:rPr lang="de-DE" dirty="0"/>
+              <a:t>	Wenige Akteure</a:t>
+            </a:r>
+          </a:p>
+          <a:p>
+            <a:r>
+              <a:rPr lang="de-DE" dirty="0"/>
+              <a:t>	Wenige nationale und internationale Behörden fast vollständig für </a:t>
+            </a:r>
+            <a:r>
+              <a:rPr lang="en-US" dirty="0"/>
+              <a:t>Vehicle Systems, Weapon and Ammunition </a:t>
+            </a:r>
+            <a:r>
+              <a:rPr lang="en-US" dirty="0" err="1"/>
+              <a:t>sowie</a:t>
+            </a:r>
+            <a:r>
+              <a:rPr lang="en-US" dirty="0"/>
+              <a:t> Electronic Solutions</a:t>
+            </a:r>
+            <a:endParaRPr lang="de-DE" dirty="0"/>
+          </a:p>
+          <a:p>
+            <a:r>
+              <a:rPr lang="de-DE" dirty="0"/>
+              <a:t>	Potenzial für Großprojekte, Personalmangel</a:t>
+            </a:r>
+          </a:p>
+          <a:p>
+            <a:endParaRPr lang="de-DE" dirty="0"/>
+          </a:p>
+          <a:p>
+            <a:pPr algn="l">
+              <a:buFont typeface="Arial" panose="020B0604020202020204" pitchFamily="34" charset="0"/>
+              <a:buNone/>
+            </a:pPr>
+            <a:r>
+              <a:rPr lang="de-DE" dirty="0"/>
+              <a:t>Zu den Wettbewerbern zählen unter anderem </a:t>
+            </a:r>
+            <a:r>
+              <a:rPr lang="de-DE" b="0" i="0" dirty="0">
+                <a:solidFill>
+                  <a:srgbClr val="BDC1C6"/>
+                </a:solidFill>
+                <a:effectLst/>
+                <a:latin typeface="Google Sans"/>
+              </a:rPr>
+              <a:t>Airbus und Thyssen-Krupp. Da der Markt allerdings so stark reguliert ist kann nicht einfach einen neuer Spieler zur Konkurrenz werden. </a:t>
+            </a:r>
+          </a:p>
+          <a:p>
+            <a:pPr algn="l">
+              <a:buFont typeface="Arial" panose="020B0604020202020204" pitchFamily="34" charset="0"/>
+              <a:buNone/>
+            </a:pPr>
+            <a:r>
+              <a:rPr lang="de-DE" b="0" i="0" dirty="0">
+                <a:solidFill>
+                  <a:srgbClr val="BDC1C6"/>
+                </a:solidFill>
+                <a:effectLst/>
+                <a:latin typeface="Google Sans"/>
+              </a:rPr>
+              <a:t>Anders sieht es auf den internationalen Märkten aus, da der transatlantische Wettbewerb zunehmend von Bedeutung gewinnt.</a:t>
+            </a:r>
+          </a:p>
+          <a:p>
+            <a:pPr algn="l">
+              <a:buFont typeface="Arial" panose="020B0604020202020204" pitchFamily="34" charset="0"/>
+              <a:buNone/>
+            </a:pPr>
+            <a:endParaRPr lang="de-DE" b="0" i="0" dirty="0">
+              <a:solidFill>
+                <a:srgbClr val="BDC1C6"/>
+              </a:solidFill>
+              <a:effectLst/>
+              <a:latin typeface="Google Sans"/>
+            </a:endParaRPr>
+          </a:p>
+          <a:p>
+            <a:pPr algn="l">
+              <a:buFont typeface="Arial" panose="020B0604020202020204" pitchFamily="34" charset="0"/>
+              <a:buNone/>
+            </a:pPr>
+            <a:r>
+              <a:rPr lang="de-DE" b="0" i="0" dirty="0">
+                <a:solidFill>
+                  <a:srgbClr val="BDC1C6"/>
+                </a:solidFill>
+                <a:effectLst/>
+                <a:latin typeface="Google Sans"/>
+              </a:rPr>
+              <a:t>Risikostreuung in große Wirtschafträume: Europa, Amerika, Asien</a:t>
+            </a:r>
+          </a:p>
+          <a:p>
+            <a:pPr algn="l">
+              <a:buFont typeface="Arial" panose="020B0604020202020204" pitchFamily="34" charset="0"/>
+              <a:buNone/>
+            </a:pPr>
+            <a:endParaRPr lang="de-DE" b="0" i="0" dirty="0">
+              <a:solidFill>
+                <a:srgbClr val="BDC1C6"/>
+              </a:solidFill>
+              <a:effectLst/>
+              <a:latin typeface="Google Sans"/>
+            </a:endParaRPr>
+          </a:p>
+          <a:p>
+            <a:pPr algn="l">
+              <a:buFont typeface="Arial" panose="020B0604020202020204" pitchFamily="34" charset="0"/>
+              <a:buNone/>
+            </a:pPr>
+            <a:r>
+              <a:rPr lang="de-DE" b="0" i="0" dirty="0">
+                <a:solidFill>
+                  <a:srgbClr val="BDC1C6"/>
+                </a:solidFill>
+                <a:effectLst/>
+                <a:latin typeface="Google Sans"/>
+              </a:rPr>
+              <a:t>Cybervorfälle zwar nicht aufgeführt, aber im Jahresbericht schon eine hohe Bedeutung (Cloud Systeme, </a:t>
+            </a:r>
+            <a:r>
+              <a:rPr lang="de-DE" b="0" i="0" dirty="0" err="1">
+                <a:solidFill>
+                  <a:srgbClr val="BDC1C6"/>
+                </a:solidFill>
+                <a:effectLst/>
+                <a:latin typeface="Google Sans"/>
+              </a:rPr>
+              <a:t>lizenzen</a:t>
+            </a:r>
+            <a:r>
+              <a:rPr lang="de-DE" b="0" i="0" dirty="0">
+                <a:solidFill>
+                  <a:srgbClr val="BDC1C6"/>
+                </a:solidFill>
+                <a:effectLst/>
+                <a:latin typeface="Google Sans"/>
+              </a:rPr>
+              <a:t> bei anderen Unternehmen etc.)</a:t>
+            </a:r>
+          </a:p>
+          <a:p>
+            <a:pPr algn="l">
+              <a:buFont typeface="Arial" panose="020B0604020202020204" pitchFamily="34" charset="0"/>
+              <a:buNone/>
+            </a:pPr>
+            <a:endParaRPr lang="de-DE" b="0" i="0" dirty="0">
+              <a:solidFill>
+                <a:srgbClr val="BDC1C6"/>
+              </a:solidFill>
+              <a:effectLst/>
+              <a:latin typeface="Google Sans"/>
+            </a:endParaRPr>
+          </a:p>
+          <a:p>
+            <a:pPr algn="l">
+              <a:buFont typeface="Arial" panose="020B0604020202020204" pitchFamily="34" charset="0"/>
+              <a:buNone/>
+            </a:pPr>
+            <a:r>
+              <a:rPr lang="de-DE" b="0" i="0" dirty="0">
+                <a:solidFill>
+                  <a:srgbClr val="BDC1C6"/>
+                </a:solidFill>
+                <a:effectLst/>
+                <a:latin typeface="Google Sans"/>
+              </a:rPr>
+              <a:t>Spezifische Risiken: Bindung an langfristige Großprojekte ( Beispiel hier Puma)</a:t>
+            </a:r>
+          </a:p>
+          <a:p>
+            <a:pPr algn="l">
+              <a:buFont typeface="Arial" panose="020B0604020202020204" pitchFamily="34" charset="0"/>
+              <a:buNone/>
+            </a:pPr>
+            <a:r>
+              <a:rPr lang="de-DE" dirty="0"/>
+              <a:t>älter werdenden Belegschaft</a:t>
+            </a:r>
+            <a:r>
+              <a:rPr lang="de-DE" b="0" i="0" dirty="0">
+                <a:solidFill>
+                  <a:srgbClr val="BDC1C6"/>
+                </a:solidFill>
+                <a:effectLst/>
+                <a:latin typeface="Google Sans"/>
+              </a:rPr>
+              <a:t>: regelmäßige </a:t>
+            </a:r>
+            <a:r>
+              <a:rPr lang="de-DE" b="0" i="0" dirty="0" err="1">
+                <a:solidFill>
+                  <a:srgbClr val="BDC1C6"/>
+                </a:solidFill>
+                <a:effectLst/>
+                <a:latin typeface="Google Sans"/>
+              </a:rPr>
+              <a:t>Alterstrukturanalysen</a:t>
+            </a:r>
+            <a:r>
+              <a:rPr lang="de-DE" b="0" i="0" dirty="0">
+                <a:solidFill>
+                  <a:srgbClr val="BDC1C6"/>
+                </a:solidFill>
+                <a:effectLst/>
+                <a:latin typeface="Google Sans"/>
+              </a:rPr>
+              <a:t> : Wissen darf nicht verloren gehen</a:t>
+            </a:r>
+          </a:p>
+          <a:p>
+            <a:pPr algn="l">
+              <a:buFont typeface="Arial" panose="020B0604020202020204" pitchFamily="34" charset="0"/>
+              <a:buNone/>
+            </a:pPr>
+            <a:endParaRPr lang="de-DE" b="0" i="0" dirty="0">
+              <a:solidFill>
+                <a:srgbClr val="BDC1C6"/>
+              </a:solidFill>
+              <a:effectLst/>
+              <a:latin typeface="Google Sans"/>
+            </a:endParaRPr>
           </a:p>
           <a:p>
             <a:pPr marL="0" marR="0" lvl="0" indent="0" algn="l" defTabSz="914400" rtl="0" eaLnBrk="1" fontAlgn="auto" latinLnBrk="0" hangingPunct="1">
@@ -1147,7 +1416,7 @@
               </a:spcAft>
               <a:buClrTx/>
               <a:buSzTx/>
-              <a:buFontTx/>
+              <a:buFont typeface="Arial" panose="020B0604020202020204" pitchFamily="34" charset="0"/>
               <a:buNone/>
               <a:tabLst/>
               <a:defRPr/>
@@ -1160,70 +1429,7 @@
                 <a:effectLst/>
                 <a:latin typeface="Google Sans"/>
               </a:rPr>
-              <a:t>Energiekrise und Klimawandel als indirektes Risiko für die Automobilindustrie.</a:t>
-            </a:r>
-            <a:endParaRPr lang="de-DE" dirty="0"/>
-          </a:p>
-          <a:p>
-            <a:r>
-              <a:rPr lang="de-DE" dirty="0"/>
-              <a:t>Durch das 2022 beschlossene Sondervermögen von 100 Milliarden € ließen sich lang aufgeschobene Großprojekte realisieren, diese könnten kurzfristig allerdings auch zu kurzfristigem Personalmangel führen. Da so der Großteil des Geldes allerdings auch von einigen wenigen Akteuren kommt, ist das Unternehmen stark abhängig. So sind bspw. Wenige nationale und internationale Behörden fast vollständig für die Einnahmen der Divisionen </a:t>
-            </a:r>
-            <a:r>
-              <a:rPr lang="en-US" dirty="0"/>
-              <a:t>Vehicle Systems, Weapon and Ammunition </a:t>
-            </a:r>
-            <a:r>
-              <a:rPr lang="en-US" dirty="0" err="1"/>
-              <a:t>sowie</a:t>
-            </a:r>
-            <a:r>
-              <a:rPr lang="en-US" dirty="0"/>
-              <a:t> Electronic Solutions </a:t>
-            </a:r>
-            <a:r>
-              <a:rPr lang="en-US" dirty="0" err="1"/>
-              <a:t>verantwortlich</a:t>
-            </a:r>
-            <a:r>
-              <a:rPr lang="en-US" dirty="0"/>
-              <a:t>. </a:t>
-            </a:r>
-          </a:p>
-          <a:p>
-            <a:pPr algn="l">
-              <a:buFont typeface="Arial" panose="020B0604020202020204" pitchFamily="34" charset="0"/>
-              <a:buNone/>
-            </a:pPr>
-            <a:r>
-              <a:rPr lang="de-DE" dirty="0"/>
-              <a:t>Zu den Wettbewerbern zählen unter anderem </a:t>
-            </a:r>
-            <a:r>
-              <a:rPr lang="de-DE" b="0" i="0" dirty="0">
-                <a:solidFill>
-                  <a:srgbClr val="BDC1C6"/>
-                </a:solidFill>
-                <a:effectLst/>
-                <a:latin typeface="Google Sans"/>
-              </a:rPr>
-              <a:t>Airbus und Thyssen-Krupp. Da der Markt allerdings so stark reguliert ist kann nicht einfach einen neuer Spieler zur Konkurrenz werden. </a:t>
-            </a:r>
-          </a:p>
-          <a:p>
-            <a:pPr algn="l">
-              <a:buFont typeface="Arial" panose="020B0604020202020204" pitchFamily="34" charset="0"/>
-              <a:buNone/>
-            </a:pPr>
-            <a:r>
-              <a:rPr lang="de-DE" b="0" i="0" dirty="0">
-                <a:solidFill>
-                  <a:srgbClr val="BDC1C6"/>
-                </a:solidFill>
-                <a:effectLst/>
-                <a:latin typeface="Google Sans"/>
-              </a:rPr>
-              <a:t>Anders sieht es auf den internationalen Märkten aus, da der transatlantische Wettbewerb zunehmend von Bedeutung gewinnt.</a:t>
+              <a:t>Kriminalität und Terrorismus werden mit Prävention begegnet, z.B. Reiseverboten für Mitarbeiter</a:t>
             </a:r>
           </a:p>
           <a:p>
@@ -1238,182 +1444,6 @@
               <a:effectLst/>
               <a:latin typeface="Google Sans"/>
             </a:endParaRPr>
-          </a:p>
-          <a:p>
-            <a:pPr algn="l">
-              <a:buFont typeface="Arial" panose="020B0604020202020204" pitchFamily="34" charset="0"/>
-              <a:buNone/>
-            </a:pPr>
-            <a:r>
-              <a:rPr lang="de-DE" b="0" i="0" dirty="0">
-                <a:solidFill>
-                  <a:srgbClr val="BDC1C6"/>
-                </a:solidFill>
-                <a:effectLst/>
-                <a:latin typeface="Google Sans"/>
-              </a:rPr>
-              <a:t>Risikostreuung in große Wirtschafträume: Europa, Amerika, Asien</a:t>
-            </a:r>
-          </a:p>
-          <a:p>
-            <a:pPr algn="l">
-              <a:buFont typeface="Arial" panose="020B0604020202020204" pitchFamily="34" charset="0"/>
-              <a:buNone/>
-            </a:pPr>
-            <a:endParaRPr lang="de-DE" b="0" i="0" dirty="0">
-              <a:solidFill>
-                <a:srgbClr val="BDC1C6"/>
-              </a:solidFill>
-              <a:effectLst/>
-              <a:latin typeface="Google Sans"/>
-            </a:endParaRPr>
-          </a:p>
-          <a:p>
-            <a:pPr algn="l">
-              <a:buFont typeface="Arial" panose="020B0604020202020204" pitchFamily="34" charset="0"/>
-              <a:buNone/>
-            </a:pPr>
-            <a:r>
-              <a:rPr lang="de-DE" b="0" i="0" dirty="0">
-                <a:solidFill>
-                  <a:srgbClr val="BDC1C6"/>
-                </a:solidFill>
-                <a:effectLst/>
-                <a:latin typeface="Google Sans"/>
-              </a:rPr>
-              <a:t>Kriminalität und Terrorismus werden mit Prävention begegnet, z.B. Reiseverboten für Mitarbeiter</a:t>
-            </a:r>
-          </a:p>
-          <a:p>
-            <a:pPr algn="l">
-              <a:buFont typeface="Arial" panose="020B0604020202020204" pitchFamily="34" charset="0"/>
-              <a:buNone/>
-            </a:pPr>
-            <a:r>
-              <a:rPr lang="de-DE" b="0" i="0" dirty="0">
-                <a:solidFill>
-                  <a:srgbClr val="BDC1C6"/>
-                </a:solidFill>
-                <a:effectLst/>
-                <a:latin typeface="Google Sans"/>
-              </a:rPr>
-              <a:t>Cybervorfälle zwar nicht aufgeführt, aber im Jahresbericht schon eine hohe Bedeutung (Cloud Systeme, </a:t>
-            </a:r>
-            <a:r>
-              <a:rPr lang="de-DE" b="0" i="0" dirty="0" err="1">
-                <a:solidFill>
-                  <a:srgbClr val="BDC1C6"/>
-                </a:solidFill>
-                <a:effectLst/>
-                <a:latin typeface="Google Sans"/>
-              </a:rPr>
-              <a:t>lizenzen</a:t>
-            </a:r>
-            <a:r>
-              <a:rPr lang="de-DE" b="0" i="0" dirty="0">
-                <a:solidFill>
-                  <a:srgbClr val="BDC1C6"/>
-                </a:solidFill>
-                <a:effectLst/>
-                <a:latin typeface="Google Sans"/>
-              </a:rPr>
-              <a:t> bei anderen Unternehmen etc.)</a:t>
-            </a:r>
-          </a:p>
-          <a:p>
-            <a:pPr algn="l">
-              <a:buFont typeface="Arial" panose="020B0604020202020204" pitchFamily="34" charset="0"/>
-              <a:buNone/>
-            </a:pPr>
-            <a:r>
-              <a:rPr lang="de-DE" b="0" i="0" dirty="0" err="1">
-                <a:solidFill>
-                  <a:srgbClr val="BDC1C6"/>
-                </a:solidFill>
-                <a:effectLst/>
-                <a:latin typeface="Google Sans"/>
-              </a:rPr>
-              <a:t>Compliante</a:t>
-            </a:r>
-            <a:r>
-              <a:rPr lang="de-DE" b="0" i="0" dirty="0">
-                <a:solidFill>
-                  <a:srgbClr val="BDC1C6"/>
-                </a:solidFill>
-                <a:effectLst/>
-                <a:latin typeface="Google Sans"/>
-              </a:rPr>
-              <a:t> Verstöße</a:t>
-            </a:r>
-          </a:p>
-          <a:p>
-            <a:pPr algn="l">
-              <a:buFont typeface="Arial" panose="020B0604020202020204" pitchFamily="34" charset="0"/>
-              <a:buNone/>
-            </a:pPr>
-            <a:endParaRPr lang="de-DE" b="0" i="0" dirty="0">
-              <a:solidFill>
-                <a:srgbClr val="BDC1C6"/>
-              </a:solidFill>
-              <a:effectLst/>
-              <a:latin typeface="Google Sans"/>
-            </a:endParaRPr>
-          </a:p>
-          <a:p>
-            <a:pPr algn="l">
-              <a:buFont typeface="Arial" panose="020B0604020202020204" pitchFamily="34" charset="0"/>
-              <a:buNone/>
-            </a:pPr>
-            <a:r>
-              <a:rPr lang="de-DE" b="0" i="0" dirty="0">
-                <a:solidFill>
-                  <a:srgbClr val="BDC1C6"/>
-                </a:solidFill>
-                <a:effectLst/>
-                <a:latin typeface="Google Sans"/>
-              </a:rPr>
-              <a:t>Spezifische Risiken: Bindung an langfristige Großprojekte ( Beispiel hier Puma)</a:t>
-            </a:r>
-          </a:p>
-          <a:p>
-            <a:pPr algn="l">
-              <a:buFont typeface="Arial" panose="020B0604020202020204" pitchFamily="34" charset="0"/>
-              <a:buNone/>
-            </a:pPr>
-            <a:r>
-              <a:rPr lang="de-DE" dirty="0"/>
-              <a:t>älter werdenden Belegschaft</a:t>
-            </a:r>
-            <a:r>
-              <a:rPr lang="de-DE" b="0" i="0" dirty="0">
-                <a:solidFill>
-                  <a:srgbClr val="BDC1C6"/>
-                </a:solidFill>
-                <a:effectLst/>
-                <a:latin typeface="Google Sans"/>
-              </a:rPr>
-              <a:t>: regelmäßige </a:t>
-            </a:r>
-            <a:r>
-              <a:rPr lang="de-DE" b="0" i="0" dirty="0" err="1">
-                <a:solidFill>
-                  <a:srgbClr val="BDC1C6"/>
-                </a:solidFill>
-                <a:effectLst/>
-                <a:latin typeface="Google Sans"/>
-              </a:rPr>
-              <a:t>Alterstrukturanalysen</a:t>
-            </a:r>
-            <a:r>
-              <a:rPr lang="de-DE" b="0" i="0" dirty="0">
-                <a:solidFill>
-                  <a:srgbClr val="BDC1C6"/>
-                </a:solidFill>
-                <a:effectLst/>
-                <a:latin typeface="Google Sans"/>
-              </a:rPr>
-              <a:t> : Wissen darf nicht verloren gehen</a:t>
-            </a:r>
           </a:p>
         </p:txBody>
       </p:sp>
@@ -2728,15 +2758,32 @@
             </a:r>
           </a:p>
           <a:p>
+            <a:pPr marL="0" marR="0" lvl="0" indent="0" algn="l" defTabSz="914400" rtl="0" eaLnBrk="1" fontAlgn="auto" latinLnBrk="0" hangingPunct="1">
+              <a:lnSpc>
+                <a:spcPct val="100000"/>
+              </a:lnSpc>
+              <a:spcBef>
+                <a:spcPts val="0"/>
+              </a:spcBef>
+              <a:spcAft>
+                <a:spcPts val="0"/>
+              </a:spcAft>
+              <a:buClrTx/>
+              <a:buSzTx/>
+              <a:buFontTx/>
+              <a:buNone/>
+              <a:tabLst/>
+              <a:defRPr/>
+            </a:pPr>
             <a:r>
               <a:rPr lang="de-DE" dirty="0"/>
-              <a:t>1921: Wiederaufnahme Militärischer Produktion und Kapitalerhöhung durch das deutsche Reich</a:t>
+              <a:t>1921: Wiederaufnahme Militärischer Produktion und Kapitalerhöhung durch die Weimarer Republik</a:t>
             </a:r>
           </a:p>
           <a:p>
             <a:r>
               <a:rPr lang="de-DE" dirty="0"/>
-              <a:t>1925: Mehrheitsübernahme durch das deutsche Reich</a:t>
+              <a:t>1925: Mehrheitsübernahme durch die Weimarer Republik</a:t>
             </a:r>
           </a:p>
           <a:p>
@@ -2760,7 +2807,7 @@
           <a:p>
             <a:r>
               <a:rPr lang="de-DE" dirty="0"/>
-              <a:t>Letzten Kriegsjahren wurde die Produktion dann in die Gebiete des heutigen Polens und der DRR verlegt</a:t>
+              <a:t>11944/45:Letzten Kriegsjahren wurde die Produktion dann in die Gebiete des heutigen Polens und der DRR verlegt</a:t>
             </a:r>
           </a:p>
           <a:p>
@@ -3340,7 +3387,7 @@
           <a:p>
             <a:fld id="{250DBC62-00E4-43F1-B225-CF948E9DA645}" type="datetimeFigureOut">
               <a:rPr lang="de-DE" smtClean="0"/>
-              <a:t>02.11.2023</a:t>
+              <a:t>03.11.2023</a:t>
             </a:fld>
             <a:endParaRPr lang="de-DE"/>
           </a:p>
@@ -3540,7 +3587,7 @@
           <a:p>
             <a:fld id="{250DBC62-00E4-43F1-B225-CF948E9DA645}" type="datetimeFigureOut">
               <a:rPr lang="de-DE" smtClean="0"/>
-              <a:t>02.11.2023</a:t>
+              <a:t>03.11.2023</a:t>
             </a:fld>
             <a:endParaRPr lang="de-DE"/>
           </a:p>
@@ -3750,7 +3797,7 @@
           <a:p>
             <a:fld id="{250DBC62-00E4-43F1-B225-CF948E9DA645}" type="datetimeFigureOut">
               <a:rPr lang="de-DE" smtClean="0"/>
-              <a:t>02.11.2023</a:t>
+              <a:t>03.11.2023</a:t>
             </a:fld>
             <a:endParaRPr lang="de-DE"/>
           </a:p>
@@ -3950,7 +3997,7 @@
           <a:p>
             <a:fld id="{250DBC62-00E4-43F1-B225-CF948E9DA645}" type="datetimeFigureOut">
               <a:rPr lang="de-DE" smtClean="0"/>
-              <a:t>02.11.2023</a:t>
+              <a:t>03.11.2023</a:t>
             </a:fld>
             <a:endParaRPr lang="de-DE"/>
           </a:p>
@@ -4226,7 +4273,7 @@
           <a:p>
             <a:fld id="{250DBC62-00E4-43F1-B225-CF948E9DA645}" type="datetimeFigureOut">
               <a:rPr lang="de-DE" smtClean="0"/>
-              <a:t>02.11.2023</a:t>
+              <a:t>03.11.2023</a:t>
             </a:fld>
             <a:endParaRPr lang="de-DE"/>
           </a:p>
@@ -4494,7 +4541,7 @@
           <a:p>
             <a:fld id="{250DBC62-00E4-43F1-B225-CF948E9DA645}" type="datetimeFigureOut">
               <a:rPr lang="de-DE" smtClean="0"/>
-              <a:t>02.11.2023</a:t>
+              <a:t>03.11.2023</a:t>
             </a:fld>
             <a:endParaRPr lang="de-DE"/>
           </a:p>
@@ -4909,7 +4956,7 @@
           <a:p>
             <a:fld id="{250DBC62-00E4-43F1-B225-CF948E9DA645}" type="datetimeFigureOut">
               <a:rPr lang="de-DE" smtClean="0"/>
-              <a:t>02.11.2023</a:t>
+              <a:t>03.11.2023</a:t>
             </a:fld>
             <a:endParaRPr lang="de-DE"/>
           </a:p>
@@ -5051,7 +5098,7 @@
           <a:p>
             <a:fld id="{250DBC62-00E4-43F1-B225-CF948E9DA645}" type="datetimeFigureOut">
               <a:rPr lang="de-DE" smtClean="0"/>
-              <a:t>02.11.2023</a:t>
+              <a:t>03.11.2023</a:t>
             </a:fld>
             <a:endParaRPr lang="de-DE"/>
           </a:p>
@@ -5164,7 +5211,7 @@
           <a:p>
             <a:fld id="{250DBC62-00E4-43F1-B225-CF948E9DA645}" type="datetimeFigureOut">
               <a:rPr lang="de-DE" smtClean="0"/>
-              <a:t>02.11.2023</a:t>
+              <a:t>03.11.2023</a:t>
             </a:fld>
             <a:endParaRPr lang="de-DE"/>
           </a:p>
@@ -5477,7 +5524,7 @@
           <a:p>
             <a:fld id="{250DBC62-00E4-43F1-B225-CF948E9DA645}" type="datetimeFigureOut">
               <a:rPr lang="de-DE" smtClean="0"/>
-              <a:t>02.11.2023</a:t>
+              <a:t>03.11.2023</a:t>
             </a:fld>
             <a:endParaRPr lang="de-DE"/>
           </a:p>
@@ -5766,7 +5813,7 @@
           <a:p>
             <a:fld id="{250DBC62-00E4-43F1-B225-CF948E9DA645}" type="datetimeFigureOut">
               <a:rPr lang="de-DE" smtClean="0"/>
-              <a:t>02.11.2023</a:t>
+              <a:t>03.11.2023</a:t>
             </a:fld>
             <a:endParaRPr lang="de-DE"/>
           </a:p>
@@ -6009,7 +6056,7 @@
           <a:p>
             <a:fld id="{250DBC62-00E4-43F1-B225-CF948E9DA645}" type="datetimeFigureOut">
               <a:rPr lang="de-DE" smtClean="0"/>
-              <a:t>02.11.2023</a:t>
+              <a:t>03.11.2023</a:t>
             </a:fld>
             <a:endParaRPr lang="de-DE"/>
           </a:p>
@@ -8010,7 +8057,7 @@
                 <a:latin typeface="Times New Roman" panose="02020603050405020304" pitchFamily="18" charset="0"/>
                 <a:cs typeface="Times New Roman" panose="02020603050405020304" pitchFamily="18" charset="0"/>
               </a:rPr>
-              <a:t>Die Genehmigung von Rüstungsexporten erfordert die Zustimmung des Bundessicherheitsrats, der aus der Bundeskanzler und acht Bundesministern besteht.</a:t>
+              <a:t>Die Genehmigung von Rüstungsexporten erfordert die Zustimmung des Bundessicherheitsrats, der aus dem Bundeskanzler und acht Bundesministern besteht.</a:t>
             </a:r>
           </a:p>
           <a:p>
@@ -15770,7 +15817,7 @@
                 <a:latin typeface="Times New Roman" panose="02020603050405020304" pitchFamily="18" charset="0"/>
                 <a:cs typeface="Times New Roman" panose="02020603050405020304" pitchFamily="18" charset="0"/>
               </a:rPr>
-              <a:t>Kunden in 138 Staaten</a:t>
+              <a:t>Automobilindustrie</a:t>
             </a:r>
           </a:p>
           <a:p>
@@ -15786,7 +15833,7 @@
                 <a:latin typeface="Times New Roman" panose="02020603050405020304" pitchFamily="18" charset="0"/>
                 <a:cs typeface="Times New Roman" panose="02020603050405020304" pitchFamily="18" charset="0"/>
               </a:rPr>
-              <a:t>Automobilindustrie</a:t>
+              <a:t>Nationale Verteidigungsunternehmen</a:t>
             </a:r>
           </a:p>
           <a:p>
@@ -15802,7 +15849,7 @@
                 <a:latin typeface="Times New Roman" panose="02020603050405020304" pitchFamily="18" charset="0"/>
                 <a:cs typeface="Times New Roman" panose="02020603050405020304" pitchFamily="18" charset="0"/>
               </a:rPr>
-              <a:t>Nationale Verteidigungsunternehmen</a:t>
+              <a:t>NATO</a:t>
             </a:r>
           </a:p>
           <a:p>
@@ -15818,7 +15865,7 @@
                 <a:latin typeface="Times New Roman" panose="02020603050405020304" pitchFamily="18" charset="0"/>
                 <a:cs typeface="Times New Roman" panose="02020603050405020304" pitchFamily="18" charset="0"/>
               </a:rPr>
-              <a:t>NATO</a:t>
+              <a:t>Kunden in 138 Staaten</a:t>
             </a:r>
           </a:p>
         </p:txBody>
@@ -19379,7 +19426,7 @@
         <p:spPr>
           <a:xfrm>
             <a:off x="2247046" y="4759939"/>
-            <a:ext cx="2058577" cy="866904"/>
+            <a:ext cx="2058577" cy="1082348"/>
           </a:xfrm>
           <a:prstGeom prst="rect">
             <a:avLst/>
@@ -19430,7 +19477,7 @@
                 <a:latin typeface="Times New Roman" panose="02020603050405020304" pitchFamily="18" charset="0"/>
                 <a:cs typeface="Times New Roman" panose="02020603050405020304" pitchFamily="18" charset="0"/>
               </a:rPr>
-              <a:t>durch das Deutsche Reich</a:t>
+              <a:t>durch die Weimarer Republik</a:t>
             </a:r>
           </a:p>
         </p:txBody>
